--- a/PPT/202306023_북부청사 발표/프롬프트 실습(북부청사).pptx
+++ b/PPT/202306023_북부청사 발표/프롬프트 실습(북부청사).pptx
@@ -22,36 +22,28 @@
     <p:sldId id="271" r:id="rId16"/>
     <p:sldId id="273" r:id="rId17"/>
     <p:sldId id="272" r:id="rId18"/>
-    <p:sldId id="320" r:id="rId19"/>
-    <p:sldId id="321" r:id="rId20"/>
-    <p:sldId id="279" r:id="rId21"/>
-    <p:sldId id="353" r:id="rId22"/>
-    <p:sldId id="372" r:id="rId23"/>
-    <p:sldId id="323" r:id="rId24"/>
-    <p:sldId id="284" r:id="rId25"/>
-    <p:sldId id="286" r:id="rId26"/>
-    <p:sldId id="285" r:id="rId27"/>
-    <p:sldId id="288" r:id="rId28"/>
-    <p:sldId id="289" r:id="rId29"/>
-    <p:sldId id="290" r:id="rId30"/>
-    <p:sldId id="291" r:id="rId31"/>
-    <p:sldId id="296" r:id="rId32"/>
-    <p:sldId id="292" r:id="rId33"/>
-    <p:sldId id="293" r:id="rId34"/>
-    <p:sldId id="298" r:id="rId35"/>
-    <p:sldId id="333" r:id="rId36"/>
-    <p:sldId id="299" r:id="rId37"/>
-    <p:sldId id="324" r:id="rId38"/>
-    <p:sldId id="327" r:id="rId39"/>
-    <p:sldId id="330" r:id="rId40"/>
-    <p:sldId id="332" r:id="rId41"/>
-    <p:sldId id="329" r:id="rId42"/>
-    <p:sldId id="368" r:id="rId43"/>
-    <p:sldId id="369" r:id="rId44"/>
-    <p:sldId id="301" r:id="rId45"/>
-    <p:sldId id="302" r:id="rId46"/>
-    <p:sldId id="303" r:id="rId47"/>
-    <p:sldId id="304" r:id="rId48"/>
+    <p:sldId id="321" r:id="rId19"/>
+    <p:sldId id="279" r:id="rId20"/>
+    <p:sldId id="353" r:id="rId21"/>
+    <p:sldId id="372" r:id="rId22"/>
+    <p:sldId id="323" r:id="rId23"/>
+    <p:sldId id="284" r:id="rId24"/>
+    <p:sldId id="286" r:id="rId25"/>
+    <p:sldId id="285" r:id="rId26"/>
+    <p:sldId id="288" r:id="rId27"/>
+    <p:sldId id="289" r:id="rId28"/>
+    <p:sldId id="290" r:id="rId29"/>
+    <p:sldId id="291" r:id="rId30"/>
+    <p:sldId id="296" r:id="rId31"/>
+    <p:sldId id="292" r:id="rId32"/>
+    <p:sldId id="293" r:id="rId33"/>
+    <p:sldId id="298" r:id="rId34"/>
+    <p:sldId id="333" r:id="rId35"/>
+    <p:sldId id="299" r:id="rId36"/>
+    <p:sldId id="324" r:id="rId37"/>
+    <p:sldId id="332" r:id="rId38"/>
+    <p:sldId id="301" r:id="rId39"/>
+    <p:sldId id="302" r:id="rId40"/>
   </p:sldIdLst>
   <p:sldSz cx="12192000" cy="6858000"/>
   <p:notesSz cx="6858000" cy="9144000"/>
@@ -298,7 +290,7 @@
           <a:p>
             <a:fld id="{4A5A8114-1E97-441C-9068-A84206930F79}" type="datetimeFigureOut">
               <a:rPr lang="ko-KR" altLang="en-US" smtClean="0"/>
-              <a:t>2023-06-23</a:t>
+              <a:t>2023-06-26</a:t>
             </a:fld>
             <a:endParaRPr lang="ko-KR" altLang="en-US" dirty="0"/>
           </a:p>
@@ -466,7 +458,7 @@
           <a:p>
             <a:fld id="{4A5A8114-1E97-441C-9068-A84206930F79}" type="datetimeFigureOut">
               <a:rPr lang="ko-KR" altLang="en-US" smtClean="0"/>
-              <a:t>2023-06-23</a:t>
+              <a:t>2023-06-26</a:t>
             </a:fld>
             <a:endParaRPr lang="ko-KR" altLang="en-US" dirty="0"/>
           </a:p>
@@ -644,7 +636,7 @@
           <a:p>
             <a:fld id="{4A5A8114-1E97-441C-9068-A84206930F79}" type="datetimeFigureOut">
               <a:rPr lang="ko-KR" altLang="en-US" smtClean="0"/>
-              <a:t>2023-06-23</a:t>
+              <a:t>2023-06-26</a:t>
             </a:fld>
             <a:endParaRPr lang="ko-KR" altLang="en-US" dirty="0"/>
           </a:p>
@@ -812,7 +804,7 @@
           <a:p>
             <a:fld id="{4A5A8114-1E97-441C-9068-A84206930F79}" type="datetimeFigureOut">
               <a:rPr lang="ko-KR" altLang="en-US" smtClean="0"/>
-              <a:t>2023-06-23</a:t>
+              <a:t>2023-06-26</a:t>
             </a:fld>
             <a:endParaRPr lang="ko-KR" altLang="en-US" dirty="0"/>
           </a:p>
@@ -1057,7 +1049,7 @@
           <a:p>
             <a:fld id="{4A5A8114-1E97-441C-9068-A84206930F79}" type="datetimeFigureOut">
               <a:rPr lang="ko-KR" altLang="en-US" smtClean="0"/>
-              <a:t>2023-06-23</a:t>
+              <a:t>2023-06-26</a:t>
             </a:fld>
             <a:endParaRPr lang="ko-KR" altLang="en-US" dirty="0"/>
           </a:p>
@@ -1286,7 +1278,7 @@
           <a:p>
             <a:fld id="{4A5A8114-1E97-441C-9068-A84206930F79}" type="datetimeFigureOut">
               <a:rPr lang="ko-KR" altLang="en-US" smtClean="0"/>
-              <a:t>2023-06-23</a:t>
+              <a:t>2023-06-26</a:t>
             </a:fld>
             <a:endParaRPr lang="ko-KR" altLang="en-US" dirty="0"/>
           </a:p>
@@ -1650,7 +1642,7 @@
           <a:p>
             <a:fld id="{4A5A8114-1E97-441C-9068-A84206930F79}" type="datetimeFigureOut">
               <a:rPr lang="ko-KR" altLang="en-US" smtClean="0"/>
-              <a:t>2023-06-23</a:t>
+              <a:t>2023-06-26</a:t>
             </a:fld>
             <a:endParaRPr lang="ko-KR" altLang="en-US" dirty="0"/>
           </a:p>
@@ -1767,7 +1759,7 @@
           <a:p>
             <a:fld id="{4A5A8114-1E97-441C-9068-A84206930F79}" type="datetimeFigureOut">
               <a:rPr lang="ko-KR" altLang="en-US" smtClean="0"/>
-              <a:t>2023-06-23</a:t>
+              <a:t>2023-06-26</a:t>
             </a:fld>
             <a:endParaRPr lang="ko-KR" altLang="en-US" dirty="0"/>
           </a:p>
@@ -1862,7 +1854,7 @@
           <a:p>
             <a:fld id="{4A5A8114-1E97-441C-9068-A84206930F79}" type="datetimeFigureOut">
               <a:rPr lang="ko-KR" altLang="en-US" smtClean="0"/>
-              <a:t>2023-06-23</a:t>
+              <a:t>2023-06-26</a:t>
             </a:fld>
             <a:endParaRPr lang="ko-KR" altLang="en-US" dirty="0"/>
           </a:p>
@@ -2137,7 +2129,7 @@
           <a:p>
             <a:fld id="{4A5A8114-1E97-441C-9068-A84206930F79}" type="datetimeFigureOut">
               <a:rPr lang="ko-KR" altLang="en-US" smtClean="0"/>
-              <a:t>2023-06-23</a:t>
+              <a:t>2023-06-26</a:t>
             </a:fld>
             <a:endParaRPr lang="ko-KR" altLang="en-US" dirty="0"/>
           </a:p>
@@ -2389,7 +2381,7 @@
           <a:p>
             <a:fld id="{4A5A8114-1E97-441C-9068-A84206930F79}" type="datetimeFigureOut">
               <a:rPr lang="ko-KR" altLang="en-US" smtClean="0"/>
-              <a:t>2023-06-23</a:t>
+              <a:t>2023-06-26</a:t>
             </a:fld>
             <a:endParaRPr lang="ko-KR" altLang="en-US" dirty="0"/>
           </a:p>
@@ -2600,7 +2592,7 @@
           <a:p>
             <a:fld id="{4A5A8114-1E97-441C-9068-A84206930F79}" type="datetimeFigureOut">
               <a:rPr lang="ko-KR" altLang="en-US" smtClean="0"/>
-              <a:t>2023-06-23</a:t>
+              <a:t>2023-06-26</a:t>
             </a:fld>
             <a:endParaRPr lang="ko-KR" altLang="en-US" dirty="0"/>
           </a:p>
@@ -4611,198 +4603,6 @@
           <a:lstStyle/>
           <a:p>
             <a:r>
-              <a:rPr lang="ko-KR" altLang="en-US" b="1">
-                <a:solidFill>
-                  <a:srgbClr val="C00000"/>
-                </a:solidFill>
-              </a:rPr>
-              <a:t>엑셀 파일</a:t>
-            </a:r>
-            <a:r>
-              <a:rPr lang="en-US" altLang="ko-KR" b="1" dirty="0">
-                <a:solidFill>
-                  <a:srgbClr val="C00000"/>
-                </a:solidFill>
-              </a:rPr>
-              <a:t> </a:t>
-            </a:r>
-            <a:r>
-              <a:rPr lang="ko-KR" altLang="en-US" b="1" dirty="0">
-                <a:solidFill>
-                  <a:srgbClr val="C00000"/>
-                </a:solidFill>
-              </a:rPr>
-              <a:t>결합</a:t>
-            </a:r>
-            <a:r>
-              <a:rPr lang="en-US" altLang="ko-KR" b="1" dirty="0">
-                <a:solidFill>
-                  <a:srgbClr val="C00000"/>
-                </a:solidFill>
-              </a:rPr>
-              <a:t>/</a:t>
-            </a:r>
-            <a:r>
-              <a:rPr lang="ko-KR" altLang="en-US" b="1" dirty="0">
-                <a:solidFill>
-                  <a:srgbClr val="C00000"/>
-                </a:solidFill>
-              </a:rPr>
-              <a:t>분리 활용</a:t>
-            </a:r>
-          </a:p>
-        </p:txBody>
-      </p:sp>
-      <p:sp>
-        <p:nvSpPr>
-          <p:cNvPr id="3" name="내용 개체 틀 2"/>
-          <p:cNvSpPr>
-            <a:spLocks noGrp="1"/>
-          </p:cNvSpPr>
-          <p:nvPr>
-            <p:ph idx="1"/>
-          </p:nvPr>
-        </p:nvSpPr>
-        <p:spPr/>
-        <p:txBody>
-          <a:bodyPr/>
-          <a:lstStyle/>
-          <a:p>
-            <a:pPr marL="514350" indent="-514350" algn="just">
-              <a:lnSpc>
-                <a:spcPct val="150000"/>
-              </a:lnSpc>
-              <a:buAutoNum type="arabicPeriod"/>
-            </a:pPr>
-            <a:r>
-              <a:rPr lang="ko-KR" altLang="en-US" b="1" dirty="0"/>
-              <a:t>두려운 엑셀파일 관리 더 이상 무서워 하지 마세요</a:t>
-            </a:r>
-            <a:r>
-              <a:rPr lang="en-US" altLang="ko-KR" b="1" dirty="0"/>
-              <a:t>.</a:t>
-            </a:r>
-          </a:p>
-          <a:p>
-            <a:pPr marL="514350" indent="-514350" algn="just">
-              <a:lnSpc>
-                <a:spcPct val="150000"/>
-              </a:lnSpc>
-              <a:buAutoNum type="arabicPeriod"/>
-            </a:pPr>
-            <a:r>
-              <a:rPr lang="ko-KR" altLang="en-US" b="1" dirty="0" err="1"/>
-              <a:t>파이썬과</a:t>
-            </a:r>
-            <a:r>
-              <a:rPr lang="ko-KR" altLang="en-US" b="1" dirty="0"/>
-              <a:t> </a:t>
-            </a:r>
-            <a:r>
-              <a:rPr lang="en-US" altLang="ko-KR" b="1" dirty="0" err="1"/>
-              <a:t>ChatGPT</a:t>
-            </a:r>
-            <a:r>
-              <a:rPr lang="ko-KR" altLang="en-US" b="1" dirty="0"/>
-              <a:t>만 있다면 쉽고 빠르게</a:t>
-            </a:r>
-            <a:r>
-              <a:rPr lang="en-US" altLang="ko-KR" b="1" dirty="0"/>
-              <a:t>!</a:t>
-            </a:r>
-          </a:p>
-          <a:p>
-            <a:pPr marL="514350" indent="-514350" algn="just">
-              <a:lnSpc>
-                <a:spcPct val="150000"/>
-              </a:lnSpc>
-              <a:buAutoNum type="arabicPeriod"/>
-            </a:pPr>
-            <a:r>
-              <a:rPr lang="ko-KR" altLang="en-US" b="1" dirty="0"/>
-              <a:t>예시 자료 이외의 더욱 다양한 분야에 활용 가능</a:t>
-            </a:r>
-            <a:r>
-              <a:rPr lang="en-US" altLang="ko-KR" b="1" dirty="0"/>
-              <a:t>!</a:t>
-            </a:r>
-          </a:p>
-          <a:p>
-            <a:pPr marL="514350" indent="-514350" algn="just">
-              <a:lnSpc>
-                <a:spcPct val="150000"/>
-              </a:lnSpc>
-              <a:buAutoNum type="arabicPeriod"/>
-            </a:pPr>
-            <a:r>
-              <a:rPr lang="ko-KR" altLang="en-US" b="1" dirty="0"/>
-              <a:t>내가 해결하고 싶은 </a:t>
-            </a:r>
-            <a:r>
-              <a:rPr lang="ko-KR" altLang="en-US" b="1" dirty="0">
-                <a:solidFill>
-                  <a:srgbClr val="C00000"/>
-                </a:solidFill>
-              </a:rPr>
-              <a:t>문제</a:t>
-            </a:r>
-            <a:r>
-              <a:rPr lang="ko-KR" altLang="en-US" b="1" dirty="0"/>
-              <a:t>에 집중하세요</a:t>
-            </a:r>
-            <a:r>
-              <a:rPr lang="en-US" altLang="ko-KR" b="1" dirty="0"/>
-              <a:t>!!</a:t>
-            </a:r>
-          </a:p>
-        </p:txBody>
-      </p:sp>
-    </p:spTree>
-    <p:extLst>
-      <p:ext uri="{BB962C8B-B14F-4D97-AF65-F5344CB8AC3E}">
-        <p14:creationId xmlns:p14="http://schemas.microsoft.com/office/powerpoint/2010/main" val="4169139698"/>
-      </p:ext>
-    </p:extLst>
-  </p:cSld>
-  <p:clrMapOvr>
-    <a:masterClrMapping/>
-  </p:clrMapOvr>
-</p:sld>
-</file>
-
-<file path=ppt/slides/slide19.xml><?xml version="1.0" encoding="utf-8"?>
-<p:sld xmlns:a="http://schemas.openxmlformats.org/drawingml/2006/main" xmlns:r="http://schemas.openxmlformats.org/officeDocument/2006/relationships" xmlns:p="http://schemas.openxmlformats.org/presentationml/2006/main">
-  <p:cSld>
-    <p:spTree>
-      <p:nvGrpSpPr>
-        <p:cNvPr id="1" name=""/>
-        <p:cNvGrpSpPr/>
-        <p:nvPr/>
-      </p:nvGrpSpPr>
-      <p:grpSpPr>
-        <a:xfrm>
-          <a:off x="0" y="0"/>
-          <a:ext cx="0" cy="0"/>
-          <a:chOff x="0" y="0"/>
-          <a:chExt cx="0" cy="0"/>
-        </a:xfrm>
-      </p:grpSpPr>
-      <p:sp>
-        <p:nvSpPr>
-          <p:cNvPr id="2" name="제목 1"/>
-          <p:cNvSpPr>
-            <a:spLocks noGrp="1"/>
-          </p:cNvSpPr>
-          <p:nvPr>
-            <p:ph type="title"/>
-          </p:nvPr>
-        </p:nvSpPr>
-        <p:spPr/>
-        <p:txBody>
-          <a:bodyPr/>
-          <a:lstStyle/>
-          <a:p>
-            <a:r>
               <a:rPr lang="en-US" altLang="ko-KR" b="1" dirty="0">
                 <a:solidFill>
                   <a:srgbClr val="C00000"/>
@@ -4853,13 +4653,10 @@
               <a:t>? </a:t>
             </a:r>
             <a:r>
-              <a:rPr lang="ko-KR" altLang="en-US" b="1" dirty="0" err="1"/>
+              <a:rPr lang="ko-KR" altLang="en-US" b="1" dirty="0" err="1" smtClean="0"/>
               <a:t>업무자동화</a:t>
             </a:r>
-            <a:r>
-              <a:rPr lang="en-US" altLang="ko-KR" b="1" dirty="0"/>
-              <a:t>~~~! Yeah!!!!!</a:t>
-            </a:r>
+            <a:endParaRPr lang="en-US" altLang="ko-KR" b="1" dirty="0" smtClean="0"/>
           </a:p>
           <a:p>
             <a:pPr marL="514350" indent="-514350" algn="just">
@@ -4869,8 +4666,12 @@
               <a:buAutoNum type="arabicPeriod"/>
             </a:pPr>
             <a:r>
+              <a:rPr lang="ko-KR" altLang="en-US" b="1" dirty="0" smtClean="0"/>
+              <a:t>몰라서 </a:t>
+            </a:r>
+            <a:r>
               <a:rPr lang="ko-KR" altLang="en-US" b="1" dirty="0"/>
-              <a:t>몰라서 못 하는 거야</a:t>
+              <a:t>못 하는 거야</a:t>
             </a:r>
             <a:r>
               <a:rPr lang="en-US" altLang="ko-KR" b="1" dirty="0"/>
@@ -5048,311 +4849,7 @@
 </p:sld>
 </file>
 
-<file path=ppt/slides/slide2.xml><?xml version="1.0" encoding="utf-8"?>
-<p:sld xmlns:a="http://schemas.openxmlformats.org/drawingml/2006/main" xmlns:r="http://schemas.openxmlformats.org/officeDocument/2006/relationships" xmlns:p="http://schemas.openxmlformats.org/presentationml/2006/main">
-  <p:cSld>
-    <p:spTree>
-      <p:nvGrpSpPr>
-        <p:cNvPr id="1" name=""/>
-        <p:cNvGrpSpPr/>
-        <p:nvPr/>
-      </p:nvGrpSpPr>
-      <p:grpSpPr>
-        <a:xfrm>
-          <a:off x="0" y="0"/>
-          <a:ext cx="0" cy="0"/>
-          <a:chOff x="0" y="0"/>
-          <a:chExt cx="0" cy="0"/>
-        </a:xfrm>
-      </p:grpSpPr>
-      <p:sp>
-        <p:nvSpPr>
-          <p:cNvPr id="2" name="제목 1"/>
-          <p:cNvSpPr>
-            <a:spLocks noGrp="1"/>
-          </p:cNvSpPr>
-          <p:nvPr>
-            <p:ph type="title"/>
-          </p:nvPr>
-        </p:nvSpPr>
-        <p:spPr/>
-        <p:txBody>
-          <a:bodyPr/>
-          <a:lstStyle/>
-          <a:p>
-            <a:r>
-              <a:rPr lang="ko-KR" altLang="en-US" b="1" dirty="0"/>
-              <a:t>프롬프트가 뭐야</a:t>
-            </a:r>
-            <a:r>
-              <a:rPr lang="en-US" altLang="ko-KR" b="1" dirty="0"/>
-              <a:t>?(</a:t>
-            </a:r>
-            <a:r>
-              <a:rPr lang="en-US" altLang="ko-KR" b="1" dirty="0" err="1"/>
-              <a:t>ChatGPT</a:t>
-            </a:r>
-            <a:r>
-              <a:rPr lang="en-US" altLang="ko-KR" b="1" dirty="0"/>
-              <a:t> </a:t>
-            </a:r>
-            <a:r>
-              <a:rPr lang="ko-KR" altLang="en-US" b="1" dirty="0"/>
-              <a:t>답변</a:t>
-            </a:r>
-            <a:r>
-              <a:rPr lang="en-US" altLang="ko-KR" b="1" dirty="0"/>
-              <a:t>)</a:t>
-            </a:r>
-            <a:endParaRPr lang="ko-KR" altLang="en-US" b="1" dirty="0"/>
-          </a:p>
-        </p:txBody>
-      </p:sp>
-      <p:sp>
-        <p:nvSpPr>
-          <p:cNvPr id="3" name="내용 개체 틀 2"/>
-          <p:cNvSpPr>
-            <a:spLocks noGrp="1"/>
-          </p:cNvSpPr>
-          <p:nvPr>
-            <p:ph idx="1"/>
-          </p:nvPr>
-        </p:nvSpPr>
-        <p:spPr/>
-        <p:txBody>
-          <a:bodyPr>
-            <a:noAutofit/>
-          </a:bodyPr>
-          <a:lstStyle/>
-          <a:p>
-            <a:pPr marL="0" indent="0" algn="just">
-              <a:lnSpc>
-                <a:spcPct val="250000"/>
-              </a:lnSpc>
-              <a:buNone/>
-            </a:pPr>
-            <a:r>
-              <a:rPr lang="en-US" altLang="ko-KR" sz="2000" b="1" dirty="0" err="1"/>
-              <a:t>ChatGPT</a:t>
-            </a:r>
-            <a:r>
-              <a:rPr lang="en-US" altLang="ko-KR" sz="2000" b="1" dirty="0"/>
-              <a:t> </a:t>
-            </a:r>
-            <a:r>
-              <a:rPr lang="ko-KR" altLang="en-US" sz="2000" b="1" dirty="0" err="1"/>
-              <a:t>프롬프트란</a:t>
-            </a:r>
-            <a:r>
-              <a:rPr lang="en-US" altLang="ko-KR" sz="2000" b="1" dirty="0"/>
-              <a:t>,</a:t>
-            </a:r>
-            <a:r>
-              <a:rPr lang="en-US" altLang="ko-KR" sz="2000" dirty="0"/>
-              <a:t> </a:t>
-            </a:r>
-            <a:r>
-              <a:rPr lang="ko-KR" altLang="en-US" sz="1050" dirty="0"/>
-              <a:t>인공지능 채팅 </a:t>
-            </a:r>
-            <a:r>
-              <a:rPr lang="ko-KR" altLang="en-US" sz="1400" dirty="0"/>
-              <a:t>모델인 </a:t>
-            </a:r>
-            <a:r>
-              <a:rPr lang="en-US" altLang="ko-KR" sz="2000" b="1" dirty="0" err="1">
-                <a:solidFill>
-                  <a:srgbClr val="C00000"/>
-                </a:solidFill>
-              </a:rPr>
-              <a:t>ChatGPT</a:t>
-            </a:r>
-            <a:r>
-              <a:rPr lang="ko-KR" altLang="en-US" sz="2000" b="1" dirty="0">
-                <a:solidFill>
-                  <a:srgbClr val="C00000"/>
-                </a:solidFill>
-              </a:rPr>
-              <a:t>에게 무엇을 말할지 알려주는 </a:t>
-            </a:r>
-            <a:r>
-              <a:rPr lang="ko-KR" altLang="en-US" sz="2000" b="1" dirty="0" err="1">
-                <a:solidFill>
-                  <a:srgbClr val="C00000"/>
-                </a:solidFill>
-              </a:rPr>
-              <a:t>문장</a:t>
-            </a:r>
-            <a:r>
-              <a:rPr lang="ko-KR" altLang="en-US" sz="1050" dirty="0" err="1"/>
-              <a:t>이에요</a:t>
-            </a:r>
-            <a:r>
-              <a:rPr lang="en-US" altLang="ko-KR" sz="1050" dirty="0"/>
-              <a:t>. </a:t>
-            </a:r>
-            <a:r>
-              <a:rPr lang="ko-KR" altLang="en-US" sz="1050" dirty="0"/>
-              <a:t>예를 들어</a:t>
-            </a:r>
-            <a:r>
-              <a:rPr lang="en-US" altLang="ko-KR" sz="1050" dirty="0"/>
-              <a:t>, </a:t>
-            </a:r>
-            <a:r>
-              <a:rPr lang="ko-KR" altLang="en-US" sz="1050" dirty="0"/>
-              <a:t>너와 이야기하고 싶은 내용을 말하면 </a:t>
-            </a:r>
-            <a:r>
-              <a:rPr lang="en-US" altLang="ko-KR" sz="1050" dirty="0" err="1"/>
-              <a:t>ChatGPT</a:t>
-            </a:r>
-            <a:r>
-              <a:rPr lang="ko-KR" altLang="en-US" sz="1050" dirty="0"/>
-              <a:t>는 그에 대한 답변을 만들어줍니다</a:t>
-            </a:r>
-            <a:r>
-              <a:rPr lang="en-US" altLang="ko-KR" sz="1050" dirty="0"/>
-              <a:t>. </a:t>
-            </a:r>
-            <a:r>
-              <a:rPr lang="ko-KR" altLang="en-US" sz="1050" dirty="0"/>
-              <a:t>프롬프트를 사용하면 어떤 </a:t>
-            </a:r>
-            <a:r>
-              <a:rPr lang="ko-KR" altLang="en-US" sz="1050" dirty="0" err="1"/>
-              <a:t>주제든지</a:t>
-            </a:r>
-            <a:r>
-              <a:rPr lang="ko-KR" altLang="en-US" sz="1050" dirty="0"/>
-              <a:t> 이야기를 나눌 수 있어요</a:t>
-            </a:r>
-            <a:r>
-              <a:rPr lang="en-US" altLang="ko-KR" sz="1050" dirty="0"/>
-              <a:t>. </a:t>
-            </a:r>
-            <a:r>
-              <a:rPr lang="ko-KR" altLang="en-US" sz="1050" dirty="0"/>
-              <a:t>예를 들어</a:t>
-            </a:r>
-            <a:r>
-              <a:rPr lang="en-US" altLang="ko-KR" sz="1050" dirty="0"/>
-              <a:t>, </a:t>
-            </a:r>
-            <a:r>
-              <a:rPr lang="ko-KR" altLang="en-US" sz="1050" dirty="0"/>
-              <a:t>동물에 대해 이야기하고 싶다면 </a:t>
-            </a:r>
-            <a:r>
-              <a:rPr lang="en-US" altLang="ko-KR" sz="1050" dirty="0"/>
-              <a:t>"</a:t>
-            </a:r>
-            <a:r>
-              <a:rPr lang="ko-KR" altLang="en-US" sz="1050" dirty="0"/>
-              <a:t>동물에 대해 이야기해주세요</a:t>
-            </a:r>
-            <a:r>
-              <a:rPr lang="en-US" altLang="ko-KR" sz="1050" dirty="0"/>
-              <a:t>"</a:t>
-            </a:r>
-            <a:r>
-              <a:rPr lang="ko-KR" altLang="en-US" sz="1050" dirty="0"/>
-              <a:t>라고 프롬프트에 입력하면 </a:t>
-            </a:r>
-            <a:r>
-              <a:rPr lang="en-US" altLang="ko-KR" sz="1050" dirty="0" err="1"/>
-              <a:t>ChatGPT</a:t>
-            </a:r>
-            <a:r>
-              <a:rPr lang="ko-KR" altLang="en-US" sz="1050" dirty="0"/>
-              <a:t>가 동물에 대한 정보나 이야기를 할 준비를 하게 됩니다</a:t>
-            </a:r>
-            <a:r>
-              <a:rPr lang="en-US" altLang="ko-KR" sz="1050" dirty="0"/>
-              <a:t>.</a:t>
-            </a:r>
-          </a:p>
-          <a:p>
-            <a:pPr marL="0" indent="0" algn="just">
-              <a:lnSpc>
-                <a:spcPct val="250000"/>
-              </a:lnSpc>
-              <a:buNone/>
-            </a:pPr>
-            <a:r>
-              <a:rPr lang="ko-KR" altLang="en-US" sz="1050" dirty="0"/>
-              <a:t>요약하자면</a:t>
-            </a:r>
-            <a:r>
-              <a:rPr lang="en-US" altLang="ko-KR" sz="1050" dirty="0"/>
-              <a:t>, </a:t>
-            </a:r>
-            <a:r>
-              <a:rPr lang="en-US" altLang="ko-KR" sz="1050" dirty="0" err="1"/>
-              <a:t>ChatGPT</a:t>
-            </a:r>
-            <a:r>
-              <a:rPr lang="en-US" altLang="ko-KR" sz="1050" dirty="0"/>
-              <a:t> </a:t>
-            </a:r>
-            <a:r>
-              <a:rPr lang="ko-KR" altLang="en-US" sz="2000" b="1" dirty="0">
-                <a:solidFill>
-                  <a:srgbClr val="C00000"/>
-                </a:solidFill>
-              </a:rPr>
-              <a:t>프롬프트는 인공지능과 대화를 나누기 위해 어떤 주제를 말하고 싶은지 알려주는 </a:t>
-            </a:r>
-            <a:r>
-              <a:rPr lang="ko-KR" altLang="en-US" sz="2000" b="1" dirty="0" err="1">
-                <a:solidFill>
-                  <a:srgbClr val="C00000"/>
-                </a:solidFill>
-              </a:rPr>
-              <a:t>문장</a:t>
-            </a:r>
-            <a:r>
-              <a:rPr lang="ko-KR" altLang="en-US" sz="1050" dirty="0" err="1"/>
-              <a:t>이에요</a:t>
-            </a:r>
-            <a:r>
-              <a:rPr lang="en-US" altLang="ko-KR" sz="1050" dirty="0"/>
-              <a:t>. </a:t>
-            </a:r>
-            <a:r>
-              <a:rPr lang="ko-KR" altLang="en-US" sz="1050" dirty="0"/>
-              <a:t>그리고 </a:t>
-            </a:r>
-            <a:r>
-              <a:rPr lang="en-US" altLang="ko-KR" sz="1050" dirty="0" err="1"/>
-              <a:t>ChatGPT</a:t>
-            </a:r>
-            <a:r>
-              <a:rPr lang="ko-KR" altLang="en-US" sz="1050" dirty="0"/>
-              <a:t>는 그 주제에 관한 답변이나 도움을 줄 수 있어요</a:t>
-            </a:r>
-            <a:r>
-              <a:rPr lang="en-US" altLang="ko-KR" sz="1050" dirty="0"/>
-              <a:t>.</a:t>
-            </a:r>
-            <a:endParaRPr lang="ko-KR" altLang="en-US" sz="1050" dirty="0"/>
-          </a:p>
-        </p:txBody>
-      </p:sp>
-    </p:spTree>
-    <p:extLst>
-      <p:ext uri="{BB962C8B-B14F-4D97-AF65-F5344CB8AC3E}">
-        <p14:creationId xmlns:p14="http://schemas.microsoft.com/office/powerpoint/2010/main" val="3390910704"/>
-      </p:ext>
-    </p:extLst>
-  </p:cSld>
-  <p:clrMapOvr>
-    <a:masterClrMapping/>
-  </p:clrMapOvr>
-</p:sld>
-</file>
-
-<file path=ppt/slides/slide20.xml><?xml version="1.0" encoding="utf-8"?>
+<file path=ppt/slides/slide19.xml><?xml version="1.0" encoding="utf-8"?>
 <p:sld xmlns:a="http://schemas.openxmlformats.org/drawingml/2006/main" xmlns:r="http://schemas.openxmlformats.org/officeDocument/2006/relationships" xmlns:p="http://schemas.openxmlformats.org/presentationml/2006/main">
   <p:cSld>
     <p:spTree>
@@ -5477,7 +4974,311 @@
 </p:sld>
 </file>
 
-<file path=ppt/slides/slide21.xml><?xml version="1.0" encoding="utf-8"?>
+<file path=ppt/slides/slide2.xml><?xml version="1.0" encoding="utf-8"?>
+<p:sld xmlns:a="http://schemas.openxmlformats.org/drawingml/2006/main" xmlns:r="http://schemas.openxmlformats.org/officeDocument/2006/relationships" xmlns:p="http://schemas.openxmlformats.org/presentationml/2006/main">
+  <p:cSld>
+    <p:spTree>
+      <p:nvGrpSpPr>
+        <p:cNvPr id="1" name=""/>
+        <p:cNvGrpSpPr/>
+        <p:nvPr/>
+      </p:nvGrpSpPr>
+      <p:grpSpPr>
+        <a:xfrm>
+          <a:off x="0" y="0"/>
+          <a:ext cx="0" cy="0"/>
+          <a:chOff x="0" y="0"/>
+          <a:chExt cx="0" cy="0"/>
+        </a:xfrm>
+      </p:grpSpPr>
+      <p:sp>
+        <p:nvSpPr>
+          <p:cNvPr id="2" name="제목 1"/>
+          <p:cNvSpPr>
+            <a:spLocks noGrp="1"/>
+          </p:cNvSpPr>
+          <p:nvPr>
+            <p:ph type="title"/>
+          </p:nvPr>
+        </p:nvSpPr>
+        <p:spPr/>
+        <p:txBody>
+          <a:bodyPr/>
+          <a:lstStyle/>
+          <a:p>
+            <a:r>
+              <a:rPr lang="ko-KR" altLang="en-US" b="1" dirty="0"/>
+              <a:t>프롬프트가 뭐야</a:t>
+            </a:r>
+            <a:r>
+              <a:rPr lang="en-US" altLang="ko-KR" b="1" dirty="0"/>
+              <a:t>?(</a:t>
+            </a:r>
+            <a:r>
+              <a:rPr lang="en-US" altLang="ko-KR" b="1" dirty="0" err="1"/>
+              <a:t>ChatGPT</a:t>
+            </a:r>
+            <a:r>
+              <a:rPr lang="en-US" altLang="ko-KR" b="1" dirty="0"/>
+              <a:t> </a:t>
+            </a:r>
+            <a:r>
+              <a:rPr lang="ko-KR" altLang="en-US" b="1" dirty="0"/>
+              <a:t>답변</a:t>
+            </a:r>
+            <a:r>
+              <a:rPr lang="en-US" altLang="ko-KR" b="1" dirty="0"/>
+              <a:t>)</a:t>
+            </a:r>
+            <a:endParaRPr lang="ko-KR" altLang="en-US" b="1" dirty="0"/>
+          </a:p>
+        </p:txBody>
+      </p:sp>
+      <p:sp>
+        <p:nvSpPr>
+          <p:cNvPr id="3" name="내용 개체 틀 2"/>
+          <p:cNvSpPr>
+            <a:spLocks noGrp="1"/>
+          </p:cNvSpPr>
+          <p:nvPr>
+            <p:ph idx="1"/>
+          </p:nvPr>
+        </p:nvSpPr>
+        <p:spPr/>
+        <p:txBody>
+          <a:bodyPr>
+            <a:noAutofit/>
+          </a:bodyPr>
+          <a:lstStyle/>
+          <a:p>
+            <a:pPr marL="0" indent="0" algn="just">
+              <a:lnSpc>
+                <a:spcPct val="250000"/>
+              </a:lnSpc>
+              <a:buNone/>
+            </a:pPr>
+            <a:r>
+              <a:rPr lang="en-US" altLang="ko-KR" sz="2000" b="1" dirty="0" err="1"/>
+              <a:t>ChatGPT</a:t>
+            </a:r>
+            <a:r>
+              <a:rPr lang="en-US" altLang="ko-KR" sz="2000" b="1" dirty="0"/>
+              <a:t> </a:t>
+            </a:r>
+            <a:r>
+              <a:rPr lang="ko-KR" altLang="en-US" sz="2000" b="1" dirty="0" err="1"/>
+              <a:t>프롬프트란</a:t>
+            </a:r>
+            <a:r>
+              <a:rPr lang="en-US" altLang="ko-KR" sz="2000" b="1" dirty="0"/>
+              <a:t>,</a:t>
+            </a:r>
+            <a:r>
+              <a:rPr lang="en-US" altLang="ko-KR" sz="2000" dirty="0"/>
+              <a:t> </a:t>
+            </a:r>
+            <a:r>
+              <a:rPr lang="ko-KR" altLang="en-US" sz="1050" dirty="0"/>
+              <a:t>인공지능 채팅 </a:t>
+            </a:r>
+            <a:r>
+              <a:rPr lang="ko-KR" altLang="en-US" sz="1400" dirty="0"/>
+              <a:t>모델인 </a:t>
+            </a:r>
+            <a:r>
+              <a:rPr lang="en-US" altLang="ko-KR" sz="2000" b="1" dirty="0" err="1">
+                <a:solidFill>
+                  <a:srgbClr val="C00000"/>
+                </a:solidFill>
+              </a:rPr>
+              <a:t>ChatGPT</a:t>
+            </a:r>
+            <a:r>
+              <a:rPr lang="ko-KR" altLang="en-US" sz="2000" b="1" dirty="0">
+                <a:solidFill>
+                  <a:srgbClr val="C00000"/>
+                </a:solidFill>
+              </a:rPr>
+              <a:t>에게 무엇을 말할지 알려주는 </a:t>
+            </a:r>
+            <a:r>
+              <a:rPr lang="ko-KR" altLang="en-US" sz="2000" b="1" dirty="0" err="1">
+                <a:solidFill>
+                  <a:srgbClr val="C00000"/>
+                </a:solidFill>
+              </a:rPr>
+              <a:t>문장</a:t>
+            </a:r>
+            <a:r>
+              <a:rPr lang="ko-KR" altLang="en-US" sz="1050" dirty="0" err="1"/>
+              <a:t>이에요</a:t>
+            </a:r>
+            <a:r>
+              <a:rPr lang="en-US" altLang="ko-KR" sz="1050" dirty="0"/>
+              <a:t>. </a:t>
+            </a:r>
+            <a:r>
+              <a:rPr lang="ko-KR" altLang="en-US" sz="1050" dirty="0"/>
+              <a:t>예를 들어</a:t>
+            </a:r>
+            <a:r>
+              <a:rPr lang="en-US" altLang="ko-KR" sz="1050" dirty="0"/>
+              <a:t>, </a:t>
+            </a:r>
+            <a:r>
+              <a:rPr lang="ko-KR" altLang="en-US" sz="1050" dirty="0"/>
+              <a:t>너와 이야기하고 싶은 내용을 말하면 </a:t>
+            </a:r>
+            <a:r>
+              <a:rPr lang="en-US" altLang="ko-KR" sz="1050" dirty="0" err="1"/>
+              <a:t>ChatGPT</a:t>
+            </a:r>
+            <a:r>
+              <a:rPr lang="ko-KR" altLang="en-US" sz="1050" dirty="0"/>
+              <a:t>는 그에 대한 답변을 만들어줍니다</a:t>
+            </a:r>
+            <a:r>
+              <a:rPr lang="en-US" altLang="ko-KR" sz="1050" dirty="0"/>
+              <a:t>. </a:t>
+            </a:r>
+            <a:r>
+              <a:rPr lang="ko-KR" altLang="en-US" sz="1050" dirty="0"/>
+              <a:t>프롬프트를 사용하면 어떤 </a:t>
+            </a:r>
+            <a:r>
+              <a:rPr lang="ko-KR" altLang="en-US" sz="1050" dirty="0" err="1"/>
+              <a:t>주제든지</a:t>
+            </a:r>
+            <a:r>
+              <a:rPr lang="ko-KR" altLang="en-US" sz="1050" dirty="0"/>
+              <a:t> 이야기를 나눌 수 있어요</a:t>
+            </a:r>
+            <a:r>
+              <a:rPr lang="en-US" altLang="ko-KR" sz="1050" dirty="0"/>
+              <a:t>. </a:t>
+            </a:r>
+            <a:r>
+              <a:rPr lang="ko-KR" altLang="en-US" sz="1050" dirty="0"/>
+              <a:t>예를 들어</a:t>
+            </a:r>
+            <a:r>
+              <a:rPr lang="en-US" altLang="ko-KR" sz="1050" dirty="0"/>
+              <a:t>, </a:t>
+            </a:r>
+            <a:r>
+              <a:rPr lang="ko-KR" altLang="en-US" sz="1050" dirty="0"/>
+              <a:t>동물에 대해 이야기하고 싶다면 </a:t>
+            </a:r>
+            <a:r>
+              <a:rPr lang="en-US" altLang="ko-KR" sz="1050" dirty="0"/>
+              <a:t>"</a:t>
+            </a:r>
+            <a:r>
+              <a:rPr lang="ko-KR" altLang="en-US" sz="1050" dirty="0"/>
+              <a:t>동물에 대해 이야기해주세요</a:t>
+            </a:r>
+            <a:r>
+              <a:rPr lang="en-US" altLang="ko-KR" sz="1050" dirty="0"/>
+              <a:t>"</a:t>
+            </a:r>
+            <a:r>
+              <a:rPr lang="ko-KR" altLang="en-US" sz="1050" dirty="0"/>
+              <a:t>라고 프롬프트에 입력하면 </a:t>
+            </a:r>
+            <a:r>
+              <a:rPr lang="en-US" altLang="ko-KR" sz="1050" dirty="0" err="1"/>
+              <a:t>ChatGPT</a:t>
+            </a:r>
+            <a:r>
+              <a:rPr lang="ko-KR" altLang="en-US" sz="1050" dirty="0"/>
+              <a:t>가 동물에 대한 정보나 이야기를 할 준비를 하게 됩니다</a:t>
+            </a:r>
+            <a:r>
+              <a:rPr lang="en-US" altLang="ko-KR" sz="1050" dirty="0"/>
+              <a:t>.</a:t>
+            </a:r>
+          </a:p>
+          <a:p>
+            <a:pPr marL="0" indent="0" algn="just">
+              <a:lnSpc>
+                <a:spcPct val="250000"/>
+              </a:lnSpc>
+              <a:buNone/>
+            </a:pPr>
+            <a:r>
+              <a:rPr lang="ko-KR" altLang="en-US" sz="1050" dirty="0"/>
+              <a:t>요약하자면</a:t>
+            </a:r>
+            <a:r>
+              <a:rPr lang="en-US" altLang="ko-KR" sz="1050" dirty="0"/>
+              <a:t>, </a:t>
+            </a:r>
+            <a:r>
+              <a:rPr lang="en-US" altLang="ko-KR" sz="1050" dirty="0" err="1"/>
+              <a:t>ChatGPT</a:t>
+            </a:r>
+            <a:r>
+              <a:rPr lang="en-US" altLang="ko-KR" sz="1050" dirty="0"/>
+              <a:t> </a:t>
+            </a:r>
+            <a:r>
+              <a:rPr lang="ko-KR" altLang="en-US" sz="2000" b="1" dirty="0">
+                <a:solidFill>
+                  <a:srgbClr val="C00000"/>
+                </a:solidFill>
+              </a:rPr>
+              <a:t>프롬프트는 인공지능과 대화를 나누기 위해 어떤 주제를 말하고 싶은지 알려주는 </a:t>
+            </a:r>
+            <a:r>
+              <a:rPr lang="ko-KR" altLang="en-US" sz="2000" b="1" dirty="0" err="1">
+                <a:solidFill>
+                  <a:srgbClr val="C00000"/>
+                </a:solidFill>
+              </a:rPr>
+              <a:t>문장</a:t>
+            </a:r>
+            <a:r>
+              <a:rPr lang="ko-KR" altLang="en-US" sz="1050" dirty="0" err="1"/>
+              <a:t>이에요</a:t>
+            </a:r>
+            <a:r>
+              <a:rPr lang="en-US" altLang="ko-KR" sz="1050" dirty="0"/>
+              <a:t>. </a:t>
+            </a:r>
+            <a:r>
+              <a:rPr lang="ko-KR" altLang="en-US" sz="1050" dirty="0"/>
+              <a:t>그리고 </a:t>
+            </a:r>
+            <a:r>
+              <a:rPr lang="en-US" altLang="ko-KR" sz="1050" dirty="0" err="1"/>
+              <a:t>ChatGPT</a:t>
+            </a:r>
+            <a:r>
+              <a:rPr lang="ko-KR" altLang="en-US" sz="1050" dirty="0"/>
+              <a:t>는 그 주제에 관한 답변이나 도움을 줄 수 있어요</a:t>
+            </a:r>
+            <a:r>
+              <a:rPr lang="en-US" altLang="ko-KR" sz="1050" dirty="0"/>
+              <a:t>.</a:t>
+            </a:r>
+            <a:endParaRPr lang="ko-KR" altLang="en-US" sz="1050" dirty="0"/>
+          </a:p>
+        </p:txBody>
+      </p:sp>
+    </p:spTree>
+    <p:extLst>
+      <p:ext uri="{BB962C8B-B14F-4D97-AF65-F5344CB8AC3E}">
+        <p14:creationId xmlns:p14="http://schemas.microsoft.com/office/powerpoint/2010/main" val="3390910704"/>
+      </p:ext>
+    </p:extLst>
+  </p:cSld>
+  <p:clrMapOvr>
+    <a:masterClrMapping/>
+  </p:clrMapOvr>
+</p:sld>
+</file>
+
+<file path=ppt/slides/slide20.xml><?xml version="1.0" encoding="utf-8"?>
 <p:sld xmlns:a="http://schemas.openxmlformats.org/drawingml/2006/main" xmlns:r="http://schemas.openxmlformats.org/officeDocument/2006/relationships" xmlns:p="http://schemas.openxmlformats.org/presentationml/2006/main">
   <p:cSld>
     <p:spTree>
@@ -5555,7 +5356,7 @@
 </p:sld>
 </file>
 
-<file path=ppt/slides/slide22.xml><?xml version="1.0" encoding="utf-8"?>
+<file path=ppt/slides/slide21.xml><?xml version="1.0" encoding="utf-8"?>
 <p:sld xmlns:a="http://schemas.openxmlformats.org/drawingml/2006/main" xmlns:r="http://schemas.openxmlformats.org/officeDocument/2006/relationships" xmlns:p="http://schemas.openxmlformats.org/presentationml/2006/main">
   <p:cSld>
     <p:spTree>
@@ -5632,43 +5433,12 @@
               </a:lnSpc>
             </a:pPr>
             <a:r>
-              <a:rPr lang="en-US" altLang="ko-KR" dirty="0"/>
-              <a:t>PowerPoint 2016</a:t>
-            </a:r>
-            <a:r>
-              <a:rPr lang="ko-KR" altLang="en-US" dirty="0"/>
-              <a:t>에서 각 슬라이드에 있는 사진을 슬라이드의 정 </a:t>
-            </a:r>
-            <a:r>
-              <a:rPr lang="ko-KR" altLang="en-US" dirty="0" smtClean="0"/>
-              <a:t>가운데로 </a:t>
-            </a:r>
-            <a:r>
-              <a:rPr lang="ko-KR" altLang="en-US" dirty="0"/>
-              <a:t>위치하는 </a:t>
-            </a:r>
-            <a:r>
-              <a:rPr lang="ko-KR" altLang="en-US" dirty="0" err="1"/>
-              <a:t>파이썬</a:t>
-            </a:r>
-            <a:r>
-              <a:rPr lang="ko-KR" altLang="en-US" dirty="0"/>
-              <a:t> 코드를 작성해줘</a:t>
-            </a:r>
-            <a:r>
               <a:rPr lang="en-US" altLang="ko-KR" dirty="0" smtClean="0"/>
-              <a:t>.</a:t>
-            </a:r>
-          </a:p>
-          <a:p>
-            <a:pPr>
-              <a:lnSpc>
-                <a:spcPct val="150000"/>
-              </a:lnSpc>
-            </a:pPr>
-            <a:r>
-              <a:rPr lang="en-US" altLang="ko-KR" dirty="0"/>
-              <a:t>PowerPoint 2016</a:t>
+              <a:t>PowerPoint </a:t>
+            </a:r>
+            <a:r>
+              <a:rPr lang="en-US" altLang="ko-KR" dirty="0"/>
+              <a:t>2016</a:t>
             </a:r>
             <a:r>
               <a:rPr lang="ko-KR" altLang="en-US" dirty="0"/>
@@ -5703,7 +5473,7 @@
 </p:sld>
 </file>
 
-<file path=ppt/slides/slide23.xml><?xml version="1.0" encoding="utf-8"?>
+<file path=ppt/slides/slide22.xml><?xml version="1.0" encoding="utf-8"?>
 <p:sld xmlns:a="http://schemas.openxmlformats.org/drawingml/2006/main" xmlns:r="http://schemas.openxmlformats.org/officeDocument/2006/relationships" xmlns:p="http://schemas.openxmlformats.org/presentationml/2006/main">
   <p:cSld>
     <p:spTree>
@@ -5791,6 +5561,814 @@
 </p:sld>
 </file>
 
+<file path=ppt/slides/slide23.xml><?xml version="1.0" encoding="utf-8"?>
+<p:sld xmlns:a="http://schemas.openxmlformats.org/drawingml/2006/main" xmlns:r="http://schemas.openxmlformats.org/officeDocument/2006/relationships" xmlns:p="http://schemas.openxmlformats.org/presentationml/2006/main">
+  <p:cSld>
+    <p:spTree>
+      <p:nvGrpSpPr>
+        <p:cNvPr id="1" name=""/>
+        <p:cNvGrpSpPr/>
+        <p:nvPr/>
+      </p:nvGrpSpPr>
+      <p:grpSpPr>
+        <a:xfrm>
+          <a:off x="0" y="0"/>
+          <a:ext cx="0" cy="0"/>
+          <a:chOff x="0" y="0"/>
+          <a:chExt cx="0" cy="0"/>
+        </a:xfrm>
+      </p:grpSpPr>
+      <p:sp>
+        <p:nvSpPr>
+          <p:cNvPr id="2" name="제목 1"/>
+          <p:cNvSpPr>
+            <a:spLocks noGrp="1"/>
+          </p:cNvSpPr>
+          <p:nvPr>
+            <p:ph type="title"/>
+          </p:nvPr>
+        </p:nvSpPr>
+        <p:spPr/>
+        <p:txBody>
+          <a:bodyPr/>
+          <a:lstStyle/>
+          <a:p>
+            <a:r>
+              <a:rPr lang="ko-KR" altLang="en-US" b="1" dirty="0"/>
+              <a:t>몇 호선이지 찾는 문제</a:t>
+            </a:r>
+          </a:p>
+        </p:txBody>
+      </p:sp>
+      <p:sp>
+        <p:nvSpPr>
+          <p:cNvPr id="3" name="내용 개체 틀 2"/>
+          <p:cNvSpPr>
+            <a:spLocks noGrp="1"/>
+          </p:cNvSpPr>
+          <p:nvPr>
+            <p:ph idx="1"/>
+          </p:nvPr>
+        </p:nvSpPr>
+        <p:spPr/>
+        <p:txBody>
+          <a:bodyPr>
+            <a:normAutofit fontScale="77500" lnSpcReduction="20000"/>
+          </a:bodyPr>
+          <a:lstStyle/>
+          <a:p>
+            <a:pPr marL="0" indent="0">
+              <a:buNone/>
+            </a:pPr>
+            <a:r>
+              <a:rPr lang="en-US" altLang="ko-KR" dirty="0"/>
+              <a:t>| </a:t>
+            </a:r>
+            <a:r>
+              <a:rPr lang="ko-KR" altLang="en-US" dirty="0"/>
+              <a:t>순서  </a:t>
+            </a:r>
+            <a:r>
+              <a:rPr lang="en-US" altLang="ko-KR" dirty="0"/>
+              <a:t>| 1</a:t>
+            </a:r>
+            <a:r>
+              <a:rPr lang="ko-KR" altLang="en-US" dirty="0"/>
+              <a:t>호선 </a:t>
+            </a:r>
+            <a:r>
+              <a:rPr lang="en-US" altLang="ko-KR" dirty="0"/>
+              <a:t>| 2</a:t>
+            </a:r>
+            <a:r>
+              <a:rPr lang="ko-KR" altLang="en-US" dirty="0"/>
+              <a:t>호선   </a:t>
+            </a:r>
+            <a:r>
+              <a:rPr lang="en-US" altLang="ko-KR" dirty="0"/>
+              <a:t>| 3</a:t>
+            </a:r>
+            <a:r>
+              <a:rPr lang="ko-KR" altLang="en-US" dirty="0"/>
+              <a:t>호선   </a:t>
+            </a:r>
+            <a:r>
+              <a:rPr lang="en-US" altLang="ko-KR" dirty="0"/>
+              <a:t>| 4</a:t>
+            </a:r>
+            <a:r>
+              <a:rPr lang="ko-KR" altLang="en-US" dirty="0"/>
+              <a:t>호선  </a:t>
+            </a:r>
+            <a:r>
+              <a:rPr lang="en-US" altLang="ko-KR" dirty="0"/>
+              <a:t>| 5</a:t>
+            </a:r>
+            <a:r>
+              <a:rPr lang="ko-KR" altLang="en-US" dirty="0"/>
+              <a:t>호선  </a:t>
+            </a:r>
+            <a:r>
+              <a:rPr lang="en-US" altLang="ko-KR" dirty="0"/>
+              <a:t>| 6</a:t>
+            </a:r>
+            <a:r>
+              <a:rPr lang="ko-KR" altLang="en-US" dirty="0"/>
+              <a:t>호선 </a:t>
+            </a:r>
+            <a:r>
+              <a:rPr lang="en-US" altLang="ko-KR" dirty="0"/>
+              <a:t>| 7</a:t>
+            </a:r>
+            <a:r>
+              <a:rPr lang="ko-KR" altLang="en-US" dirty="0"/>
+              <a:t>호선  </a:t>
+            </a:r>
+            <a:r>
+              <a:rPr lang="en-US" altLang="ko-KR" dirty="0"/>
+              <a:t>|</a:t>
+            </a:r>
+          </a:p>
+          <a:p>
+            <a:pPr marL="0" indent="0">
+              <a:buNone/>
+            </a:pPr>
+            <a:r>
+              <a:rPr lang="en-US" altLang="ko-KR" dirty="0"/>
+              <a:t>| --- | --- | ----- | ----- | ---- | ---- | --- | ---- |</a:t>
+            </a:r>
+          </a:p>
+          <a:p>
+            <a:pPr marL="0" indent="0">
+              <a:buNone/>
+            </a:pPr>
+            <a:r>
+              <a:rPr lang="en-US" altLang="ko-KR" dirty="0"/>
+              <a:t>| 1  | </a:t>
+            </a:r>
+            <a:r>
+              <a:rPr lang="ko-KR" altLang="en-US" dirty="0"/>
+              <a:t>인천  </a:t>
+            </a:r>
+            <a:r>
+              <a:rPr lang="en-US" altLang="ko-KR" dirty="0"/>
+              <a:t>| </a:t>
+            </a:r>
+            <a:r>
+              <a:rPr lang="ko-KR" altLang="en-US" dirty="0"/>
+              <a:t>성수    </a:t>
+            </a:r>
+            <a:r>
+              <a:rPr lang="en-US" altLang="ko-KR" dirty="0"/>
+              <a:t>| </a:t>
+            </a:r>
+            <a:r>
+              <a:rPr lang="ko-KR" altLang="en-US" dirty="0"/>
+              <a:t>수서    </a:t>
+            </a:r>
+            <a:r>
+              <a:rPr lang="en-US" altLang="ko-KR" dirty="0"/>
+              <a:t>| </a:t>
+            </a:r>
+            <a:r>
+              <a:rPr lang="ko-KR" altLang="en-US" dirty="0"/>
+              <a:t>오이도  </a:t>
+            </a:r>
+            <a:r>
+              <a:rPr lang="en-US" altLang="ko-KR" dirty="0"/>
+              <a:t>| </a:t>
+            </a:r>
+            <a:r>
+              <a:rPr lang="ko-KR" altLang="en-US" dirty="0"/>
+              <a:t>방화   </a:t>
+            </a:r>
+            <a:r>
+              <a:rPr lang="en-US" altLang="ko-KR" dirty="0"/>
+              <a:t>| </a:t>
+            </a:r>
+            <a:r>
+              <a:rPr lang="ko-KR" altLang="en-US" dirty="0"/>
+              <a:t>봉화산 </a:t>
+            </a:r>
+            <a:r>
+              <a:rPr lang="en-US" altLang="ko-KR" dirty="0"/>
+              <a:t>| </a:t>
+            </a:r>
+            <a:r>
+              <a:rPr lang="ko-KR" altLang="en-US" dirty="0"/>
+              <a:t>장암   </a:t>
+            </a:r>
+            <a:r>
+              <a:rPr lang="en-US" altLang="ko-KR" dirty="0"/>
+              <a:t>|</a:t>
+            </a:r>
+          </a:p>
+          <a:p>
+            <a:pPr marL="0" indent="0">
+              <a:buNone/>
+            </a:pPr>
+            <a:r>
+              <a:rPr lang="en-US" altLang="ko-KR" dirty="0"/>
+              <a:t>| 2  | </a:t>
+            </a:r>
+            <a:r>
+              <a:rPr lang="ko-KR" altLang="en-US" dirty="0"/>
+              <a:t>동인천 </a:t>
+            </a:r>
+            <a:r>
+              <a:rPr lang="en-US" altLang="ko-KR" dirty="0"/>
+              <a:t>| </a:t>
+            </a:r>
+            <a:r>
+              <a:rPr lang="ko-KR" altLang="en-US" dirty="0"/>
+              <a:t>건대입구  </a:t>
+            </a:r>
+            <a:r>
+              <a:rPr lang="en-US" altLang="ko-KR" dirty="0"/>
+              <a:t>| </a:t>
+            </a:r>
+            <a:r>
+              <a:rPr lang="ko-KR" altLang="en-US" dirty="0"/>
+              <a:t>일원    </a:t>
+            </a:r>
+            <a:r>
+              <a:rPr lang="en-US" altLang="ko-KR" dirty="0"/>
+              <a:t>| </a:t>
+            </a:r>
+            <a:r>
+              <a:rPr lang="ko-KR" altLang="en-US" dirty="0"/>
+              <a:t>정왕   </a:t>
+            </a:r>
+            <a:r>
+              <a:rPr lang="en-US" altLang="ko-KR" dirty="0"/>
+              <a:t>| </a:t>
+            </a:r>
+            <a:r>
+              <a:rPr lang="ko-KR" altLang="en-US" dirty="0"/>
+              <a:t>개화산  </a:t>
+            </a:r>
+            <a:r>
+              <a:rPr lang="en-US" altLang="ko-KR" dirty="0"/>
+              <a:t>| </a:t>
+            </a:r>
+            <a:r>
+              <a:rPr lang="ko-KR" altLang="en-US" dirty="0"/>
+              <a:t>화랑대 </a:t>
+            </a:r>
+            <a:r>
+              <a:rPr lang="en-US" altLang="ko-KR" dirty="0"/>
+              <a:t>| </a:t>
+            </a:r>
+            <a:r>
+              <a:rPr lang="ko-KR" altLang="en-US" dirty="0"/>
+              <a:t>도봉   </a:t>
+            </a:r>
+            <a:r>
+              <a:rPr lang="en-US" altLang="ko-KR" dirty="0"/>
+              <a:t>|</a:t>
+            </a:r>
+          </a:p>
+          <a:p>
+            <a:pPr marL="0" indent="0">
+              <a:buNone/>
+            </a:pPr>
+            <a:r>
+              <a:rPr lang="en-US" altLang="ko-KR" dirty="0"/>
+              <a:t>| 3  | </a:t>
+            </a:r>
+            <a:r>
+              <a:rPr lang="ko-KR" altLang="en-US" dirty="0"/>
+              <a:t>도원  </a:t>
+            </a:r>
+            <a:r>
+              <a:rPr lang="en-US" altLang="ko-KR" dirty="0"/>
+              <a:t>| </a:t>
+            </a:r>
+            <a:r>
+              <a:rPr lang="ko-KR" altLang="en-US" dirty="0"/>
+              <a:t>구의    </a:t>
+            </a:r>
+            <a:r>
+              <a:rPr lang="en-US" altLang="ko-KR" dirty="0"/>
+              <a:t>| </a:t>
+            </a:r>
+            <a:r>
+              <a:rPr lang="ko-KR" altLang="en-US" dirty="0"/>
+              <a:t>대청    </a:t>
+            </a:r>
+            <a:r>
+              <a:rPr lang="en-US" altLang="ko-KR" dirty="0"/>
+              <a:t>| </a:t>
+            </a:r>
+            <a:r>
+              <a:rPr lang="ko-KR" altLang="en-US" dirty="0"/>
+              <a:t>신길온천 </a:t>
+            </a:r>
+            <a:r>
+              <a:rPr lang="en-US" altLang="ko-KR" dirty="0"/>
+              <a:t>| </a:t>
+            </a:r>
+            <a:r>
+              <a:rPr lang="ko-KR" altLang="en-US" dirty="0"/>
+              <a:t>김포공항 </a:t>
+            </a:r>
+            <a:r>
+              <a:rPr lang="en-US" altLang="ko-KR" dirty="0"/>
+              <a:t>| </a:t>
+            </a:r>
+            <a:r>
+              <a:rPr lang="ko-KR" altLang="en-US" dirty="0"/>
+              <a:t>태릉  </a:t>
+            </a:r>
+            <a:r>
+              <a:rPr lang="en-US" altLang="ko-KR" dirty="0"/>
+              <a:t>| </a:t>
+            </a:r>
+            <a:r>
+              <a:rPr lang="ko-KR" altLang="en-US" dirty="0"/>
+              <a:t>도봉산  </a:t>
+            </a:r>
+            <a:r>
+              <a:rPr lang="en-US" altLang="ko-KR" dirty="0"/>
+              <a:t>|</a:t>
+            </a:r>
+          </a:p>
+          <a:p>
+            <a:pPr marL="0" indent="0">
+              <a:buNone/>
+            </a:pPr>
+            <a:r>
+              <a:rPr lang="en-US" altLang="ko-KR" dirty="0"/>
+              <a:t>| 4  | </a:t>
+            </a:r>
+            <a:r>
+              <a:rPr lang="ko-KR" altLang="en-US" dirty="0"/>
+              <a:t>제물포 </a:t>
+            </a:r>
+            <a:r>
+              <a:rPr lang="en-US" altLang="ko-KR" dirty="0"/>
+              <a:t>| </a:t>
+            </a:r>
+            <a:r>
+              <a:rPr lang="ko-KR" altLang="en-US" dirty="0"/>
+              <a:t>강변    </a:t>
+            </a:r>
+            <a:r>
+              <a:rPr lang="en-US" altLang="ko-KR" dirty="0"/>
+              <a:t>| </a:t>
+            </a:r>
+            <a:r>
+              <a:rPr lang="ko-KR" altLang="en-US" dirty="0"/>
+              <a:t>학여울   </a:t>
+            </a:r>
+            <a:r>
+              <a:rPr lang="en-US" altLang="ko-KR" dirty="0"/>
+              <a:t>| </a:t>
+            </a:r>
+            <a:r>
+              <a:rPr lang="ko-KR" altLang="en-US" dirty="0"/>
+              <a:t>안산   </a:t>
+            </a:r>
+            <a:r>
+              <a:rPr lang="en-US" altLang="ko-KR" dirty="0"/>
+              <a:t>| </a:t>
+            </a:r>
+            <a:r>
+              <a:rPr lang="ko-KR" altLang="en-US" dirty="0"/>
+              <a:t>송정   </a:t>
+            </a:r>
+            <a:r>
+              <a:rPr lang="en-US" altLang="ko-KR" dirty="0"/>
+              <a:t>| </a:t>
+            </a:r>
+            <a:r>
+              <a:rPr lang="ko-KR" altLang="en-US" dirty="0"/>
+              <a:t>석계  </a:t>
+            </a:r>
+            <a:r>
+              <a:rPr lang="en-US" altLang="ko-KR" dirty="0"/>
+              <a:t>| </a:t>
+            </a:r>
+            <a:r>
+              <a:rPr lang="ko-KR" altLang="en-US" dirty="0"/>
+              <a:t>수락산  </a:t>
+            </a:r>
+            <a:r>
+              <a:rPr lang="en-US" altLang="ko-KR" dirty="0"/>
+              <a:t>|</a:t>
+            </a:r>
+          </a:p>
+          <a:p>
+            <a:pPr marL="0" indent="0">
+              <a:buNone/>
+            </a:pPr>
+            <a:r>
+              <a:rPr lang="en-US" altLang="ko-KR" dirty="0"/>
+              <a:t>| 5  | </a:t>
+            </a:r>
+            <a:r>
+              <a:rPr lang="ko-KR" altLang="en-US" dirty="0"/>
+              <a:t>도화  </a:t>
+            </a:r>
+            <a:r>
+              <a:rPr lang="en-US" altLang="ko-KR" dirty="0"/>
+              <a:t>| </a:t>
+            </a:r>
+            <a:r>
+              <a:rPr lang="ko-KR" altLang="en-US" dirty="0"/>
+              <a:t>성내    </a:t>
+            </a:r>
+            <a:r>
+              <a:rPr lang="en-US" altLang="ko-KR" dirty="0"/>
+              <a:t>| </a:t>
+            </a:r>
+            <a:r>
+              <a:rPr lang="ko-KR" altLang="en-US" dirty="0"/>
+              <a:t>대치    </a:t>
+            </a:r>
+            <a:r>
+              <a:rPr lang="en-US" altLang="ko-KR" dirty="0"/>
+              <a:t>| </a:t>
+            </a:r>
+            <a:r>
+              <a:rPr lang="ko-KR" altLang="en-US" dirty="0"/>
+              <a:t>공단   </a:t>
+            </a:r>
+            <a:r>
+              <a:rPr lang="en-US" altLang="ko-KR" dirty="0"/>
+              <a:t>| </a:t>
+            </a:r>
+            <a:r>
+              <a:rPr lang="ko-KR" altLang="en-US" dirty="0"/>
+              <a:t>마곡   </a:t>
+            </a:r>
+            <a:r>
+              <a:rPr lang="en-US" altLang="ko-KR" dirty="0"/>
+              <a:t>| </a:t>
+            </a:r>
+            <a:r>
+              <a:rPr lang="ko-KR" altLang="en-US" dirty="0"/>
+              <a:t>돌곶이 </a:t>
+            </a:r>
+            <a:r>
+              <a:rPr lang="en-US" altLang="ko-KR" dirty="0"/>
+              <a:t>| </a:t>
+            </a:r>
+            <a:r>
+              <a:rPr lang="ko-KR" altLang="en-US" dirty="0"/>
+              <a:t>마들   </a:t>
+            </a:r>
+            <a:r>
+              <a:rPr lang="en-US" altLang="ko-KR" dirty="0"/>
+              <a:t>|</a:t>
+            </a:r>
+          </a:p>
+          <a:p>
+            <a:pPr marL="0" indent="0">
+              <a:buNone/>
+            </a:pPr>
+            <a:r>
+              <a:rPr lang="en-US" altLang="ko-KR" dirty="0"/>
+              <a:t>| 6  | </a:t>
+            </a:r>
+            <a:r>
+              <a:rPr lang="ko-KR" altLang="en-US" dirty="0"/>
+              <a:t>주안  </a:t>
+            </a:r>
+            <a:r>
+              <a:rPr lang="en-US" altLang="ko-KR" dirty="0"/>
+              <a:t>| </a:t>
+            </a:r>
+            <a:r>
+              <a:rPr lang="ko-KR" altLang="en-US" dirty="0"/>
+              <a:t>잠실    </a:t>
+            </a:r>
+            <a:r>
+              <a:rPr lang="en-US" altLang="ko-KR" dirty="0"/>
+              <a:t>| </a:t>
+            </a:r>
+            <a:r>
+              <a:rPr lang="ko-KR" altLang="en-US" dirty="0"/>
+              <a:t>도곡    </a:t>
+            </a:r>
+            <a:r>
+              <a:rPr lang="en-US" altLang="ko-KR" dirty="0"/>
+              <a:t>| </a:t>
+            </a:r>
+            <a:r>
+              <a:rPr lang="ko-KR" altLang="en-US" dirty="0"/>
+              <a:t>고잔   </a:t>
+            </a:r>
+            <a:r>
+              <a:rPr lang="en-US" altLang="ko-KR" dirty="0"/>
+              <a:t>| </a:t>
+            </a:r>
+            <a:r>
+              <a:rPr lang="ko-KR" altLang="en-US" dirty="0"/>
+              <a:t>발산   </a:t>
+            </a:r>
+            <a:r>
+              <a:rPr lang="en-US" altLang="ko-KR" dirty="0"/>
+              <a:t>| </a:t>
+            </a:r>
+            <a:r>
+              <a:rPr lang="ko-KR" altLang="en-US" dirty="0"/>
+              <a:t>상월곡 </a:t>
+            </a:r>
+            <a:r>
+              <a:rPr lang="en-US" altLang="ko-KR" dirty="0"/>
+              <a:t>| </a:t>
+            </a:r>
+            <a:r>
+              <a:rPr lang="ko-KR" altLang="en-US" dirty="0"/>
+              <a:t>노원   </a:t>
+            </a:r>
+            <a:r>
+              <a:rPr lang="en-US" altLang="ko-KR" dirty="0"/>
+              <a:t>|</a:t>
+            </a:r>
+          </a:p>
+          <a:p>
+            <a:pPr marL="0" indent="0">
+              <a:buNone/>
+            </a:pPr>
+            <a:r>
+              <a:rPr lang="en-US" altLang="ko-KR" dirty="0"/>
+              <a:t>| 7  | </a:t>
+            </a:r>
+            <a:r>
+              <a:rPr lang="ko-KR" altLang="en-US" dirty="0"/>
+              <a:t>간석  </a:t>
+            </a:r>
+            <a:r>
+              <a:rPr lang="en-US" altLang="ko-KR" dirty="0"/>
+              <a:t>| </a:t>
+            </a:r>
+            <a:r>
+              <a:rPr lang="ko-KR" altLang="en-US" dirty="0"/>
+              <a:t>신천    </a:t>
+            </a:r>
+            <a:r>
+              <a:rPr lang="en-US" altLang="ko-KR" dirty="0"/>
+              <a:t>| </a:t>
+            </a:r>
+            <a:r>
+              <a:rPr lang="ko-KR" altLang="en-US" dirty="0"/>
+              <a:t>매봉    </a:t>
+            </a:r>
+            <a:r>
+              <a:rPr lang="en-US" altLang="ko-KR" dirty="0"/>
+              <a:t>| </a:t>
+            </a:r>
+            <a:r>
+              <a:rPr lang="ko-KR" altLang="en-US" dirty="0"/>
+              <a:t>중앙   </a:t>
+            </a:r>
+            <a:r>
+              <a:rPr lang="en-US" altLang="ko-KR" dirty="0"/>
+              <a:t>| </a:t>
+            </a:r>
+            <a:r>
+              <a:rPr lang="ko-KR" altLang="en-US" dirty="0"/>
+              <a:t>우장산  </a:t>
+            </a:r>
+            <a:r>
+              <a:rPr lang="en-US" altLang="ko-KR" dirty="0"/>
+              <a:t>| </a:t>
+            </a:r>
+            <a:r>
+              <a:rPr lang="ko-KR" altLang="en-US" dirty="0"/>
+              <a:t>월곡  </a:t>
+            </a:r>
+            <a:r>
+              <a:rPr lang="en-US" altLang="ko-KR" dirty="0"/>
+              <a:t>| </a:t>
+            </a:r>
+            <a:r>
+              <a:rPr lang="ko-KR" altLang="en-US" dirty="0"/>
+              <a:t>중계   </a:t>
+            </a:r>
+            <a:r>
+              <a:rPr lang="en-US" altLang="ko-KR" dirty="0"/>
+              <a:t>|</a:t>
+            </a:r>
+          </a:p>
+          <a:p>
+            <a:pPr marL="0" indent="0">
+              <a:buNone/>
+            </a:pPr>
+            <a:r>
+              <a:rPr lang="en-US" altLang="ko-KR" dirty="0"/>
+              <a:t>| 8  | </a:t>
+            </a:r>
+            <a:r>
+              <a:rPr lang="ko-KR" altLang="en-US" dirty="0"/>
+              <a:t>동암  </a:t>
+            </a:r>
+            <a:r>
+              <a:rPr lang="en-US" altLang="ko-KR" dirty="0"/>
+              <a:t>| </a:t>
+            </a:r>
+            <a:r>
+              <a:rPr lang="ko-KR" altLang="en-US" dirty="0"/>
+              <a:t>종합운동장 </a:t>
+            </a:r>
+            <a:r>
+              <a:rPr lang="en-US" altLang="ko-KR" dirty="0"/>
+              <a:t>| </a:t>
+            </a:r>
+            <a:r>
+              <a:rPr lang="ko-KR" altLang="en-US" dirty="0"/>
+              <a:t>양재    </a:t>
+            </a:r>
+            <a:r>
+              <a:rPr lang="en-US" altLang="ko-KR" dirty="0"/>
+              <a:t>| </a:t>
+            </a:r>
+            <a:r>
+              <a:rPr lang="ko-KR" altLang="en-US" dirty="0"/>
+              <a:t>한대앞  </a:t>
+            </a:r>
+            <a:r>
+              <a:rPr lang="en-US" altLang="ko-KR" dirty="0"/>
+              <a:t>| </a:t>
+            </a:r>
+            <a:r>
+              <a:rPr lang="ko-KR" altLang="en-US" dirty="0"/>
+              <a:t>화곡   </a:t>
+            </a:r>
+            <a:r>
+              <a:rPr lang="en-US" altLang="ko-KR" dirty="0"/>
+              <a:t>| </a:t>
+            </a:r>
+            <a:r>
+              <a:rPr lang="ko-KR" altLang="en-US" dirty="0"/>
+              <a:t>고려대 </a:t>
+            </a:r>
+            <a:r>
+              <a:rPr lang="en-US" altLang="ko-KR" dirty="0"/>
+              <a:t>| </a:t>
+            </a:r>
+            <a:r>
+              <a:rPr lang="ko-KR" altLang="en-US" dirty="0"/>
+              <a:t>하계   </a:t>
+            </a:r>
+            <a:r>
+              <a:rPr lang="en-US" altLang="ko-KR" dirty="0"/>
+              <a:t>|</a:t>
+            </a:r>
+          </a:p>
+          <a:p>
+            <a:pPr marL="0" indent="0">
+              <a:buNone/>
+            </a:pPr>
+            <a:r>
+              <a:rPr lang="en-US" altLang="ko-KR" dirty="0"/>
+              <a:t>| 9  | </a:t>
+            </a:r>
+            <a:r>
+              <a:rPr lang="ko-KR" altLang="en-US" dirty="0"/>
+              <a:t>백운  </a:t>
+            </a:r>
+            <a:r>
+              <a:rPr lang="en-US" altLang="ko-KR" dirty="0"/>
+              <a:t>| </a:t>
+            </a:r>
+            <a:r>
+              <a:rPr lang="ko-KR" altLang="en-US" dirty="0"/>
+              <a:t>삼성    </a:t>
+            </a:r>
+            <a:r>
+              <a:rPr lang="en-US" altLang="ko-KR" dirty="0"/>
+              <a:t>| </a:t>
+            </a:r>
+            <a:r>
+              <a:rPr lang="ko-KR" altLang="en-US" dirty="0"/>
+              <a:t>남부터미널 </a:t>
+            </a:r>
+            <a:r>
+              <a:rPr lang="en-US" altLang="ko-KR" dirty="0"/>
+              <a:t>| </a:t>
+            </a:r>
+            <a:r>
+              <a:rPr lang="ko-KR" altLang="en-US" dirty="0"/>
+              <a:t>상록수  </a:t>
+            </a:r>
+            <a:r>
+              <a:rPr lang="en-US" altLang="ko-KR" dirty="0"/>
+              <a:t>| </a:t>
+            </a:r>
+            <a:r>
+              <a:rPr lang="ko-KR" altLang="en-US" dirty="0"/>
+              <a:t>신정   </a:t>
+            </a:r>
+            <a:r>
+              <a:rPr lang="en-US" altLang="ko-KR" dirty="0"/>
+              <a:t>| </a:t>
+            </a:r>
+            <a:r>
+              <a:rPr lang="ko-KR" altLang="en-US" dirty="0"/>
+              <a:t>안암  </a:t>
+            </a:r>
+            <a:r>
+              <a:rPr lang="en-US" altLang="ko-KR" dirty="0"/>
+              <a:t>| </a:t>
+            </a:r>
+            <a:r>
+              <a:rPr lang="ko-KR" altLang="en-US" dirty="0"/>
+              <a:t>공릉   </a:t>
+            </a:r>
+            <a:r>
+              <a:rPr lang="en-US" altLang="ko-KR" dirty="0"/>
+              <a:t>|</a:t>
+            </a:r>
+          </a:p>
+          <a:p>
+            <a:pPr marL="0" indent="0">
+              <a:buNone/>
+            </a:pPr>
+            <a:r>
+              <a:rPr lang="en-US" altLang="ko-KR" dirty="0"/>
+              <a:t>| 10 | </a:t>
+            </a:r>
+            <a:r>
+              <a:rPr lang="ko-KR" altLang="en-US" dirty="0"/>
+              <a:t>부평  </a:t>
+            </a:r>
+            <a:r>
+              <a:rPr lang="en-US" altLang="ko-KR" dirty="0"/>
+              <a:t>| </a:t>
+            </a:r>
+            <a:r>
+              <a:rPr lang="ko-KR" altLang="en-US" dirty="0"/>
+              <a:t>선릉    </a:t>
+            </a:r>
+            <a:r>
+              <a:rPr lang="en-US" altLang="ko-KR" dirty="0"/>
+              <a:t>| </a:t>
+            </a:r>
+            <a:r>
+              <a:rPr lang="ko-KR" altLang="en-US" dirty="0"/>
+              <a:t>교대    </a:t>
+            </a:r>
+            <a:r>
+              <a:rPr lang="en-US" altLang="ko-KR" dirty="0"/>
+              <a:t>| </a:t>
+            </a:r>
+            <a:r>
+              <a:rPr lang="ko-KR" altLang="en-US" dirty="0"/>
+              <a:t>반월   </a:t>
+            </a:r>
+            <a:r>
+              <a:rPr lang="en-US" altLang="ko-KR" dirty="0"/>
+              <a:t>| </a:t>
+            </a:r>
+            <a:r>
+              <a:rPr lang="ko-KR" altLang="en-US" dirty="0"/>
+              <a:t>목동   </a:t>
+            </a:r>
+            <a:r>
+              <a:rPr lang="en-US" altLang="ko-KR" dirty="0"/>
+              <a:t>| </a:t>
+            </a:r>
+            <a:r>
+              <a:rPr lang="ko-KR" altLang="en-US" dirty="0"/>
+              <a:t>보문  </a:t>
+            </a:r>
+            <a:r>
+              <a:rPr lang="en-US" altLang="ko-KR" dirty="0"/>
+              <a:t>| </a:t>
+            </a:r>
+            <a:r>
+              <a:rPr lang="ko-KR" altLang="en-US" dirty="0"/>
+              <a:t>태릉입구 </a:t>
+            </a:r>
+            <a:r>
+              <a:rPr lang="en-US" altLang="ko-KR" dirty="0"/>
+              <a:t>|</a:t>
+            </a:r>
+          </a:p>
+          <a:p>
+            <a:pPr marL="0" indent="0">
+              <a:buNone/>
+            </a:pPr>
+            <a:endParaRPr lang="ko-KR" altLang="en-US" dirty="0"/>
+          </a:p>
+        </p:txBody>
+      </p:sp>
+    </p:spTree>
+    <p:extLst>
+      <p:ext uri="{BB962C8B-B14F-4D97-AF65-F5344CB8AC3E}">
+        <p14:creationId xmlns:p14="http://schemas.microsoft.com/office/powerpoint/2010/main" val="247116016"/>
+      </p:ext>
+    </p:extLst>
+  </p:cSld>
+  <p:clrMapOvr>
+    <a:masterClrMapping/>
+  </p:clrMapOvr>
+</p:sld>
+</file>
+
 <file path=ppt/slides/slide24.xml><?xml version="1.0" encoding="utf-8"?>
 <p:sld xmlns:a="http://schemas.openxmlformats.org/drawingml/2006/main" xmlns:r="http://schemas.openxmlformats.org/officeDocument/2006/relationships" xmlns:p="http://schemas.openxmlformats.org/presentationml/2006/main">
   <p:cSld>
@@ -5825,8 +6403,25 @@
           <a:p>
             <a:r>
               <a:rPr lang="ko-KR" altLang="en-US" b="1" dirty="0"/>
-              <a:t>몇 호선이지 찾는 문제</a:t>
-            </a:r>
+              <a:t>몇 호선이지 찾는 </a:t>
+            </a:r>
+            <a:r>
+              <a:rPr lang="ko-KR" altLang="en-US" b="1"/>
+              <a:t>문제</a:t>
+            </a:r>
+            <a:r>
+              <a:rPr lang="en-US" altLang="ko-KR" b="1" dirty="0"/>
+              <a:t>(</a:t>
+            </a:r>
+            <a:r>
+              <a:rPr lang="ko-KR" altLang="en-US" b="1" dirty="0"/>
+              <a:t>기본</a:t>
+            </a:r>
+            <a:r>
+              <a:rPr lang="en-US" altLang="ko-KR" b="1" dirty="0"/>
+              <a:t>)</a:t>
+            </a:r>
+            <a:endParaRPr lang="ko-KR" altLang="en-US" b="1" dirty="0"/>
           </a:p>
         </p:txBody>
       </p:sp>
@@ -5843,753 +6438,144 @@
         <p:spPr/>
         <p:txBody>
           <a:bodyPr>
-            <a:normAutofit fontScale="77500" lnSpcReduction="20000"/>
+            <a:normAutofit/>
           </a:bodyPr>
           <a:lstStyle/>
           <a:p>
-            <a:pPr marL="0" indent="0">
-              <a:buNone/>
-            </a:pPr>
-            <a:r>
-              <a:rPr lang="en-US" altLang="ko-KR" dirty="0"/>
-              <a:t>| </a:t>
-            </a:r>
-            <a:r>
-              <a:rPr lang="ko-KR" altLang="en-US" dirty="0"/>
-              <a:t>순서  </a:t>
-            </a:r>
-            <a:r>
-              <a:rPr lang="en-US" altLang="ko-KR" dirty="0"/>
-              <a:t>| 1</a:t>
-            </a:r>
-            <a:r>
-              <a:rPr lang="ko-KR" altLang="en-US" dirty="0"/>
-              <a:t>호선 </a:t>
-            </a:r>
-            <a:r>
-              <a:rPr lang="en-US" altLang="ko-KR" dirty="0"/>
-              <a:t>| 2</a:t>
-            </a:r>
-            <a:r>
-              <a:rPr lang="ko-KR" altLang="en-US" dirty="0"/>
-              <a:t>호선   </a:t>
-            </a:r>
-            <a:r>
-              <a:rPr lang="en-US" altLang="ko-KR" dirty="0"/>
-              <a:t>| 3</a:t>
-            </a:r>
-            <a:r>
-              <a:rPr lang="ko-KR" altLang="en-US" dirty="0"/>
-              <a:t>호선   </a:t>
-            </a:r>
-            <a:r>
-              <a:rPr lang="en-US" altLang="ko-KR" dirty="0"/>
-              <a:t>| 4</a:t>
-            </a:r>
-            <a:r>
-              <a:rPr lang="ko-KR" altLang="en-US" dirty="0"/>
-              <a:t>호선  </a:t>
-            </a:r>
-            <a:r>
-              <a:rPr lang="en-US" altLang="ko-KR" dirty="0"/>
-              <a:t>| 5</a:t>
-            </a:r>
-            <a:r>
-              <a:rPr lang="ko-KR" altLang="en-US" dirty="0"/>
-              <a:t>호선  </a:t>
-            </a:r>
-            <a:r>
-              <a:rPr lang="en-US" altLang="ko-KR" dirty="0"/>
-              <a:t>| 6</a:t>
-            </a:r>
-            <a:r>
-              <a:rPr lang="ko-KR" altLang="en-US" dirty="0"/>
-              <a:t>호선 </a:t>
-            </a:r>
-            <a:r>
-              <a:rPr lang="en-US" altLang="ko-KR" dirty="0"/>
-              <a:t>| 7</a:t>
-            </a:r>
-            <a:r>
-              <a:rPr lang="ko-KR" altLang="en-US" dirty="0"/>
-              <a:t>호선  </a:t>
-            </a:r>
-            <a:r>
-              <a:rPr lang="en-US" altLang="ko-KR" dirty="0"/>
-              <a:t>|</a:t>
-            </a:r>
-          </a:p>
-          <a:p>
-            <a:pPr marL="0" indent="0">
-              <a:buNone/>
-            </a:pPr>
-            <a:r>
-              <a:rPr lang="en-US" altLang="ko-KR" dirty="0"/>
-              <a:t>| --- | --- | ----- | ----- | ---- | ---- | --- | ---- |</a:t>
-            </a:r>
-          </a:p>
-          <a:p>
-            <a:pPr marL="0" indent="0">
-              <a:buNone/>
-            </a:pPr>
-            <a:r>
-              <a:rPr lang="en-US" altLang="ko-KR" dirty="0"/>
-              <a:t>| 1  | </a:t>
-            </a:r>
-            <a:r>
-              <a:rPr lang="ko-KR" altLang="en-US" dirty="0"/>
-              <a:t>인천  </a:t>
-            </a:r>
-            <a:r>
-              <a:rPr lang="en-US" altLang="ko-KR" dirty="0"/>
-              <a:t>| </a:t>
-            </a:r>
-            <a:r>
-              <a:rPr lang="ko-KR" altLang="en-US" dirty="0"/>
-              <a:t>성수    </a:t>
-            </a:r>
-            <a:r>
-              <a:rPr lang="en-US" altLang="ko-KR" dirty="0"/>
-              <a:t>| </a:t>
-            </a:r>
-            <a:r>
-              <a:rPr lang="ko-KR" altLang="en-US" dirty="0"/>
-              <a:t>수서    </a:t>
-            </a:r>
-            <a:r>
-              <a:rPr lang="en-US" altLang="ko-KR" dirty="0"/>
-              <a:t>| </a:t>
-            </a:r>
-            <a:r>
-              <a:rPr lang="ko-KR" altLang="en-US" dirty="0"/>
-              <a:t>오이도  </a:t>
-            </a:r>
-            <a:r>
-              <a:rPr lang="en-US" altLang="ko-KR" dirty="0"/>
-              <a:t>| </a:t>
-            </a:r>
-            <a:r>
-              <a:rPr lang="ko-KR" altLang="en-US" dirty="0"/>
-              <a:t>방화   </a:t>
-            </a:r>
-            <a:r>
-              <a:rPr lang="en-US" altLang="ko-KR" dirty="0"/>
-              <a:t>| </a:t>
-            </a:r>
-            <a:r>
-              <a:rPr lang="ko-KR" altLang="en-US" dirty="0"/>
-              <a:t>봉화산 </a:t>
-            </a:r>
-            <a:r>
-              <a:rPr lang="en-US" altLang="ko-KR" dirty="0"/>
-              <a:t>| </a:t>
-            </a:r>
-            <a:r>
-              <a:rPr lang="ko-KR" altLang="en-US" dirty="0"/>
-              <a:t>장암   </a:t>
-            </a:r>
-            <a:r>
-              <a:rPr lang="en-US" altLang="ko-KR" dirty="0"/>
-              <a:t>|</a:t>
-            </a:r>
-          </a:p>
-          <a:p>
-            <a:pPr marL="0" indent="0">
-              <a:buNone/>
-            </a:pPr>
-            <a:r>
-              <a:rPr lang="en-US" altLang="ko-KR" dirty="0"/>
-              <a:t>| 2  | </a:t>
-            </a:r>
-            <a:r>
-              <a:rPr lang="ko-KR" altLang="en-US" dirty="0"/>
-              <a:t>동인천 </a:t>
-            </a:r>
-            <a:r>
-              <a:rPr lang="en-US" altLang="ko-KR" dirty="0"/>
-              <a:t>| </a:t>
-            </a:r>
-            <a:r>
-              <a:rPr lang="ko-KR" altLang="en-US" dirty="0"/>
-              <a:t>건대입구  </a:t>
-            </a:r>
-            <a:r>
-              <a:rPr lang="en-US" altLang="ko-KR" dirty="0"/>
-              <a:t>| </a:t>
-            </a:r>
-            <a:r>
-              <a:rPr lang="ko-KR" altLang="en-US" dirty="0"/>
-              <a:t>일원    </a:t>
-            </a:r>
-            <a:r>
-              <a:rPr lang="en-US" altLang="ko-KR" dirty="0"/>
-              <a:t>| </a:t>
-            </a:r>
-            <a:r>
-              <a:rPr lang="ko-KR" altLang="en-US" dirty="0"/>
-              <a:t>정왕   </a:t>
-            </a:r>
-            <a:r>
-              <a:rPr lang="en-US" altLang="ko-KR" dirty="0"/>
-              <a:t>| </a:t>
-            </a:r>
-            <a:r>
-              <a:rPr lang="ko-KR" altLang="en-US" dirty="0"/>
-              <a:t>개화산  </a:t>
-            </a:r>
-            <a:r>
-              <a:rPr lang="en-US" altLang="ko-KR" dirty="0"/>
-              <a:t>| </a:t>
-            </a:r>
-            <a:r>
-              <a:rPr lang="ko-KR" altLang="en-US" dirty="0"/>
-              <a:t>화랑대 </a:t>
-            </a:r>
-            <a:r>
-              <a:rPr lang="en-US" altLang="ko-KR" dirty="0"/>
-              <a:t>| </a:t>
-            </a:r>
-            <a:r>
-              <a:rPr lang="ko-KR" altLang="en-US" dirty="0"/>
-              <a:t>도봉   </a:t>
-            </a:r>
-            <a:r>
-              <a:rPr lang="en-US" altLang="ko-KR" dirty="0"/>
-              <a:t>|</a:t>
-            </a:r>
-          </a:p>
-          <a:p>
-            <a:pPr marL="0" indent="0">
-              <a:buNone/>
-            </a:pPr>
-            <a:r>
-              <a:rPr lang="en-US" altLang="ko-KR" dirty="0"/>
-              <a:t>| 3  | </a:t>
-            </a:r>
-            <a:r>
-              <a:rPr lang="ko-KR" altLang="en-US" dirty="0"/>
-              <a:t>도원  </a:t>
-            </a:r>
-            <a:r>
-              <a:rPr lang="en-US" altLang="ko-KR" dirty="0"/>
-              <a:t>| </a:t>
-            </a:r>
-            <a:r>
-              <a:rPr lang="ko-KR" altLang="en-US" dirty="0"/>
-              <a:t>구의    </a:t>
-            </a:r>
-            <a:r>
-              <a:rPr lang="en-US" altLang="ko-KR" dirty="0"/>
-              <a:t>| </a:t>
-            </a:r>
-            <a:r>
-              <a:rPr lang="ko-KR" altLang="en-US" dirty="0"/>
-              <a:t>대청    </a:t>
-            </a:r>
-            <a:r>
-              <a:rPr lang="en-US" altLang="ko-KR" dirty="0"/>
-              <a:t>| </a:t>
-            </a:r>
-            <a:r>
-              <a:rPr lang="ko-KR" altLang="en-US" dirty="0"/>
-              <a:t>신길온천 </a:t>
-            </a:r>
-            <a:r>
-              <a:rPr lang="en-US" altLang="ko-KR" dirty="0"/>
-              <a:t>| </a:t>
-            </a:r>
-            <a:r>
-              <a:rPr lang="ko-KR" altLang="en-US" dirty="0"/>
-              <a:t>김포공항 </a:t>
-            </a:r>
-            <a:r>
-              <a:rPr lang="en-US" altLang="ko-KR" dirty="0"/>
-              <a:t>| </a:t>
-            </a:r>
-            <a:r>
-              <a:rPr lang="ko-KR" altLang="en-US" dirty="0"/>
-              <a:t>태릉  </a:t>
-            </a:r>
-            <a:r>
-              <a:rPr lang="en-US" altLang="ko-KR" dirty="0"/>
-              <a:t>| </a:t>
-            </a:r>
-            <a:r>
-              <a:rPr lang="ko-KR" altLang="en-US" dirty="0"/>
-              <a:t>도봉산  </a:t>
-            </a:r>
-            <a:r>
-              <a:rPr lang="en-US" altLang="ko-KR" dirty="0"/>
-              <a:t>|</a:t>
-            </a:r>
-          </a:p>
-          <a:p>
-            <a:pPr marL="0" indent="0">
-              <a:buNone/>
-            </a:pPr>
-            <a:r>
-              <a:rPr lang="en-US" altLang="ko-KR" dirty="0"/>
-              <a:t>| 4  | </a:t>
-            </a:r>
-            <a:r>
-              <a:rPr lang="ko-KR" altLang="en-US" dirty="0"/>
-              <a:t>제물포 </a:t>
-            </a:r>
-            <a:r>
-              <a:rPr lang="en-US" altLang="ko-KR" dirty="0"/>
-              <a:t>| </a:t>
-            </a:r>
-            <a:r>
-              <a:rPr lang="ko-KR" altLang="en-US" dirty="0"/>
-              <a:t>강변    </a:t>
-            </a:r>
-            <a:r>
-              <a:rPr lang="en-US" altLang="ko-KR" dirty="0"/>
-              <a:t>| </a:t>
-            </a:r>
-            <a:r>
-              <a:rPr lang="ko-KR" altLang="en-US" dirty="0"/>
-              <a:t>학여울   </a:t>
-            </a:r>
-            <a:r>
-              <a:rPr lang="en-US" altLang="ko-KR" dirty="0"/>
-              <a:t>| </a:t>
-            </a:r>
-            <a:r>
-              <a:rPr lang="ko-KR" altLang="en-US" dirty="0"/>
-              <a:t>안산   </a:t>
-            </a:r>
-            <a:r>
-              <a:rPr lang="en-US" altLang="ko-KR" dirty="0"/>
-              <a:t>| </a:t>
-            </a:r>
-            <a:r>
-              <a:rPr lang="ko-KR" altLang="en-US" dirty="0"/>
-              <a:t>송정   </a:t>
-            </a:r>
-            <a:r>
-              <a:rPr lang="en-US" altLang="ko-KR" dirty="0"/>
-              <a:t>| </a:t>
-            </a:r>
-            <a:r>
-              <a:rPr lang="ko-KR" altLang="en-US" dirty="0"/>
-              <a:t>석계  </a:t>
-            </a:r>
-            <a:r>
-              <a:rPr lang="en-US" altLang="ko-KR" dirty="0"/>
-              <a:t>| </a:t>
-            </a:r>
-            <a:r>
-              <a:rPr lang="ko-KR" altLang="en-US" dirty="0"/>
-              <a:t>수락산  </a:t>
-            </a:r>
-            <a:r>
-              <a:rPr lang="en-US" altLang="ko-KR" dirty="0"/>
-              <a:t>|</a:t>
-            </a:r>
-          </a:p>
-          <a:p>
-            <a:pPr marL="0" indent="0">
-              <a:buNone/>
-            </a:pPr>
-            <a:r>
-              <a:rPr lang="en-US" altLang="ko-KR" dirty="0"/>
-              <a:t>| 5  | </a:t>
-            </a:r>
-            <a:r>
-              <a:rPr lang="ko-KR" altLang="en-US" dirty="0"/>
-              <a:t>도화  </a:t>
-            </a:r>
-            <a:r>
-              <a:rPr lang="en-US" altLang="ko-KR" dirty="0"/>
-              <a:t>| </a:t>
-            </a:r>
-            <a:r>
-              <a:rPr lang="ko-KR" altLang="en-US" dirty="0"/>
-              <a:t>성내    </a:t>
-            </a:r>
-            <a:r>
-              <a:rPr lang="en-US" altLang="ko-KR" dirty="0"/>
-              <a:t>| </a:t>
-            </a:r>
-            <a:r>
-              <a:rPr lang="ko-KR" altLang="en-US" dirty="0"/>
-              <a:t>대치    </a:t>
-            </a:r>
-            <a:r>
-              <a:rPr lang="en-US" altLang="ko-KR" dirty="0"/>
-              <a:t>| </a:t>
-            </a:r>
-            <a:r>
-              <a:rPr lang="ko-KR" altLang="en-US" dirty="0"/>
-              <a:t>공단   </a:t>
-            </a:r>
-            <a:r>
-              <a:rPr lang="en-US" altLang="ko-KR" dirty="0"/>
-              <a:t>| </a:t>
-            </a:r>
-            <a:r>
-              <a:rPr lang="ko-KR" altLang="en-US" dirty="0"/>
-              <a:t>마곡   </a:t>
-            </a:r>
-            <a:r>
-              <a:rPr lang="en-US" altLang="ko-KR" dirty="0"/>
-              <a:t>| </a:t>
-            </a:r>
-            <a:r>
-              <a:rPr lang="ko-KR" altLang="en-US" dirty="0"/>
-              <a:t>돌곶이 </a:t>
-            </a:r>
-            <a:r>
-              <a:rPr lang="en-US" altLang="ko-KR" dirty="0"/>
-              <a:t>| </a:t>
-            </a:r>
-            <a:r>
-              <a:rPr lang="ko-KR" altLang="en-US" dirty="0"/>
-              <a:t>마들   </a:t>
-            </a:r>
-            <a:r>
-              <a:rPr lang="en-US" altLang="ko-KR" dirty="0"/>
-              <a:t>|</a:t>
-            </a:r>
-          </a:p>
-          <a:p>
-            <a:pPr marL="0" indent="0">
-              <a:buNone/>
-            </a:pPr>
-            <a:r>
-              <a:rPr lang="en-US" altLang="ko-KR" dirty="0"/>
-              <a:t>| 6  | </a:t>
-            </a:r>
-            <a:r>
-              <a:rPr lang="ko-KR" altLang="en-US" dirty="0"/>
-              <a:t>주안  </a:t>
-            </a:r>
-            <a:r>
-              <a:rPr lang="en-US" altLang="ko-KR" dirty="0"/>
-              <a:t>| </a:t>
-            </a:r>
-            <a:r>
-              <a:rPr lang="ko-KR" altLang="en-US" dirty="0"/>
-              <a:t>잠실    </a:t>
-            </a:r>
-            <a:r>
-              <a:rPr lang="en-US" altLang="ko-KR" dirty="0"/>
-              <a:t>| </a:t>
-            </a:r>
-            <a:r>
-              <a:rPr lang="ko-KR" altLang="en-US" dirty="0"/>
-              <a:t>도곡    </a:t>
-            </a:r>
-            <a:r>
-              <a:rPr lang="en-US" altLang="ko-KR" dirty="0"/>
-              <a:t>| </a:t>
-            </a:r>
-            <a:r>
-              <a:rPr lang="ko-KR" altLang="en-US" dirty="0"/>
-              <a:t>고잔   </a:t>
-            </a:r>
-            <a:r>
-              <a:rPr lang="en-US" altLang="ko-KR" dirty="0"/>
-              <a:t>| </a:t>
-            </a:r>
-            <a:r>
-              <a:rPr lang="ko-KR" altLang="en-US" dirty="0"/>
-              <a:t>발산   </a:t>
-            </a:r>
-            <a:r>
-              <a:rPr lang="en-US" altLang="ko-KR" dirty="0"/>
-              <a:t>| </a:t>
-            </a:r>
-            <a:r>
-              <a:rPr lang="ko-KR" altLang="en-US" dirty="0"/>
-              <a:t>상월곡 </a:t>
-            </a:r>
-            <a:r>
-              <a:rPr lang="en-US" altLang="ko-KR" dirty="0"/>
-              <a:t>| </a:t>
-            </a:r>
-            <a:r>
-              <a:rPr lang="ko-KR" altLang="en-US" dirty="0"/>
-              <a:t>노원   </a:t>
-            </a:r>
-            <a:r>
-              <a:rPr lang="en-US" altLang="ko-KR" dirty="0"/>
-              <a:t>|</a:t>
-            </a:r>
-          </a:p>
-          <a:p>
-            <a:pPr marL="0" indent="0">
-              <a:buNone/>
-            </a:pPr>
-            <a:r>
-              <a:rPr lang="en-US" altLang="ko-KR" dirty="0"/>
-              <a:t>| 7  | </a:t>
-            </a:r>
-            <a:r>
-              <a:rPr lang="ko-KR" altLang="en-US" dirty="0"/>
-              <a:t>간석  </a:t>
-            </a:r>
-            <a:r>
-              <a:rPr lang="en-US" altLang="ko-KR" dirty="0"/>
-              <a:t>| </a:t>
-            </a:r>
-            <a:r>
-              <a:rPr lang="ko-KR" altLang="en-US" dirty="0"/>
-              <a:t>신천    </a:t>
-            </a:r>
-            <a:r>
-              <a:rPr lang="en-US" altLang="ko-KR" dirty="0"/>
-              <a:t>| </a:t>
-            </a:r>
-            <a:r>
-              <a:rPr lang="ko-KR" altLang="en-US" dirty="0"/>
-              <a:t>매봉    </a:t>
-            </a:r>
-            <a:r>
-              <a:rPr lang="en-US" altLang="ko-KR" dirty="0"/>
-              <a:t>| </a:t>
-            </a:r>
-            <a:r>
-              <a:rPr lang="ko-KR" altLang="en-US" dirty="0"/>
-              <a:t>중앙   </a:t>
-            </a:r>
-            <a:r>
-              <a:rPr lang="en-US" altLang="ko-KR" dirty="0"/>
-              <a:t>| </a:t>
-            </a:r>
-            <a:r>
-              <a:rPr lang="ko-KR" altLang="en-US" dirty="0"/>
-              <a:t>우장산  </a:t>
-            </a:r>
-            <a:r>
-              <a:rPr lang="en-US" altLang="ko-KR" dirty="0"/>
-              <a:t>| </a:t>
-            </a:r>
-            <a:r>
-              <a:rPr lang="ko-KR" altLang="en-US" dirty="0"/>
-              <a:t>월곡  </a:t>
-            </a:r>
-            <a:r>
-              <a:rPr lang="en-US" altLang="ko-KR" dirty="0"/>
-              <a:t>| </a:t>
-            </a:r>
-            <a:r>
-              <a:rPr lang="ko-KR" altLang="en-US" dirty="0"/>
-              <a:t>중계   </a:t>
-            </a:r>
-            <a:r>
-              <a:rPr lang="en-US" altLang="ko-KR" dirty="0"/>
-              <a:t>|</a:t>
-            </a:r>
-          </a:p>
-          <a:p>
-            <a:pPr marL="0" indent="0">
-              <a:buNone/>
-            </a:pPr>
-            <a:r>
-              <a:rPr lang="en-US" altLang="ko-KR" dirty="0"/>
-              <a:t>| 8  | </a:t>
-            </a:r>
-            <a:r>
-              <a:rPr lang="ko-KR" altLang="en-US" dirty="0"/>
-              <a:t>동암  </a:t>
-            </a:r>
-            <a:r>
-              <a:rPr lang="en-US" altLang="ko-KR" dirty="0"/>
-              <a:t>| </a:t>
-            </a:r>
-            <a:r>
-              <a:rPr lang="ko-KR" altLang="en-US" dirty="0"/>
-              <a:t>종합운동장 </a:t>
-            </a:r>
-            <a:r>
-              <a:rPr lang="en-US" altLang="ko-KR" dirty="0"/>
-              <a:t>| </a:t>
-            </a:r>
-            <a:r>
-              <a:rPr lang="ko-KR" altLang="en-US" dirty="0"/>
-              <a:t>양재    </a:t>
-            </a:r>
-            <a:r>
-              <a:rPr lang="en-US" altLang="ko-KR" dirty="0"/>
-              <a:t>| </a:t>
-            </a:r>
-            <a:r>
-              <a:rPr lang="ko-KR" altLang="en-US" dirty="0"/>
-              <a:t>한대앞  </a:t>
-            </a:r>
-            <a:r>
-              <a:rPr lang="en-US" altLang="ko-KR" dirty="0"/>
-              <a:t>| </a:t>
-            </a:r>
-            <a:r>
-              <a:rPr lang="ko-KR" altLang="en-US" dirty="0"/>
-              <a:t>화곡   </a:t>
-            </a:r>
-            <a:r>
-              <a:rPr lang="en-US" altLang="ko-KR" dirty="0"/>
-              <a:t>| </a:t>
-            </a:r>
-            <a:r>
-              <a:rPr lang="ko-KR" altLang="en-US" dirty="0"/>
-              <a:t>고려대 </a:t>
-            </a:r>
-            <a:r>
-              <a:rPr lang="en-US" altLang="ko-KR" dirty="0"/>
-              <a:t>| </a:t>
-            </a:r>
-            <a:r>
-              <a:rPr lang="ko-KR" altLang="en-US" dirty="0"/>
-              <a:t>하계   </a:t>
-            </a:r>
-            <a:r>
-              <a:rPr lang="en-US" altLang="ko-KR" dirty="0"/>
-              <a:t>|</a:t>
-            </a:r>
-          </a:p>
-          <a:p>
-            <a:pPr marL="0" indent="0">
-              <a:buNone/>
-            </a:pPr>
-            <a:r>
-              <a:rPr lang="en-US" altLang="ko-KR" dirty="0"/>
-              <a:t>| 9  | </a:t>
-            </a:r>
-            <a:r>
-              <a:rPr lang="ko-KR" altLang="en-US" dirty="0"/>
-              <a:t>백운  </a:t>
-            </a:r>
-            <a:r>
-              <a:rPr lang="en-US" altLang="ko-KR" dirty="0"/>
-              <a:t>| </a:t>
-            </a:r>
-            <a:r>
-              <a:rPr lang="ko-KR" altLang="en-US" dirty="0"/>
-              <a:t>삼성    </a:t>
-            </a:r>
-            <a:r>
-              <a:rPr lang="en-US" altLang="ko-KR" dirty="0"/>
-              <a:t>| </a:t>
-            </a:r>
-            <a:r>
-              <a:rPr lang="ko-KR" altLang="en-US" dirty="0"/>
-              <a:t>남부터미널 </a:t>
-            </a:r>
-            <a:r>
-              <a:rPr lang="en-US" altLang="ko-KR" dirty="0"/>
-              <a:t>| </a:t>
-            </a:r>
-            <a:r>
-              <a:rPr lang="ko-KR" altLang="en-US" dirty="0"/>
-              <a:t>상록수  </a:t>
-            </a:r>
-            <a:r>
-              <a:rPr lang="en-US" altLang="ko-KR" dirty="0"/>
-              <a:t>| </a:t>
-            </a:r>
-            <a:r>
-              <a:rPr lang="ko-KR" altLang="en-US" dirty="0"/>
-              <a:t>신정   </a:t>
-            </a:r>
-            <a:r>
-              <a:rPr lang="en-US" altLang="ko-KR" dirty="0"/>
-              <a:t>| </a:t>
-            </a:r>
-            <a:r>
-              <a:rPr lang="ko-KR" altLang="en-US" dirty="0"/>
-              <a:t>안암  </a:t>
-            </a:r>
-            <a:r>
-              <a:rPr lang="en-US" altLang="ko-KR" dirty="0"/>
-              <a:t>| </a:t>
-            </a:r>
-            <a:r>
-              <a:rPr lang="ko-KR" altLang="en-US" dirty="0"/>
-              <a:t>공릉   </a:t>
-            </a:r>
-            <a:r>
-              <a:rPr lang="en-US" altLang="ko-KR" dirty="0"/>
-              <a:t>|</a:t>
-            </a:r>
-          </a:p>
-          <a:p>
-            <a:pPr marL="0" indent="0">
-              <a:buNone/>
-            </a:pPr>
-            <a:r>
-              <a:rPr lang="en-US" altLang="ko-KR" dirty="0"/>
-              <a:t>| 10 | </a:t>
-            </a:r>
-            <a:r>
-              <a:rPr lang="ko-KR" altLang="en-US" dirty="0"/>
-              <a:t>부평  </a:t>
-            </a:r>
-            <a:r>
-              <a:rPr lang="en-US" altLang="ko-KR" dirty="0"/>
-              <a:t>| </a:t>
-            </a:r>
-            <a:r>
-              <a:rPr lang="ko-KR" altLang="en-US" dirty="0"/>
-              <a:t>선릉    </a:t>
-            </a:r>
-            <a:r>
-              <a:rPr lang="en-US" altLang="ko-KR" dirty="0"/>
-              <a:t>| </a:t>
-            </a:r>
-            <a:r>
-              <a:rPr lang="ko-KR" altLang="en-US" dirty="0"/>
-              <a:t>교대    </a:t>
-            </a:r>
-            <a:r>
-              <a:rPr lang="en-US" altLang="ko-KR" dirty="0"/>
-              <a:t>| </a:t>
-            </a:r>
-            <a:r>
-              <a:rPr lang="ko-KR" altLang="en-US" dirty="0"/>
-              <a:t>반월   </a:t>
-            </a:r>
-            <a:r>
-              <a:rPr lang="en-US" altLang="ko-KR" dirty="0"/>
-              <a:t>| </a:t>
-            </a:r>
-            <a:r>
-              <a:rPr lang="ko-KR" altLang="en-US" dirty="0"/>
-              <a:t>목동   </a:t>
-            </a:r>
-            <a:r>
-              <a:rPr lang="en-US" altLang="ko-KR" dirty="0"/>
-              <a:t>| </a:t>
-            </a:r>
-            <a:r>
-              <a:rPr lang="ko-KR" altLang="en-US" dirty="0"/>
-              <a:t>보문  </a:t>
-            </a:r>
-            <a:r>
-              <a:rPr lang="en-US" altLang="ko-KR" dirty="0"/>
-              <a:t>| </a:t>
-            </a:r>
-            <a:r>
-              <a:rPr lang="ko-KR" altLang="en-US" dirty="0"/>
-              <a:t>태릉입구 </a:t>
-            </a:r>
-            <a:r>
-              <a:rPr lang="en-US" altLang="ko-KR" dirty="0"/>
-              <a:t>|</a:t>
-            </a:r>
-          </a:p>
-          <a:p>
-            <a:pPr marL="0" indent="0">
-              <a:buNone/>
-            </a:pPr>
-            <a:endParaRPr lang="ko-KR" altLang="en-US" dirty="0"/>
+            <a:pPr marL="514350" indent="-514350" algn="just">
+              <a:lnSpc>
+                <a:spcPct val="150000"/>
+              </a:lnSpc>
+              <a:buAutoNum type="arabicPeriod"/>
+            </a:pPr>
+            <a:r>
+              <a:rPr lang="ko-KR" altLang="en-US" sz="2000" dirty="0"/>
+              <a:t>엑셀 </a:t>
+            </a:r>
+            <a:r>
+              <a:rPr lang="en-US" altLang="ko-KR" sz="2000" dirty="0"/>
+              <a:t>VBA </a:t>
+            </a:r>
+            <a:r>
+              <a:rPr lang="ko-KR" altLang="en-US" sz="2000" dirty="0"/>
+              <a:t>코드를 작성해줘</a:t>
+            </a:r>
+            <a:r>
+              <a:rPr lang="en-US" altLang="ko-KR" sz="2000" dirty="0"/>
+              <a:t>. </a:t>
+            </a:r>
+            <a:r>
+              <a:rPr lang="ko-KR" altLang="en-US" sz="2000" dirty="0"/>
+              <a:t>이 코드는 사용자로부터 서울 지하철 역 이름을 입력 받아서 해당 역이 어떤 호선에 속해 있는지 그리고 그 호선에서 몇 번째 역인지를 알려주는 코드다</a:t>
+            </a:r>
+            <a:r>
+              <a:rPr lang="en-US" altLang="ko-KR" sz="2000" dirty="0"/>
+              <a:t>.</a:t>
+            </a:r>
+          </a:p>
+          <a:p>
+            <a:pPr marL="514350" indent="-514350" algn="just">
+              <a:lnSpc>
+                <a:spcPct val="150000"/>
+              </a:lnSpc>
+              <a:buAutoNum type="arabicPeriod"/>
+            </a:pPr>
+            <a:r>
+              <a:rPr lang="ko-KR" altLang="en-US" sz="2000" dirty="0"/>
+              <a:t>역 이름은 엑셀 시트 </a:t>
+            </a:r>
+            <a:r>
+              <a:rPr lang="en-US" altLang="ko-KR" sz="2000" dirty="0"/>
+              <a:t>'Sheet1'</a:t>
+            </a:r>
+            <a:r>
+              <a:rPr lang="ko-KR" altLang="en-US" sz="2000" dirty="0"/>
+              <a:t>의 </a:t>
+            </a:r>
+            <a:r>
+              <a:rPr lang="en-US" altLang="ko-KR" sz="2000" dirty="0"/>
+              <a:t>B2</a:t>
+            </a:r>
+            <a:r>
+              <a:rPr lang="ko-KR" altLang="en-US" sz="2000" dirty="0"/>
+              <a:t>부터 </a:t>
+            </a:r>
+            <a:r>
+              <a:rPr lang="en-US" altLang="ko-KR" sz="2000" dirty="0"/>
+              <a:t>H11</a:t>
+            </a:r>
+            <a:r>
+              <a:rPr lang="ko-KR" altLang="en-US" sz="2000" dirty="0"/>
+              <a:t>까지 셀에 나열되어 있고</a:t>
+            </a:r>
+            <a:r>
+              <a:rPr lang="en-US" altLang="ko-KR" sz="2000" dirty="0"/>
+              <a:t>, </a:t>
+            </a:r>
+            <a:r>
+              <a:rPr lang="ko-KR" altLang="en-US" sz="2000" dirty="0"/>
+              <a:t>호선 정보는 </a:t>
+            </a:r>
+            <a:r>
+              <a:rPr lang="en-US" altLang="ko-KR" sz="2000" dirty="0"/>
+              <a:t>B1</a:t>
+            </a:r>
+            <a:r>
+              <a:rPr lang="ko-KR" altLang="en-US" sz="2000" dirty="0"/>
+              <a:t>부터 </a:t>
+            </a:r>
+            <a:r>
+              <a:rPr lang="en-US" altLang="ko-KR" sz="2000" dirty="0"/>
+              <a:t>H1</a:t>
+            </a:r>
+            <a:r>
+              <a:rPr lang="ko-KR" altLang="en-US" sz="2000" dirty="0"/>
+              <a:t>까지의 셀에 있다</a:t>
+            </a:r>
+            <a:r>
+              <a:rPr lang="en-US" altLang="ko-KR" sz="2000" dirty="0"/>
+              <a:t>.</a:t>
+            </a:r>
+          </a:p>
+          <a:p>
+            <a:pPr marL="514350" indent="-514350" algn="just">
+              <a:lnSpc>
+                <a:spcPct val="150000"/>
+              </a:lnSpc>
+              <a:buAutoNum type="arabicPeriod"/>
+            </a:pPr>
+            <a:r>
+              <a:rPr lang="ko-KR" altLang="en-US" sz="2000" dirty="0"/>
+              <a:t>만약 입력된 역 이름이 존재하지 않는다면 </a:t>
+            </a:r>
+            <a:r>
+              <a:rPr lang="en-US" altLang="ko-KR" sz="2000" dirty="0"/>
+              <a:t>＇</a:t>
+            </a:r>
+            <a:r>
+              <a:rPr lang="ko-KR" altLang="en-US" sz="2000" dirty="0"/>
+              <a:t>해당 역을 찾을 수 없습니다</a:t>
+            </a:r>
+            <a:r>
+              <a:rPr lang="en-US" altLang="ko-KR" sz="2000" dirty="0"/>
+              <a:t>.＇</a:t>
+            </a:r>
+            <a:r>
+              <a:rPr lang="ko-KR" altLang="en-US" sz="2000" dirty="0"/>
+              <a:t>라는 메시지를 출력해야 한다</a:t>
+            </a:r>
+            <a:r>
+              <a:rPr lang="en-US" altLang="ko-KR" sz="2000" dirty="0"/>
+              <a:t>.</a:t>
+            </a:r>
+            <a:endParaRPr lang="ko-KR" altLang="en-US" sz="2000" dirty="0"/>
           </a:p>
         </p:txBody>
       </p:sp>
     </p:spTree>
     <p:extLst>
       <p:ext uri="{BB962C8B-B14F-4D97-AF65-F5344CB8AC3E}">
-        <p14:creationId xmlns:p14="http://schemas.microsoft.com/office/powerpoint/2010/main" val="247116016"/>
+        <p14:creationId xmlns:p14="http://schemas.microsoft.com/office/powerpoint/2010/main" val="1021148994"/>
       </p:ext>
     </p:extLst>
   </p:cSld>
@@ -6633,222 +6619,6 @@
           <a:p>
             <a:r>
               <a:rPr lang="ko-KR" altLang="en-US" b="1" dirty="0"/>
-              <a:t>몇 호선이지 찾는 </a:t>
-            </a:r>
-            <a:r>
-              <a:rPr lang="ko-KR" altLang="en-US" b="1"/>
-              <a:t>문제</a:t>
-            </a:r>
-            <a:r>
-              <a:rPr lang="en-US" altLang="ko-KR" b="1" dirty="0"/>
-              <a:t>(</a:t>
-            </a:r>
-            <a:r>
-              <a:rPr lang="ko-KR" altLang="en-US" b="1" dirty="0"/>
-              <a:t>기본</a:t>
-            </a:r>
-            <a:r>
-              <a:rPr lang="en-US" altLang="ko-KR" b="1" dirty="0"/>
-              <a:t>)</a:t>
-            </a:r>
-            <a:endParaRPr lang="ko-KR" altLang="en-US" b="1" dirty="0"/>
-          </a:p>
-        </p:txBody>
-      </p:sp>
-      <p:sp>
-        <p:nvSpPr>
-          <p:cNvPr id="3" name="내용 개체 틀 2"/>
-          <p:cNvSpPr>
-            <a:spLocks noGrp="1"/>
-          </p:cNvSpPr>
-          <p:nvPr>
-            <p:ph idx="1"/>
-          </p:nvPr>
-        </p:nvSpPr>
-        <p:spPr/>
-        <p:txBody>
-          <a:bodyPr>
-            <a:normAutofit/>
-          </a:bodyPr>
-          <a:lstStyle/>
-          <a:p>
-            <a:pPr marL="514350" indent="-514350" algn="just">
-              <a:lnSpc>
-                <a:spcPct val="150000"/>
-              </a:lnSpc>
-              <a:buAutoNum type="arabicPeriod"/>
-            </a:pPr>
-            <a:r>
-              <a:rPr lang="ko-KR" altLang="en-US" sz="2000" dirty="0"/>
-              <a:t>엑셀 </a:t>
-            </a:r>
-            <a:r>
-              <a:rPr lang="en-US" altLang="ko-KR" sz="2000" dirty="0"/>
-              <a:t>VBA </a:t>
-            </a:r>
-            <a:r>
-              <a:rPr lang="ko-KR" altLang="en-US" sz="2000" dirty="0"/>
-              <a:t>코드를 작성해줘</a:t>
-            </a:r>
-            <a:r>
-              <a:rPr lang="en-US" altLang="ko-KR" sz="2000" dirty="0"/>
-              <a:t>. </a:t>
-            </a:r>
-            <a:r>
-              <a:rPr lang="ko-KR" altLang="en-US" sz="2000" dirty="0"/>
-              <a:t>이 코드는 사용자로부터 서울 지하철 역 이름을 입력 받아서 해당 역이 어떤 호선에 속해 있는지 그리고 그 호선에서 몇 번째 역인지를 알려주는 코드다</a:t>
-            </a:r>
-            <a:r>
-              <a:rPr lang="en-US" altLang="ko-KR" sz="2000" dirty="0"/>
-              <a:t>.</a:t>
-            </a:r>
-          </a:p>
-          <a:p>
-            <a:pPr marL="514350" indent="-514350" algn="just">
-              <a:lnSpc>
-                <a:spcPct val="150000"/>
-              </a:lnSpc>
-              <a:buAutoNum type="arabicPeriod"/>
-            </a:pPr>
-            <a:r>
-              <a:rPr lang="ko-KR" altLang="en-US" sz="2000" dirty="0"/>
-              <a:t>역 이름은 엑셀 시트 </a:t>
-            </a:r>
-            <a:r>
-              <a:rPr lang="en-US" altLang="ko-KR" sz="2000" dirty="0"/>
-              <a:t>'Sheet1'</a:t>
-            </a:r>
-            <a:r>
-              <a:rPr lang="ko-KR" altLang="en-US" sz="2000" dirty="0"/>
-              <a:t>의 </a:t>
-            </a:r>
-            <a:r>
-              <a:rPr lang="en-US" altLang="ko-KR" sz="2000" dirty="0"/>
-              <a:t>B2</a:t>
-            </a:r>
-            <a:r>
-              <a:rPr lang="ko-KR" altLang="en-US" sz="2000" dirty="0"/>
-              <a:t>부터 </a:t>
-            </a:r>
-            <a:r>
-              <a:rPr lang="en-US" altLang="ko-KR" sz="2000" dirty="0"/>
-              <a:t>H11</a:t>
-            </a:r>
-            <a:r>
-              <a:rPr lang="ko-KR" altLang="en-US" sz="2000" dirty="0"/>
-              <a:t>까지 셀에 나열되어 있고</a:t>
-            </a:r>
-            <a:r>
-              <a:rPr lang="en-US" altLang="ko-KR" sz="2000" dirty="0"/>
-              <a:t>, </a:t>
-            </a:r>
-            <a:r>
-              <a:rPr lang="ko-KR" altLang="en-US" sz="2000" dirty="0"/>
-              <a:t>호선 정보는 </a:t>
-            </a:r>
-            <a:r>
-              <a:rPr lang="en-US" altLang="ko-KR" sz="2000" dirty="0"/>
-              <a:t>B1</a:t>
-            </a:r>
-            <a:r>
-              <a:rPr lang="ko-KR" altLang="en-US" sz="2000" dirty="0"/>
-              <a:t>부터 </a:t>
-            </a:r>
-            <a:r>
-              <a:rPr lang="en-US" altLang="ko-KR" sz="2000" dirty="0"/>
-              <a:t>H1</a:t>
-            </a:r>
-            <a:r>
-              <a:rPr lang="ko-KR" altLang="en-US" sz="2000" dirty="0"/>
-              <a:t>까지의 셀에 있다</a:t>
-            </a:r>
-            <a:r>
-              <a:rPr lang="en-US" altLang="ko-KR" sz="2000" dirty="0"/>
-              <a:t>.</a:t>
-            </a:r>
-          </a:p>
-          <a:p>
-            <a:pPr marL="514350" indent="-514350" algn="just">
-              <a:lnSpc>
-                <a:spcPct val="150000"/>
-              </a:lnSpc>
-              <a:buAutoNum type="arabicPeriod"/>
-            </a:pPr>
-            <a:r>
-              <a:rPr lang="ko-KR" altLang="en-US" sz="2000" dirty="0"/>
-              <a:t>만약 입력된 역 이름이 존재하지 않는다면 </a:t>
-            </a:r>
-            <a:r>
-              <a:rPr lang="en-US" altLang="ko-KR" sz="2000" dirty="0"/>
-              <a:t>＇</a:t>
-            </a:r>
-            <a:r>
-              <a:rPr lang="ko-KR" altLang="en-US" sz="2000" dirty="0"/>
-              <a:t>해당 역을 찾을 수 없습니다</a:t>
-            </a:r>
-            <a:r>
-              <a:rPr lang="en-US" altLang="ko-KR" sz="2000" dirty="0"/>
-              <a:t>.＇</a:t>
-            </a:r>
-            <a:r>
-              <a:rPr lang="ko-KR" altLang="en-US" sz="2000" dirty="0"/>
-              <a:t>라는 메시지를 출력해야 한다</a:t>
-            </a:r>
-            <a:r>
-              <a:rPr lang="en-US" altLang="ko-KR" sz="2000" dirty="0"/>
-              <a:t>.</a:t>
-            </a:r>
-            <a:endParaRPr lang="ko-KR" altLang="en-US" sz="2000" dirty="0"/>
-          </a:p>
-        </p:txBody>
-      </p:sp>
-    </p:spTree>
-    <p:extLst>
-      <p:ext uri="{BB962C8B-B14F-4D97-AF65-F5344CB8AC3E}">
-        <p14:creationId xmlns:p14="http://schemas.microsoft.com/office/powerpoint/2010/main" val="1021148994"/>
-      </p:ext>
-    </p:extLst>
-  </p:cSld>
-  <p:clrMapOvr>
-    <a:masterClrMapping/>
-  </p:clrMapOvr>
-</p:sld>
-</file>
-
-<file path=ppt/slides/slide26.xml><?xml version="1.0" encoding="utf-8"?>
-<p:sld xmlns:a="http://schemas.openxmlformats.org/drawingml/2006/main" xmlns:r="http://schemas.openxmlformats.org/officeDocument/2006/relationships" xmlns:p="http://schemas.openxmlformats.org/presentationml/2006/main">
-  <p:cSld>
-    <p:spTree>
-      <p:nvGrpSpPr>
-        <p:cNvPr id="1" name=""/>
-        <p:cNvGrpSpPr/>
-        <p:nvPr/>
-      </p:nvGrpSpPr>
-      <p:grpSpPr>
-        <a:xfrm>
-          <a:off x="0" y="0"/>
-          <a:ext cx="0" cy="0"/>
-          <a:chOff x="0" y="0"/>
-          <a:chExt cx="0" cy="0"/>
-        </a:xfrm>
-      </p:grpSpPr>
-      <p:sp>
-        <p:nvSpPr>
-          <p:cNvPr id="2" name="제목 1"/>
-          <p:cNvSpPr>
-            <a:spLocks noGrp="1"/>
-          </p:cNvSpPr>
-          <p:nvPr>
-            <p:ph type="title"/>
-          </p:nvPr>
-        </p:nvSpPr>
-        <p:spPr/>
-        <p:txBody>
-          <a:bodyPr/>
-          <a:lstStyle/>
-          <a:p>
-            <a:r>
-              <a:rPr lang="ko-KR" altLang="en-US" b="1" dirty="0"/>
               <a:t>몇 호선이지 찾는 문제</a:t>
             </a:r>
             <a:r>
@@ -7107,7 +6877,7 @@
 </p:sld>
 </file>
 
-<file path=ppt/slides/slide27.xml><?xml version="1.0" encoding="utf-8"?>
+<file path=ppt/slides/slide26.xml><?xml version="1.0" encoding="utf-8"?>
 <p:sld xmlns:a="http://schemas.openxmlformats.org/drawingml/2006/main" xmlns:r="http://schemas.openxmlformats.org/officeDocument/2006/relationships" xmlns:p="http://schemas.openxmlformats.org/presentationml/2006/main">
   <p:cSld>
     <p:spTree>
@@ -7942,6 +7712,228 @@
 </p:sld>
 </file>
 
+<file path=ppt/slides/slide27.xml><?xml version="1.0" encoding="utf-8"?>
+<p:sld xmlns:a="http://schemas.openxmlformats.org/drawingml/2006/main" xmlns:r="http://schemas.openxmlformats.org/officeDocument/2006/relationships" xmlns:p="http://schemas.openxmlformats.org/presentationml/2006/main">
+  <p:cSld>
+    <p:spTree>
+      <p:nvGrpSpPr>
+        <p:cNvPr id="1" name=""/>
+        <p:cNvGrpSpPr/>
+        <p:nvPr/>
+      </p:nvGrpSpPr>
+      <p:grpSpPr>
+        <a:xfrm>
+          <a:off x="0" y="0"/>
+          <a:ext cx="0" cy="0"/>
+          <a:chOff x="0" y="0"/>
+          <a:chExt cx="0" cy="0"/>
+        </a:xfrm>
+      </p:grpSpPr>
+      <p:sp>
+        <p:nvSpPr>
+          <p:cNvPr id="2" name="제목 1"/>
+          <p:cNvSpPr>
+            <a:spLocks noGrp="1"/>
+          </p:cNvSpPr>
+          <p:nvPr>
+            <p:ph type="title"/>
+          </p:nvPr>
+        </p:nvSpPr>
+        <p:spPr/>
+        <p:txBody>
+          <a:bodyPr>
+            <a:normAutofit/>
+          </a:bodyPr>
+          <a:lstStyle/>
+          <a:p>
+            <a:r>
+              <a:rPr lang="ko-KR" altLang="en-US" sz="3600" b="1" dirty="0"/>
+              <a:t>엑셀 날짜별로 시트 구분하여 생성하기</a:t>
+            </a:r>
+            <a:r>
+              <a:rPr lang="en-US" altLang="ko-KR" sz="3600" b="1" dirty="0"/>
+              <a:t>(</a:t>
+            </a:r>
+            <a:r>
+              <a:rPr lang="ko-KR" altLang="en-US" sz="3600" b="1" dirty="0"/>
+              <a:t>확장</a:t>
+            </a:r>
+            <a:r>
+              <a:rPr lang="en-US" altLang="ko-KR" sz="3600" b="1" dirty="0"/>
+              <a:t>-1)</a:t>
+            </a:r>
+            <a:endParaRPr lang="ko-KR" altLang="en-US" sz="3600" b="1" dirty="0"/>
+          </a:p>
+        </p:txBody>
+      </p:sp>
+      <p:sp>
+        <p:nvSpPr>
+          <p:cNvPr id="3" name="내용 개체 틀 2"/>
+          <p:cNvSpPr>
+            <a:spLocks noGrp="1"/>
+          </p:cNvSpPr>
+          <p:nvPr>
+            <p:ph idx="1"/>
+          </p:nvPr>
+        </p:nvSpPr>
+        <p:spPr/>
+        <p:txBody>
+          <a:bodyPr>
+            <a:normAutofit fontScale="85000" lnSpcReduction="10000"/>
+          </a:bodyPr>
+          <a:lstStyle/>
+          <a:p>
+            <a:pPr marL="514350" indent="-514350" algn="just">
+              <a:lnSpc>
+                <a:spcPct val="150000"/>
+              </a:lnSpc>
+              <a:buAutoNum type="arabicPeriod"/>
+            </a:pPr>
+            <a:r>
+              <a:rPr lang="ko-KR" altLang="en-US" dirty="0"/>
+              <a:t>엑셀 시트에 날짜</a:t>
+            </a:r>
+            <a:r>
+              <a:rPr lang="en-US" altLang="ko-KR" dirty="0"/>
+              <a:t>, </a:t>
+            </a:r>
+            <a:r>
+              <a:rPr lang="ko-KR" altLang="en-US" dirty="0"/>
+              <a:t>소속</a:t>
+            </a:r>
+            <a:r>
+              <a:rPr lang="en-US" altLang="ko-KR" dirty="0"/>
+              <a:t>, </a:t>
+            </a:r>
+            <a:r>
+              <a:rPr lang="ko-KR" altLang="en-US" dirty="0"/>
+              <a:t>성명 정보를 포함하는 데이터 프레임이 있다</a:t>
+            </a:r>
+            <a:r>
+              <a:rPr lang="en-US" altLang="ko-KR" dirty="0"/>
+              <a:t>.</a:t>
+            </a:r>
+          </a:p>
+          <a:p>
+            <a:pPr marL="514350" indent="-514350" algn="just">
+              <a:lnSpc>
+                <a:spcPct val="150000"/>
+              </a:lnSpc>
+              <a:buAutoNum type="arabicPeriod"/>
+            </a:pPr>
+            <a:r>
+              <a:rPr lang="ko-KR" altLang="en-US" dirty="0"/>
+              <a:t>이 데이터 프레임에서 각 고유 </a:t>
+            </a:r>
+            <a:r>
+              <a:rPr lang="en-US" altLang="ko-KR" dirty="0"/>
+              <a:t>＇</a:t>
+            </a:r>
+            <a:r>
+              <a:rPr lang="ko-KR" altLang="en-US" dirty="0"/>
+              <a:t>날짜</a:t>
+            </a:r>
+            <a:r>
+              <a:rPr lang="en-US" altLang="ko-KR" dirty="0"/>
+              <a:t>＇ </a:t>
+            </a:r>
+            <a:r>
+              <a:rPr lang="ko-KR" altLang="en-US" dirty="0"/>
+              <a:t>값을 기준으로 해당 날짜에 해당하는 행을 찾아 새로운 시트에 복사하는 </a:t>
+            </a:r>
+            <a:r>
+              <a:rPr lang="en-US" altLang="ko-KR" dirty="0"/>
+              <a:t>Excel VBA </a:t>
+            </a:r>
+            <a:r>
+              <a:rPr lang="ko-KR" altLang="en-US" dirty="0"/>
+              <a:t>코드를 작성한다</a:t>
+            </a:r>
+            <a:r>
+              <a:rPr lang="en-US" altLang="ko-KR" dirty="0"/>
+              <a:t>.</a:t>
+            </a:r>
+          </a:p>
+          <a:p>
+            <a:pPr marL="514350" indent="-514350" algn="just">
+              <a:lnSpc>
+                <a:spcPct val="150000"/>
+              </a:lnSpc>
+              <a:buAutoNum type="arabicPeriod"/>
+            </a:pPr>
+            <a:r>
+              <a:rPr lang="ko-KR" altLang="en-US" dirty="0"/>
+              <a:t>이 때</a:t>
+            </a:r>
+            <a:r>
+              <a:rPr lang="en-US" altLang="ko-KR" dirty="0"/>
+              <a:t>, </a:t>
+            </a:r>
+            <a:r>
+              <a:rPr lang="ko-KR" altLang="en-US" dirty="0"/>
+              <a:t>새로 생성된 각 시트의 이름은 해당 시트에 복사된 행들의 </a:t>
+            </a:r>
+            <a:r>
+              <a:rPr lang="en-US" altLang="ko-KR" dirty="0"/>
+              <a:t>＇</a:t>
+            </a:r>
+            <a:r>
+              <a:rPr lang="ko-KR" altLang="en-US" dirty="0"/>
+              <a:t>날짜</a:t>
+            </a:r>
+            <a:r>
+              <a:rPr lang="en-US" altLang="ko-KR" dirty="0"/>
+              <a:t>＇ </a:t>
+            </a:r>
+            <a:r>
+              <a:rPr lang="ko-KR" altLang="en-US" dirty="0"/>
+              <a:t>값으로 설정해야 한다</a:t>
+            </a:r>
+            <a:r>
+              <a:rPr lang="en-US" altLang="ko-KR" dirty="0"/>
+              <a:t>.</a:t>
+            </a:r>
+          </a:p>
+          <a:p>
+            <a:pPr marL="514350" indent="-514350" algn="just">
+              <a:lnSpc>
+                <a:spcPct val="150000"/>
+              </a:lnSpc>
+              <a:buAutoNum type="arabicPeriod"/>
+            </a:pPr>
+            <a:r>
+              <a:rPr lang="ko-KR" altLang="en-US" dirty="0"/>
+              <a:t>즉</a:t>
+            </a:r>
+            <a:r>
+              <a:rPr lang="en-US" altLang="ko-KR" dirty="0"/>
+              <a:t>, </a:t>
+            </a:r>
+            <a:r>
+              <a:rPr lang="ko-KR" altLang="en-US" dirty="0"/>
+              <a:t>각 고유 날짜마다 별도의 시트를 생성하고 해당 날짜에 해당하는 데이터를 해당 시트에 복사해 주는 코드를 작성해야 한다</a:t>
+            </a:r>
+            <a:r>
+              <a:rPr lang="en-US" altLang="ko-KR" dirty="0"/>
+              <a:t>.</a:t>
+            </a:r>
+            <a:endParaRPr lang="ko-KR" altLang="en-US" dirty="0"/>
+          </a:p>
+        </p:txBody>
+      </p:sp>
+    </p:spTree>
+    <p:extLst>
+      <p:ext uri="{BB962C8B-B14F-4D97-AF65-F5344CB8AC3E}">
+        <p14:creationId xmlns:p14="http://schemas.microsoft.com/office/powerpoint/2010/main" val="4069649553"/>
+      </p:ext>
+    </p:extLst>
+  </p:cSld>
+  <p:clrMapOvr>
+    <a:masterClrMapping/>
+  </p:clrMapOvr>
+</p:sld>
+</file>
+
 <file path=ppt/slides/slide28.xml><?xml version="1.0" encoding="utf-8"?>
 <p:sld xmlns:a="http://schemas.openxmlformats.org/drawingml/2006/main" xmlns:r="http://schemas.openxmlformats.org/officeDocument/2006/relationships" xmlns:p="http://schemas.openxmlformats.org/presentationml/2006/main">
   <p:cSld>
@@ -7990,7 +7982,7 @@
             </a:r>
             <a:r>
               <a:rPr lang="en-US" altLang="ko-KR" sz="3600" b="1" dirty="0"/>
-              <a:t>-1)</a:t>
+              <a:t>-2)</a:t>
             </a:r>
             <a:endParaRPr lang="ko-KR" altLang="en-US" sz="3600" b="1" dirty="0"/>
           </a:p>
@@ -8009,75 +8001,43 @@
         <p:spPr/>
         <p:txBody>
           <a:bodyPr>
-            <a:normAutofit fontScale="85000" lnSpcReduction="10000"/>
+            <a:normAutofit fontScale="70000" lnSpcReduction="20000"/>
           </a:bodyPr>
           <a:lstStyle/>
           <a:p>
-            <a:pPr marL="514350" indent="-514350" algn="just">
+            <a:pPr marL="514350" indent="-514350">
               <a:lnSpc>
-                <a:spcPct val="150000"/>
+                <a:spcPct val="160000"/>
               </a:lnSpc>
               <a:buAutoNum type="arabicPeriod"/>
             </a:pPr>
             <a:r>
-              <a:rPr lang="ko-KR" altLang="en-US" dirty="0"/>
-              <a:t>엑셀 시트에 날짜</a:t>
-            </a:r>
-            <a:r>
-              <a:rPr lang="en-US" altLang="ko-KR" dirty="0"/>
-              <a:t>, </a:t>
-            </a:r>
-            <a:r>
-              <a:rPr lang="ko-KR" altLang="en-US" dirty="0"/>
-              <a:t>소속</a:t>
-            </a:r>
-            <a:r>
-              <a:rPr lang="en-US" altLang="ko-KR" dirty="0"/>
-              <a:t>, </a:t>
-            </a:r>
-            <a:r>
-              <a:rPr lang="ko-KR" altLang="en-US" dirty="0"/>
-              <a:t>성명 정보를 포함하는 데이터 프레임이 있다</a:t>
-            </a:r>
-            <a:r>
-              <a:rPr lang="en-US" altLang="ko-KR" dirty="0"/>
-              <a:t>.</a:t>
-            </a:r>
-          </a:p>
-          <a:p>
-            <a:pPr marL="514350" indent="-514350" algn="just">
+              <a:rPr lang="en-US" altLang="ko-KR" dirty="0"/>
+              <a:t>Excel VBA</a:t>
+            </a:r>
+            <a:r>
+              <a:rPr lang="ko-KR" altLang="en-US" dirty="0"/>
+              <a:t>를 사용하여 다음의 기능을 수행하는 매크로를 작성한다</a:t>
+            </a:r>
+            <a:r>
+              <a:rPr lang="en-US" altLang="ko-KR" dirty="0"/>
+              <a:t>:</a:t>
+            </a:r>
+          </a:p>
+          <a:p>
+            <a:pPr marL="514350" indent="-514350">
               <a:lnSpc>
-                <a:spcPct val="150000"/>
+                <a:spcPct val="160000"/>
               </a:lnSpc>
               <a:buAutoNum type="arabicPeriod"/>
             </a:pPr>
             <a:r>
-              <a:rPr lang="ko-KR" altLang="en-US" dirty="0"/>
-              <a:t>이 데이터 프레임에서 각 고유 </a:t>
-            </a:r>
-            <a:r>
-              <a:rPr lang="en-US" altLang="ko-KR" dirty="0"/>
-              <a:t>＇</a:t>
-            </a:r>
-            <a:r>
-              <a:rPr lang="ko-KR" altLang="en-US" dirty="0"/>
-              <a:t>날짜</a:t>
-            </a:r>
-            <a:r>
-              <a:rPr lang="en-US" altLang="ko-KR" dirty="0"/>
-              <a:t>＇ </a:t>
-            </a:r>
-            <a:r>
-              <a:rPr lang="ko-KR" altLang="en-US" dirty="0"/>
-              <a:t>값을 기준으로 해당 날짜에 해당하는 행을 찾아 새로운 시트에 복사하는 </a:t>
-            </a:r>
-            <a:r>
-              <a:rPr lang="en-US" altLang="ko-KR" dirty="0"/>
-              <a:t>Excel VBA </a:t>
-            </a:r>
-            <a:r>
-              <a:rPr lang="ko-KR" altLang="en-US" dirty="0"/>
-              <a:t>코드를 작성한다</a:t>
+              <a:rPr lang="en-US" altLang="ko-KR" dirty="0"/>
+              <a:t>'Sheet1'</a:t>
+            </a:r>
+            <a:r>
+              <a:rPr lang="ko-KR" altLang="en-US" dirty="0"/>
+              <a:t>이라는 이름의 워크시트에서 데이터를 읽어 온다</a:t>
             </a:r>
             <a:r>
               <a:rPr lang="en-US" altLang="ko-KR" dirty="0"/>
@@ -8085,15 +8045,31 @@
             </a:r>
           </a:p>
           <a:p>
-            <a:pPr marL="514350" indent="-514350" algn="just">
+            <a:pPr marL="514350" indent="-514350">
               <a:lnSpc>
-                <a:spcPct val="150000"/>
+                <a:spcPct val="160000"/>
               </a:lnSpc>
               <a:buAutoNum type="arabicPeriod"/>
             </a:pPr>
             <a:r>
               <a:rPr lang="ko-KR" altLang="en-US" dirty="0"/>
-              <a:t>이 때</a:t>
+              <a:t>첫 번째 열에 위치한 </a:t>
+            </a:r>
+            <a:r>
+              <a:rPr lang="en-US" altLang="ko-KR" dirty="0"/>
+              <a:t>＂</a:t>
+            </a:r>
+            <a:r>
+              <a:rPr lang="ko-KR" altLang="en-US" dirty="0"/>
+              <a:t>날짜</a:t>
+            </a:r>
+            <a:r>
+              <a:rPr lang="en-US" altLang="ko-KR" dirty="0"/>
+              <a:t>“ </a:t>
+            </a:r>
+            <a:r>
+              <a:rPr lang="ko-KR" altLang="en-US" dirty="0"/>
+              <a:t>를 기준으로</a:t>
             </a:r>
             <a:r>
               <a:rPr lang="en-US" altLang="ko-KR" dirty="0"/>
@@ -8101,23 +8077,7 @@
             </a:r>
             <a:r>
               <a:rPr lang="ko-KR" altLang="en-US" dirty="0"/>
-              <a:t>새로 생성된 각 시트의 이름은 해당 시트에 복사된 행들의 </a:t>
-            </a:r>
-            <a:r>
-              <a:rPr lang="en-US" altLang="ko-KR" dirty="0"/>
-              <a:t>＇</a:t>
-            </a:r>
-            <a:r>
-              <a:rPr lang="ko-KR" altLang="en-US" dirty="0"/>
-              <a:t>날짜</a:t>
-            </a:r>
-            <a:r>
-              <a:rPr lang="en-US" altLang="ko-KR" dirty="0"/>
-              <a:t>＇ </a:t>
-            </a:r>
-            <a:r>
-              <a:rPr lang="ko-KR" altLang="en-US" dirty="0"/>
-              <a:t>값으로 설정해야 한다</a:t>
+              <a:t>각 날짜별로 새로운 워크시트를 생성한다</a:t>
             </a:r>
             <a:r>
               <a:rPr lang="en-US" altLang="ko-KR" dirty="0"/>
@@ -8125,23 +8085,79 @@
             </a:r>
           </a:p>
           <a:p>
-            <a:pPr marL="514350" indent="-514350" algn="just">
+            <a:pPr marL="514350" indent="-514350">
               <a:lnSpc>
-                <a:spcPct val="150000"/>
+                <a:spcPct val="160000"/>
               </a:lnSpc>
               <a:buAutoNum type="arabicPeriod"/>
             </a:pPr>
             <a:r>
               <a:rPr lang="ko-KR" altLang="en-US" dirty="0"/>
-              <a:t>즉</a:t>
-            </a:r>
-            <a:r>
-              <a:rPr lang="en-US" altLang="ko-KR" dirty="0"/>
-              <a:t>, </a:t>
-            </a:r>
-            <a:r>
-              <a:rPr lang="ko-KR" altLang="en-US" dirty="0"/>
-              <a:t>각 고유 날짜마다 별도의 시트를 생성하고 해당 날짜에 해당하는 데이터를 해당 시트에 복사해 주는 코드를 작성해야 한다</a:t>
+              <a:t>각 워크시트에는 해당 날짜의 데이터만 복사한다</a:t>
+            </a:r>
+            <a:r>
+              <a:rPr lang="en-US" altLang="ko-KR" dirty="0"/>
+              <a:t>.</a:t>
+            </a:r>
+          </a:p>
+          <a:p>
+            <a:pPr marL="514350" indent="-514350">
+              <a:lnSpc>
+                <a:spcPct val="160000"/>
+              </a:lnSpc>
+              <a:buAutoNum type="arabicPeriod"/>
+            </a:pPr>
+            <a:r>
+              <a:rPr lang="ko-KR" altLang="en-US" dirty="0"/>
+              <a:t>헤더</a:t>
+            </a:r>
+            <a:r>
+              <a:rPr lang="en-US" altLang="ko-KR" dirty="0"/>
+              <a:t>(</a:t>
+            </a:r>
+            <a:r>
+              <a:rPr lang="ko-KR" altLang="en-US" dirty="0"/>
+              <a:t>첫 번째 행</a:t>
+            </a:r>
+            <a:r>
+              <a:rPr lang="en-US" altLang="ko-KR" dirty="0"/>
+              <a:t>)</a:t>
+            </a:r>
+            <a:r>
+              <a:rPr lang="ko-KR" altLang="en-US" dirty="0"/>
+              <a:t>도 복사 되어야 한다</a:t>
+            </a:r>
+            <a:r>
+              <a:rPr lang="en-US" altLang="ko-KR" dirty="0"/>
+              <a:t>.</a:t>
+            </a:r>
+          </a:p>
+          <a:p>
+            <a:pPr marL="514350" indent="-514350">
+              <a:lnSpc>
+                <a:spcPct val="160000"/>
+              </a:lnSpc>
+              <a:buAutoNum type="arabicPeriod"/>
+            </a:pPr>
+            <a:r>
+              <a:rPr lang="ko-KR" altLang="en-US" dirty="0"/>
+              <a:t>데이터 추출이 완료되면</a:t>
+            </a:r>
+            <a:r>
+              <a:rPr lang="en-US" altLang="ko-KR" dirty="0"/>
+              <a:t>, '</a:t>
+            </a:r>
+            <a:r>
+              <a:rPr lang="ko-KR" altLang="en-US" dirty="0"/>
+              <a:t>데이터 추출이 완료되었습니다</a:t>
+            </a:r>
+            <a:r>
+              <a:rPr lang="en-US" altLang="ko-KR" dirty="0"/>
+              <a:t>.'</a:t>
+            </a:r>
+            <a:r>
+              <a:rPr lang="ko-KR" altLang="en-US" dirty="0"/>
+              <a:t>라는 메시지를 메시지 박스로 출력한다</a:t>
             </a:r>
             <a:r>
               <a:rPr lang="en-US" altLang="ko-KR" dirty="0"/>
@@ -8154,7 +8170,7 @@
     </p:spTree>
     <p:extLst>
       <p:ext uri="{BB962C8B-B14F-4D97-AF65-F5344CB8AC3E}">
-        <p14:creationId xmlns:p14="http://schemas.microsoft.com/office/powerpoint/2010/main" val="4069649553"/>
+        <p14:creationId xmlns:p14="http://schemas.microsoft.com/office/powerpoint/2010/main" val="4067599986"/>
       </p:ext>
     </p:extLst>
   </p:cSld>
@@ -8212,7 +8228,7 @@
             </a:r>
             <a:r>
               <a:rPr lang="en-US" altLang="ko-KR" sz="3600" b="1" dirty="0"/>
-              <a:t>-2)</a:t>
+              <a:t>-3)</a:t>
             </a:r>
             <a:endParaRPr lang="ko-KR" altLang="en-US" sz="3600" b="1" dirty="0"/>
           </a:p>
@@ -8230,177 +8246,67 @@
         </p:nvSpPr>
         <p:spPr/>
         <p:txBody>
-          <a:bodyPr>
-            <a:normAutofit fontScale="70000" lnSpcReduction="20000"/>
-          </a:bodyPr>
+          <a:bodyPr/>
           <a:lstStyle/>
           <a:p>
             <a:pPr marL="514350" indent="-514350">
-              <a:lnSpc>
-                <a:spcPct val="160000"/>
-              </a:lnSpc>
               <a:buAutoNum type="arabicPeriod"/>
             </a:pPr>
             <a:r>
-              <a:rPr lang="en-US" altLang="ko-KR" dirty="0"/>
-              <a:t>Excel VBA</a:t>
-            </a:r>
-            <a:r>
-              <a:rPr lang="ko-KR" altLang="en-US" dirty="0"/>
-              <a:t>를 사용하여 다음의 기능을 수행하는 매크로를 작성한다</a:t>
-            </a:r>
-            <a:r>
-              <a:rPr lang="en-US" altLang="ko-KR" dirty="0"/>
-              <a:t>:</a:t>
-            </a:r>
-          </a:p>
-          <a:p>
-            <a:pPr marL="514350" indent="-514350">
-              <a:lnSpc>
-                <a:spcPct val="160000"/>
-              </a:lnSpc>
-              <a:buAutoNum type="arabicPeriod"/>
-            </a:pPr>
-            <a:r>
-              <a:rPr lang="en-US" altLang="ko-KR" dirty="0"/>
-              <a:t>'Sheet1'</a:t>
-            </a:r>
-            <a:r>
-              <a:rPr lang="ko-KR" altLang="en-US" dirty="0"/>
-              <a:t>이라는 이름의 워크시트에서 데이터를 읽어 온다</a:t>
-            </a:r>
-            <a:r>
-              <a:rPr lang="en-US" altLang="ko-KR" dirty="0"/>
-              <a:t>.</a:t>
-            </a:r>
-          </a:p>
-          <a:p>
-            <a:pPr marL="514350" indent="-514350">
-              <a:lnSpc>
-                <a:spcPct val="160000"/>
-              </a:lnSpc>
-              <a:buAutoNum type="arabicPeriod"/>
-            </a:pPr>
-            <a:r>
-              <a:rPr lang="ko-KR" altLang="en-US" dirty="0"/>
-              <a:t>첫 번째 열에 위치한 </a:t>
-            </a:r>
-            <a:r>
-              <a:rPr lang="en-US" altLang="ko-KR" dirty="0"/>
-              <a:t>＂</a:t>
-            </a:r>
-            <a:r>
-              <a:rPr lang="ko-KR" altLang="en-US" dirty="0"/>
-              <a:t>날짜</a:t>
-            </a:r>
-            <a:r>
-              <a:rPr lang="en-US" altLang="ko-KR" dirty="0"/>
-              <a:t>“ </a:t>
-            </a:r>
-            <a:r>
-              <a:rPr lang="ko-KR" altLang="en-US" dirty="0"/>
-              <a:t>를 기준으로</a:t>
-            </a:r>
-            <a:r>
-              <a:rPr lang="en-US" altLang="ko-KR" dirty="0"/>
-              <a:t>, </a:t>
-            </a:r>
-            <a:r>
-              <a:rPr lang="ko-KR" altLang="en-US" dirty="0"/>
-              <a:t>각 날짜별로 새로운 워크시트를 생성한다</a:t>
-            </a:r>
-            <a:r>
-              <a:rPr lang="en-US" altLang="ko-KR" dirty="0"/>
-              <a:t>.</a:t>
-            </a:r>
-          </a:p>
-          <a:p>
-            <a:pPr marL="514350" indent="-514350">
-              <a:lnSpc>
-                <a:spcPct val="160000"/>
-              </a:lnSpc>
-              <a:buAutoNum type="arabicPeriod"/>
-            </a:pPr>
-            <a:r>
-              <a:rPr lang="ko-KR" altLang="en-US" dirty="0"/>
-              <a:t>각 워크시트에는 해당 날짜의 데이터만 복사한다</a:t>
-            </a:r>
-            <a:r>
-              <a:rPr lang="en-US" altLang="ko-KR" dirty="0"/>
-              <a:t>.</a:t>
-            </a:r>
-          </a:p>
-          <a:p>
-            <a:pPr marL="514350" indent="-514350">
-              <a:lnSpc>
-                <a:spcPct val="160000"/>
-              </a:lnSpc>
-              <a:buAutoNum type="arabicPeriod"/>
-            </a:pPr>
-            <a:r>
-              <a:rPr lang="ko-KR" altLang="en-US" dirty="0"/>
-              <a:t>헤더</a:t>
-            </a:r>
-            <a:r>
-              <a:rPr lang="en-US" altLang="ko-KR" dirty="0"/>
-              <a:t>(</a:t>
-            </a:r>
-            <a:r>
-              <a:rPr lang="ko-KR" altLang="en-US" dirty="0"/>
-              <a:t>첫 번째 행</a:t>
-            </a:r>
-            <a:r>
-              <a:rPr lang="en-US" altLang="ko-KR" dirty="0"/>
-              <a:t>)</a:t>
-            </a:r>
-            <a:r>
-              <a:rPr lang="ko-KR" altLang="en-US" dirty="0"/>
-              <a:t>도 복사 되어야 한다</a:t>
-            </a:r>
-            <a:r>
-              <a:rPr lang="en-US" altLang="ko-KR" dirty="0"/>
-              <a:t>.</a:t>
-            </a:r>
-          </a:p>
-          <a:p>
-            <a:pPr marL="514350" indent="-514350">
-              <a:lnSpc>
-                <a:spcPct val="160000"/>
-              </a:lnSpc>
-              <a:buAutoNum type="arabicPeriod"/>
-            </a:pPr>
-            <a:r>
-              <a:rPr lang="ko-KR" altLang="en-US" dirty="0"/>
-              <a:t>데이터 추출이 완료되면</a:t>
-            </a:r>
-            <a:r>
-              <a:rPr lang="en-US" altLang="ko-KR" dirty="0"/>
-              <a:t>, '</a:t>
-            </a:r>
-            <a:r>
-              <a:rPr lang="ko-KR" altLang="en-US" dirty="0"/>
-              <a:t>데이터 추출이 완료되었습니다</a:t>
-            </a:r>
-            <a:r>
-              <a:rPr lang="en-US" altLang="ko-KR" dirty="0"/>
-              <a:t>.'</a:t>
-            </a:r>
-            <a:r>
-              <a:rPr lang="ko-KR" altLang="en-US" dirty="0"/>
-              <a:t>라는 메시지를 메시지 박스로 출력한다</a:t>
-            </a:r>
-            <a:r>
-              <a:rPr lang="en-US" altLang="ko-KR" dirty="0"/>
-              <a:t>.</a:t>
-            </a:r>
-            <a:endParaRPr lang="ko-KR" altLang="en-US" dirty="0"/>
+              <a:rPr lang="ko-KR" altLang="en-US" dirty="0"/>
+              <a:t>위 코드를 날짜에서 </a:t>
+            </a:r>
+            <a:r>
+              <a:rPr lang="en-US" altLang="ko-KR" dirty="0"/>
+              <a:t>“</a:t>
+            </a:r>
+            <a:r>
+              <a:rPr lang="ko-KR" altLang="en-US" dirty="0"/>
+              <a:t>소속</a:t>
+            </a:r>
+            <a:r>
+              <a:rPr lang="en-US" altLang="ko-KR" dirty="0"/>
+              <a:t>”</a:t>
+            </a:r>
+            <a:r>
+              <a:rPr lang="ko-KR" altLang="en-US" dirty="0"/>
+              <a:t>으로 변경하여 분리하는 코드를 작성해줘</a:t>
+            </a:r>
+            <a:r>
+              <a:rPr lang="en-US" altLang="ko-KR" dirty="0"/>
+              <a:t>.(“</a:t>
+            </a:r>
+            <a:r>
+              <a:rPr lang="ko-KR" altLang="en-US" dirty="0"/>
+              <a:t>소속</a:t>
+            </a:r>
+            <a:r>
+              <a:rPr lang="en-US" altLang="ko-KR" dirty="0"/>
+              <a:t>”</a:t>
+            </a:r>
+            <a:r>
+              <a:rPr lang="ko-KR" altLang="en-US" dirty="0"/>
+              <a:t>은 </a:t>
+            </a:r>
+            <a:r>
+              <a:rPr lang="en-US" altLang="ko-KR" dirty="0"/>
+              <a:t>B</a:t>
+            </a:r>
+            <a:r>
+              <a:rPr lang="ko-KR" altLang="en-US" dirty="0"/>
+              <a:t>열에 위치해 있다</a:t>
+            </a:r>
+            <a:r>
+              <a:rPr lang="en-US" altLang="ko-KR" dirty="0"/>
+              <a:t>.)</a:t>
+            </a:r>
           </a:p>
         </p:txBody>
       </p:sp>
     </p:spTree>
     <p:extLst>
       <p:ext uri="{BB962C8B-B14F-4D97-AF65-F5344CB8AC3E}">
-        <p14:creationId xmlns:p14="http://schemas.microsoft.com/office/powerpoint/2010/main" val="4067599986"/>
+        <p14:creationId xmlns:p14="http://schemas.microsoft.com/office/powerpoint/2010/main" val="39399979"/>
       </p:ext>
     </p:extLst>
   </p:cSld>
@@ -8508,44 +8414,7 @@
             <a:spLocks noGrp="1"/>
           </p:cNvSpPr>
           <p:nvPr>
-            <p:ph type="title"/>
-          </p:nvPr>
-        </p:nvSpPr>
-        <p:spPr/>
-        <p:txBody>
-          <a:bodyPr>
-            <a:normAutofit/>
-          </a:bodyPr>
-          <a:lstStyle/>
-          <a:p>
-            <a:r>
-              <a:rPr lang="ko-KR" altLang="en-US" sz="3600" b="1" dirty="0"/>
-              <a:t>엑셀 날짜별로 시트 구분하여 생성하기</a:t>
-            </a:r>
-            <a:r>
-              <a:rPr lang="en-US" altLang="ko-KR" sz="3600" b="1" dirty="0"/>
-              <a:t>(</a:t>
-            </a:r>
-            <a:r>
-              <a:rPr lang="ko-KR" altLang="en-US" sz="3600" b="1" dirty="0"/>
-              <a:t>확장</a:t>
-            </a:r>
-            <a:r>
-              <a:rPr lang="en-US" altLang="ko-KR" sz="3600" b="1" dirty="0"/>
-              <a:t>-3)</a:t>
-            </a:r>
-            <a:endParaRPr lang="ko-KR" altLang="en-US" sz="3600" b="1" dirty="0"/>
-          </a:p>
-        </p:txBody>
-      </p:sp>
-      <p:sp>
-        <p:nvSpPr>
-          <p:cNvPr id="3" name="내용 개체 틀 2"/>
-          <p:cNvSpPr>
-            <a:spLocks noGrp="1"/>
-          </p:cNvSpPr>
-          <p:nvPr>
-            <p:ph idx="1"/>
+            <p:ph type="ctrTitle"/>
           </p:nvPr>
         </p:nvSpPr>
         <p:spPr/>
@@ -8553,64 +8422,36 @@
           <a:bodyPr/>
           <a:lstStyle/>
           <a:p>
-            <a:pPr marL="514350" indent="-514350">
-              <a:buAutoNum type="arabicPeriod"/>
-            </a:pPr>
-            <a:r>
-              <a:rPr lang="ko-KR" altLang="en-US" dirty="0"/>
-              <a:t>위 코드를 날짜에서 </a:t>
-            </a:r>
-            <a:r>
-              <a:rPr lang="en-US" altLang="ko-KR" dirty="0"/>
-              <a:t>“</a:t>
-            </a:r>
-            <a:r>
-              <a:rPr lang="ko-KR" altLang="en-US" dirty="0"/>
-              <a:t>소속</a:t>
-            </a:r>
-            <a:r>
-              <a:rPr lang="en-US" altLang="ko-KR" dirty="0"/>
-              <a:t>”</a:t>
-            </a:r>
-            <a:r>
-              <a:rPr lang="ko-KR" altLang="en-US" dirty="0"/>
-              <a:t>으로 변경하여 분리하는 코드를 작성해줘</a:t>
-            </a:r>
-            <a:r>
-              <a:rPr lang="en-US" altLang="ko-KR" dirty="0"/>
-              <a:t>.(“</a:t>
-            </a:r>
-            <a:r>
-              <a:rPr lang="ko-KR" altLang="en-US" dirty="0"/>
-              <a:t>소속</a:t>
-            </a:r>
-            <a:r>
-              <a:rPr lang="en-US" altLang="ko-KR" dirty="0"/>
-              <a:t>”</a:t>
-            </a:r>
-            <a:r>
-              <a:rPr lang="ko-KR" altLang="en-US" dirty="0"/>
-              <a:t>은 </a:t>
-            </a:r>
-            <a:r>
-              <a:rPr lang="en-US" altLang="ko-KR" dirty="0"/>
-              <a:t>B</a:t>
-            </a:r>
-            <a:r>
-              <a:rPr lang="ko-KR" altLang="en-US" dirty="0"/>
-              <a:t>열에 위치해 있다</a:t>
-            </a:r>
-            <a:r>
-              <a:rPr lang="en-US" altLang="ko-KR" dirty="0"/>
-              <a:t>.)</a:t>
-            </a:r>
+            <a:r>
+              <a:rPr lang="ko-KR" altLang="en-US" b="1" dirty="0"/>
+              <a:t>수능 문제 풀기</a:t>
+            </a:r>
+          </a:p>
+        </p:txBody>
+      </p:sp>
+      <p:sp>
+        <p:nvSpPr>
+          <p:cNvPr id="4" name="부제목 3"/>
+          <p:cNvSpPr>
+            <a:spLocks noGrp="1"/>
+          </p:cNvSpPr>
+          <p:nvPr>
+            <p:ph type="subTitle" idx="1"/>
+          </p:nvPr>
+        </p:nvSpPr>
+        <p:spPr/>
+        <p:txBody>
+          <a:bodyPr/>
+          <a:lstStyle/>
+          <a:p>
+            <a:endParaRPr lang="ko-KR" altLang="en-US" dirty="0"/>
           </a:p>
         </p:txBody>
       </p:sp>
     </p:spTree>
     <p:extLst>
       <p:ext uri="{BB962C8B-B14F-4D97-AF65-F5344CB8AC3E}">
-        <p14:creationId xmlns:p14="http://schemas.microsoft.com/office/powerpoint/2010/main" val="39399979"/>
+        <p14:creationId xmlns:p14="http://schemas.microsoft.com/office/powerpoint/2010/main" val="3731065200"/>
       </p:ext>
     </p:extLst>
   </p:cSld>
@@ -8644,7 +8485,7 @@
             <a:spLocks noGrp="1"/>
           </p:cNvSpPr>
           <p:nvPr>
-            <p:ph type="ctrTitle"/>
+            <p:ph type="title"/>
           </p:nvPr>
         </p:nvSpPr>
         <p:spPr/>
@@ -8653,35 +8494,344 @@
           <a:lstStyle/>
           <a:p>
             <a:r>
-              <a:rPr lang="ko-KR" altLang="en-US" b="1" dirty="0"/>
-              <a:t>수능 문제 풀기</a:t>
-            </a:r>
-          </a:p>
-        </p:txBody>
-      </p:sp>
-      <p:sp>
-        <p:nvSpPr>
-          <p:cNvPr id="4" name="부제목 3"/>
-          <p:cNvSpPr>
-            <a:spLocks noGrp="1"/>
-          </p:cNvSpPr>
-          <p:nvPr>
-            <p:ph type="subTitle" idx="1"/>
+              <a:rPr lang="ko-KR" altLang="en-US" b="1"/>
+              <a:t>수능 국어</a:t>
+            </a:r>
+            <a:endParaRPr lang="ko-KR" altLang="en-US" b="1" dirty="0"/>
+          </a:p>
+        </p:txBody>
+      </p:sp>
+      <p:sp>
+        <p:nvSpPr>
+          <p:cNvPr id="3" name="내용 개체 틀 2"/>
+          <p:cNvSpPr>
+            <a:spLocks noGrp="1"/>
+          </p:cNvSpPr>
+          <p:nvPr>
+            <p:ph idx="1"/>
           </p:nvPr>
         </p:nvSpPr>
         <p:spPr/>
         <p:txBody>
-          <a:bodyPr/>
+          <a:bodyPr>
+            <a:noAutofit/>
+          </a:bodyPr>
           <a:lstStyle/>
           <a:p>
-            <a:endParaRPr lang="ko-KR" altLang="en-US" dirty="0"/>
+            <a:pPr marL="0" indent="0" algn="just">
+              <a:lnSpc>
+                <a:spcPct val="150000"/>
+              </a:lnSpc>
+              <a:buNone/>
+            </a:pPr>
+            <a:r>
+              <a:rPr lang="ko-KR" altLang="en-US" sz="1050" b="1" dirty="0"/>
+              <a:t>다음 문제의 지문을 이해하여 질문의 답을 찾고</a:t>
+            </a:r>
+            <a:r>
+              <a:rPr lang="en-US" altLang="ko-KR" sz="1050" b="1" dirty="0"/>
+              <a:t>, </a:t>
+            </a:r>
+            <a:r>
+              <a:rPr lang="ko-KR" altLang="en-US" sz="1050" b="1" dirty="0"/>
+              <a:t>답을 찾은 이유에 대해서 설명할것</a:t>
+            </a:r>
+            <a:r>
+              <a:rPr lang="en-US" altLang="ko-KR" sz="1050" b="1" dirty="0"/>
+              <a:t>.</a:t>
+            </a:r>
+          </a:p>
+          <a:p>
+            <a:pPr marL="0" indent="0" algn="just">
+              <a:lnSpc>
+                <a:spcPct val="150000"/>
+              </a:lnSpc>
+              <a:buNone/>
+            </a:pPr>
+            <a:r>
+              <a:rPr lang="ko-KR" altLang="en-US" sz="1050" dirty="0"/>
+              <a:t>기축 통화는 국제 거래에 결제 수단으로 통용되고 환율 결 정에 기준이 되는 통화이다</a:t>
+            </a:r>
+            <a:r>
+              <a:rPr lang="en-US" altLang="ko-KR" sz="1050" dirty="0"/>
+              <a:t>. 1960</a:t>
+            </a:r>
+            <a:r>
+              <a:rPr lang="ko-KR" altLang="en-US" sz="1050" dirty="0"/>
+              <a:t>년 트리핀 교수는 브레턴우 즈 체제에서의 기축 통화인 달러화의 구조적 모순을 지적했다</a:t>
+            </a:r>
+            <a:r>
+              <a:rPr lang="en-US" altLang="ko-KR" sz="1050" dirty="0"/>
+              <a:t>.</a:t>
+            </a:r>
+            <a:r>
+              <a:rPr lang="ko-KR" altLang="en-US" sz="1050" dirty="0"/>
+              <a:t> 한 국가의 재화와 서비스의 수출입 간 차이인 경상 수지는 수입이 수출을 초과하면 적자이고 수출이 수입을 초과하 면 흑자이다</a:t>
+            </a:r>
+            <a:r>
+              <a:rPr lang="en-US" altLang="ko-KR" sz="1050" dirty="0"/>
+              <a:t>.</a:t>
+            </a:r>
+            <a:r>
+              <a:rPr lang="ko-KR" altLang="en-US" sz="1050" dirty="0"/>
+              <a:t> 그는 미국이 경상 수지 적자를 허용하지 않아 국제 유동성 공급이 중단되면 세계 경제는 크게 위축될 것 이라면서도 반면 적자 상태가 지속돼 달러화가 과잉 공급되면 준비 자산으로서의 신뢰도가 저하되고 고정 환율 제도도 붕괴될 것 이라고 말했다</a:t>
+            </a:r>
+            <a:r>
+              <a:rPr lang="en-US" altLang="ko-KR" sz="1050" dirty="0"/>
+              <a:t>. </a:t>
+            </a:r>
+            <a:r>
+              <a:rPr lang="ko-KR" altLang="en-US" sz="1050" dirty="0"/>
+              <a:t>이러한 트리핀 딜레마는 국제 유동성 확보와 달러화의 신뢰도 간의 문제이다</a:t>
+            </a:r>
+            <a:r>
+              <a:rPr lang="en-US" altLang="ko-KR" sz="1050" dirty="0"/>
+              <a:t>. </a:t>
+            </a:r>
+            <a:r>
+              <a:rPr lang="ko-KR" altLang="en-US" sz="1050" dirty="0"/>
+              <a:t>국제 유동성이란 국제적으로 보편적인 통용력을 갖는 지불 수단을 말하는데</a:t>
+            </a:r>
+            <a:r>
+              <a:rPr lang="en-US" altLang="ko-KR" sz="1050" dirty="0"/>
+              <a:t>, </a:t>
+            </a:r>
+            <a:r>
+              <a:rPr lang="ko-KR" altLang="en-US" sz="1050" dirty="0"/>
+              <a:t>㉠금 본위 체제에서는 금이 국제 유동성의 역할을 했으며 각 국가의 통화 가치는 정해진 양의 금의 가치에 고정되었다 이에 따라 국가 간 통화의 교환 비율인 환율은 자동적으로 결정되었다</a:t>
+            </a:r>
+            <a:r>
+              <a:rPr lang="en-US" altLang="ko-KR" sz="1050" dirty="0"/>
+              <a:t>.</a:t>
+            </a:r>
+            <a:r>
+              <a:rPr lang="ko-KR" altLang="en-US" sz="1050" dirty="0"/>
+              <a:t> 이후 ㉡</a:t>
+            </a:r>
+            <a:r>
+              <a:rPr lang="ko-KR" altLang="en-US" sz="1050" dirty="0" err="1"/>
+              <a:t>브레턴우즈</a:t>
+            </a:r>
+            <a:r>
+              <a:rPr lang="ko-KR" altLang="en-US" sz="1050" dirty="0"/>
+              <a:t> 체제에서는 국제 유동성으로 달러화가 추가되어 금환본위제 가 되었다</a:t>
+            </a:r>
+            <a:r>
+              <a:rPr lang="en-US" altLang="ko-KR" sz="1050" dirty="0"/>
+              <a:t>. 1944</a:t>
+            </a:r>
+            <a:r>
+              <a:rPr lang="ko-KR" altLang="en-US" sz="1050" dirty="0"/>
+              <a:t>년에 성립된 이 체제는 미국의 중앙은행에 금 태환 조항에 따라 금 </a:t>
+            </a:r>
+            <a:r>
+              <a:rPr lang="en-US" altLang="ko-KR" sz="1050" dirty="0"/>
+              <a:t>13</a:t>
+            </a:r>
+            <a:r>
+              <a:rPr lang="ko-KR" altLang="en-US" sz="1050" dirty="0"/>
+              <a:t>온스와 </a:t>
+            </a:r>
+            <a:r>
+              <a:rPr lang="en-US" altLang="ko-KR" sz="1050" dirty="0"/>
+              <a:t>5</a:t>
+            </a:r>
+            <a:r>
+              <a:rPr lang="ko-KR" altLang="en-US" sz="1050" dirty="0"/>
+              <a:t>달러를 언제 나 맞교환해 주어야 한다는 의무를 지게 했다</a:t>
+            </a:r>
+            <a:r>
+              <a:rPr lang="en-US" altLang="ko-KR" sz="1050" dirty="0"/>
+              <a:t>.</a:t>
+            </a:r>
+            <a:r>
+              <a:rPr lang="ko-KR" altLang="en-US" sz="1050" dirty="0"/>
+              <a:t> 다른 국가들은 달러화에 대한 자국 통화의 가치를 고정했고</a:t>
+            </a:r>
+            <a:r>
+              <a:rPr lang="en-US" altLang="ko-KR" sz="1050" dirty="0"/>
+              <a:t>, </a:t>
+            </a:r>
+            <a:r>
+              <a:rPr lang="ko-KR" altLang="en-US" sz="1050" dirty="0"/>
+              <a:t>달러화로만 금을 매입할 수 있었다</a:t>
+            </a:r>
+            <a:r>
+              <a:rPr lang="en-US" altLang="ko-KR" sz="1050" dirty="0"/>
+              <a:t>. </a:t>
+            </a:r>
+            <a:r>
+              <a:rPr lang="ko-KR" altLang="en-US" sz="1050" dirty="0"/>
+              <a:t>환율은 경상 수지의 구조적 불균형이 있는 예외적인 경우를 제외하면 내에서의 변동만 </a:t>
+            </a:r>
+            <a:r>
+              <a:rPr lang="en-US" altLang="ko-KR" sz="1050" dirty="0"/>
+              <a:t>±1%</a:t>
+            </a:r>
+            <a:r>
+              <a:rPr lang="ko-KR" altLang="en-US" sz="1050" dirty="0"/>
+              <a:t>을 허용했다</a:t>
+            </a:r>
+            <a:r>
+              <a:rPr lang="en-US" altLang="ko-KR" sz="1050" dirty="0"/>
+              <a:t>.</a:t>
+            </a:r>
+            <a:r>
+              <a:rPr lang="ko-KR" altLang="en-US" sz="1050" dirty="0"/>
+              <a:t> 이에 따라 기축 통화인 달러화를 제외한 다른 통화들 간 환율인 교차 환율은 자동적으로 결정되었다</a:t>
+            </a:r>
+            <a:r>
+              <a:rPr lang="en-US" altLang="ko-KR" sz="1050" dirty="0"/>
+              <a:t>. 1970</a:t>
+            </a:r>
+            <a:r>
+              <a:rPr lang="ko-KR" altLang="en-US" sz="1050" dirty="0"/>
+              <a:t>년대 초에 미국은 경상 수지 적자가 누적되기 시작하고 달러화가 과잉 공급되어 미국의 금 </a:t>
+            </a:r>
+            <a:r>
+              <a:rPr lang="ko-KR" altLang="en-US" sz="1050" dirty="0" err="1"/>
+              <a:t>준비량이</a:t>
+            </a:r>
+            <a:r>
+              <a:rPr lang="ko-KR" altLang="en-US" sz="1050" dirty="0"/>
+              <a:t> 급감했다</a:t>
+            </a:r>
+            <a:r>
+              <a:rPr lang="en-US" altLang="ko-KR" sz="1050" dirty="0"/>
+              <a:t>.</a:t>
+            </a:r>
+            <a:r>
+              <a:rPr lang="ko-KR" altLang="en-US" sz="1050" dirty="0"/>
+              <a:t> 이에 따라 미국은 달러화의 금 태환 의무를 더 이상 감당할 수 없는 상황에 도달했다</a:t>
+            </a:r>
+            <a:r>
+              <a:rPr lang="en-US" altLang="ko-KR" sz="1050" dirty="0"/>
+              <a:t>.</a:t>
+            </a:r>
+            <a:r>
+              <a:rPr lang="ko-KR" altLang="en-US" sz="1050" dirty="0"/>
+              <a:t> 이를 해결할 수 있는 방법은</a:t>
+            </a:r>
+            <a:r>
+              <a:rPr lang="en-US" altLang="ko-KR" sz="1050" dirty="0"/>
+              <a:t> </a:t>
+            </a:r>
+            <a:r>
+              <a:rPr lang="ko-KR" altLang="en-US" sz="1050" dirty="0"/>
+              <a:t>달러화의 가치를 내리는 평가 절하 또는</a:t>
+            </a:r>
+            <a:r>
+              <a:rPr lang="en-US" altLang="ko-KR" sz="1050" dirty="0"/>
+              <a:t> </a:t>
+            </a:r>
+            <a:r>
+              <a:rPr lang="ko-KR" altLang="en-US" sz="1050" dirty="0"/>
+              <a:t>달러화에 대한 여타국 통화의 환율을 하락시켜 그 가치를 올리는 평가 절상이었다</a:t>
+            </a:r>
+            <a:r>
+              <a:rPr lang="en-US" altLang="ko-KR" sz="1050" dirty="0"/>
+              <a:t>.</a:t>
+            </a:r>
+            <a:r>
+              <a:rPr lang="ko-KR" altLang="en-US" sz="1050" dirty="0"/>
+              <a:t> 하지만 </a:t>
+            </a:r>
+            <a:r>
+              <a:rPr lang="ko-KR" altLang="en-US" sz="1050" dirty="0" err="1"/>
+              <a:t>브레턴우즈</a:t>
+            </a:r>
+            <a:r>
+              <a:rPr lang="ko-KR" altLang="en-US" sz="1050" dirty="0"/>
+              <a:t> 체제하에서 달러화의 평가 절하는 규정상 불가능 했고 당시 대규모 대미 무역 흑자 상태였던 독일 일본 등 주요국들은 평가 절상에 나서려고 하지 않았다</a:t>
+            </a:r>
+            <a:r>
+              <a:rPr lang="en-US" altLang="ko-KR" sz="1050" dirty="0"/>
+              <a:t>.</a:t>
+            </a:r>
+            <a:r>
+              <a:rPr lang="ko-KR" altLang="en-US" sz="1050" dirty="0"/>
+              <a:t> 이 상황이 유지되기 어려울 것이라는 전망으로 독일의 마르크화와 일본의 엔화에 대한 투기적 수요가 증가했고 결국 환율의 변동 압력은 더욱 커질 수 밖에 없었다 이러한 상황에서 각 국은 보유한 달러화를 대규모로 금으로 바꾸기를 원했다</a:t>
+            </a:r>
+            <a:r>
+              <a:rPr lang="en-US" altLang="ko-KR" sz="1050" dirty="0"/>
+              <a:t>.</a:t>
+            </a:r>
+            <a:r>
+              <a:rPr lang="ko-KR" altLang="en-US" sz="1050" dirty="0"/>
+              <a:t> 미국은 결국 </a:t>
+            </a:r>
+            <a:r>
+              <a:rPr lang="en-US" altLang="ko-KR" sz="1050" dirty="0"/>
+              <a:t>1971</a:t>
+            </a:r>
+            <a:r>
+              <a:rPr lang="ko-KR" altLang="en-US" sz="1050" dirty="0"/>
+              <a:t>년 달러화의 금 태환 정지를 선언한 닉슨 쇼크를 단행 했고</a:t>
+            </a:r>
+            <a:r>
+              <a:rPr lang="en-US" altLang="ko-KR" sz="1050" dirty="0"/>
+              <a:t>, </a:t>
+            </a:r>
+            <a:r>
+              <a:rPr lang="ko-KR" altLang="en-US" sz="1050" dirty="0" err="1"/>
+              <a:t>브레턴우즈</a:t>
+            </a:r>
+            <a:r>
+              <a:rPr lang="ko-KR" altLang="en-US" sz="1050" dirty="0"/>
+              <a:t> 체제는 붕괴되었다</a:t>
+            </a:r>
+            <a:r>
+              <a:rPr lang="en-US" altLang="ko-KR" sz="1050" dirty="0"/>
+              <a:t>.</a:t>
+            </a:r>
+            <a:r>
+              <a:rPr lang="ko-KR" altLang="en-US" sz="1050" dirty="0"/>
+              <a:t> 그러나 붕괴 이후에도 달러화의 기축 통화 역할은 계속 되었다</a:t>
+            </a:r>
+            <a:r>
+              <a:rPr lang="en-US" altLang="ko-KR" sz="1050" dirty="0"/>
+              <a:t>.</a:t>
+            </a:r>
+            <a:r>
+              <a:rPr lang="ko-KR" altLang="en-US" sz="1050" dirty="0"/>
+              <a:t> 그 이유로</a:t>
+            </a:r>
+            <a:r>
+              <a:rPr lang="en-US" altLang="ko-KR" sz="1050" dirty="0"/>
+              <a:t> </a:t>
+            </a:r>
+            <a:r>
+              <a:rPr lang="ko-KR" altLang="en-US" sz="1050" dirty="0"/>
+              <a:t>규모의 경제를 생각할 수 있다</a:t>
+            </a:r>
+            <a:r>
+              <a:rPr lang="en-US" altLang="ko-KR" sz="1050" dirty="0"/>
+              <a:t>.</a:t>
+            </a:r>
+            <a:r>
+              <a:rPr lang="ko-KR" altLang="en-US" sz="1050" dirty="0"/>
+              <a:t> 세계의 모든 국가에서 ㉢어떠한 기축 통화도 없이 각각 다른 통화가 사용 되는 경우 두 국가를 짝짓는 경우의 수만큼 환율의 가짓수가 생긴다</a:t>
+            </a:r>
+            <a:r>
+              <a:rPr lang="en-US" altLang="ko-KR" sz="1050" dirty="0"/>
+              <a:t>.</a:t>
+            </a:r>
+            <a:r>
+              <a:rPr lang="ko-KR" altLang="en-US" sz="1050" dirty="0"/>
+              <a:t> 그러나 하나의 기축 통화를 중심으로 외환 거래를 하면 비용을 절감하고 규모의 경제를 달성할 수 있다</a:t>
+            </a:r>
+            <a:r>
+              <a:rPr lang="en-US" altLang="ko-KR" sz="1050" dirty="0"/>
+              <a:t>.</a:t>
+            </a:r>
+            <a:endParaRPr lang="ko-KR" altLang="en-US" sz="1050" dirty="0"/>
           </a:p>
         </p:txBody>
       </p:sp>
     </p:spTree>
     <p:extLst>
       <p:ext uri="{BB962C8B-B14F-4D97-AF65-F5344CB8AC3E}">
-        <p14:creationId xmlns:p14="http://schemas.microsoft.com/office/powerpoint/2010/main" val="3731065200"/>
+        <p14:creationId xmlns:p14="http://schemas.microsoft.com/office/powerpoint/2010/main" val="3352819596"/>
       </p:ext>
     </p:extLst>
   </p:cSld>
@@ -8724,9 +8874,35 @@
           <a:lstStyle/>
           <a:p>
             <a:r>
-              <a:rPr lang="ko-KR" altLang="en-US" b="1"/>
+              <a:rPr lang="ko-KR" altLang="en-US" b="1" dirty="0">
+                <a:hlinkClick r:id="rId2"/>
+              </a:rPr>
               <a:t>수능 국어</a:t>
             </a:r>
+            <a:r>
+              <a:rPr lang="en-US" altLang="ko-KR" b="1" dirty="0">
+                <a:hlinkClick r:id="rId2"/>
+              </a:rPr>
+              <a:t>: </a:t>
+            </a:r>
+            <a:r>
+              <a:rPr lang="ko-KR" altLang="en-US" b="1" dirty="0">
+                <a:hlinkClick r:id="rId2"/>
+              </a:rPr>
+              <a:t>답</a:t>
+            </a:r>
+            <a:r>
+              <a:rPr lang="en-US" altLang="ko-KR" b="1" dirty="0">
+                <a:hlinkClick r:id="rId2"/>
+              </a:rPr>
+              <a:t> 2</a:t>
+            </a:r>
+            <a:r>
+              <a:rPr lang="ko-KR" altLang="en-US" b="1" dirty="0">
+                <a:hlinkClick r:id="rId2"/>
+              </a:rPr>
+              <a:t>번</a:t>
+            </a:r>
             <a:endParaRPr lang="ko-KR" altLang="en-US" b="1" dirty="0"/>
           </a:p>
         </p:txBody>
@@ -8744,7 +8920,7 @@
         <p:spPr/>
         <p:txBody>
           <a:bodyPr>
-            <a:noAutofit/>
+            <a:normAutofit fontScale="92500" lnSpcReduction="20000"/>
           </a:bodyPr>
           <a:lstStyle/>
           <a:p>
@@ -8755,20 +8931,12 @@
               <a:buNone/>
             </a:pPr>
             <a:r>
-              <a:rPr lang="ko-KR" altLang="en-US" sz="1050" b="1" dirty="0"/>
-              <a:t>다음 문제의 지문을 이해하여 질문의 답을 찾고</a:t>
-            </a:r>
-            <a:r>
-              <a:rPr lang="en-US" altLang="ko-KR" sz="1050" b="1" dirty="0"/>
-              <a:t>, </a:t>
-            </a:r>
-            <a:r>
-              <a:rPr lang="ko-KR" altLang="en-US" sz="1050" b="1" dirty="0"/>
-              <a:t>답을 찾은 이유에 대해서 설명할것</a:t>
-            </a:r>
-            <a:r>
-              <a:rPr lang="en-US" altLang="ko-KR" sz="1050" b="1" dirty="0"/>
-              <a:t>.</a:t>
+              <a:rPr lang="ko-KR" altLang="en-US" sz="2400" b="1" dirty="0"/>
+              <a:t>윗글을 통해 답을 찾을 수 없는 질문은 몇번인가</a:t>
+            </a:r>
+            <a:r>
+              <a:rPr lang="en-US" altLang="ko-KR" sz="2400" b="1" dirty="0"/>
+              <a:t>?</a:t>
             </a:r>
           </a:p>
           <a:p>
@@ -8779,289 +8947,109 @@
               <a:buNone/>
             </a:pPr>
             <a:r>
-              <a:rPr lang="ko-KR" altLang="en-US" sz="1050" dirty="0"/>
-              <a:t>기축 통화는 국제 거래에 결제 수단으로 통용되고 환율 결 정에 기준이 되는 통화이다</a:t>
-            </a:r>
-            <a:r>
-              <a:rPr lang="en-US" altLang="ko-KR" sz="1050" dirty="0"/>
-              <a:t>. 1960</a:t>
-            </a:r>
-            <a:r>
-              <a:rPr lang="ko-KR" altLang="en-US" sz="1050" dirty="0"/>
-              <a:t>년 트리핀 교수는 브레턴우 즈 체제에서의 기축 통화인 달러화의 구조적 모순을 지적했다</a:t>
-            </a:r>
-            <a:r>
-              <a:rPr lang="en-US" altLang="ko-KR" sz="1050" dirty="0"/>
-              <a:t>.</a:t>
-            </a:r>
-            <a:r>
-              <a:rPr lang="ko-KR" altLang="en-US" sz="1050" dirty="0"/>
-              <a:t> 한 국가의 재화와 서비스의 수출입 간 차이인 경상 수지는 수입이 수출을 초과하면 적자이고 수출이 수입을 초과하 면 흑자이다</a:t>
-            </a:r>
-            <a:r>
-              <a:rPr lang="en-US" altLang="ko-KR" sz="1050" dirty="0"/>
-              <a:t>.</a:t>
-            </a:r>
-            <a:r>
-              <a:rPr lang="ko-KR" altLang="en-US" sz="1050" dirty="0"/>
-              <a:t> 그는 미국이 경상 수지 적자를 허용하지 않아 국제 유동성 공급이 중단되면 세계 경제는 크게 위축될 것 이라면서도 반면 적자 상태가 지속돼 달러화가 과잉 공급되면 준비 자산으로서의 신뢰도가 저하되고 고정 환율 제도도 붕괴될 것 이라고 말했다</a:t>
-            </a:r>
-            <a:r>
-              <a:rPr lang="en-US" altLang="ko-KR" sz="1050" dirty="0"/>
-              <a:t>. </a:t>
-            </a:r>
-            <a:r>
-              <a:rPr lang="ko-KR" altLang="en-US" sz="1050" dirty="0"/>
-              <a:t>이러한 트리핀 딜레마는 국제 유동성 확보와 달러화의 신뢰도 간의 문제이다</a:t>
-            </a:r>
-            <a:r>
-              <a:rPr lang="en-US" altLang="ko-KR" sz="1050" dirty="0"/>
-              <a:t>. </a:t>
-            </a:r>
-            <a:r>
-              <a:rPr lang="ko-KR" altLang="en-US" sz="1050" dirty="0"/>
-              <a:t>국제 유동성이란 국제적으로 보편적인 통용력을 갖는 지불 수단을 말하는데</a:t>
-            </a:r>
-            <a:r>
-              <a:rPr lang="en-US" altLang="ko-KR" sz="1050" dirty="0"/>
-              <a:t>, </a:t>
-            </a:r>
-            <a:r>
-              <a:rPr lang="ko-KR" altLang="en-US" sz="1050" dirty="0"/>
-              <a:t>㉠금 본위 체제에서는 금이 국제 유동성의 역할을 했으며 각 국가의 통화 가치는 정해진 양의 금의 가치에 고정되었다 이에 따라 국가 간 통화의 교환 비율인 환율은 자동적으로 결정되었다</a:t>
-            </a:r>
-            <a:r>
-              <a:rPr lang="en-US" altLang="ko-KR" sz="1050" dirty="0"/>
-              <a:t>.</a:t>
-            </a:r>
-            <a:r>
-              <a:rPr lang="ko-KR" altLang="en-US" sz="1050" dirty="0"/>
-              <a:t> 이후 ㉡</a:t>
-            </a:r>
-            <a:r>
-              <a:rPr lang="ko-KR" altLang="en-US" sz="1050" dirty="0" err="1"/>
+              <a:rPr lang="en-US" altLang="ko-KR" sz="2400" dirty="0"/>
+              <a:t>① </a:t>
+            </a:r>
+            <a:r>
+              <a:rPr lang="ko-KR" altLang="en-US" sz="2400" dirty="0" err="1"/>
               <a:t>브레턴우즈</a:t>
             </a:r>
             <a:r>
-              <a:rPr lang="ko-KR" altLang="en-US" sz="1050" dirty="0"/>
-              <a:t> 체제에서는 국제 유동성으로 달러화가 추가되어 금환본위제 가 되었다</a:t>
-            </a:r>
-            <a:r>
-              <a:rPr lang="en-US" altLang="ko-KR" sz="1050" dirty="0"/>
-              <a:t>. 1944</a:t>
-            </a:r>
-            <a:r>
-              <a:rPr lang="ko-KR" altLang="en-US" sz="1050" dirty="0"/>
-              <a:t>년에 성립된 이 체제는 미국의 중앙은행에 금 태환 조항에 따라 금 </a:t>
-            </a:r>
-            <a:r>
-              <a:rPr lang="en-US" altLang="ko-KR" sz="1050" dirty="0"/>
-              <a:t>13</a:t>
-            </a:r>
-            <a:r>
-              <a:rPr lang="ko-KR" altLang="en-US" sz="1050" dirty="0"/>
-              <a:t>온스와 </a:t>
-            </a:r>
-            <a:r>
-              <a:rPr lang="en-US" altLang="ko-KR" sz="1050" dirty="0"/>
-              <a:t>5</a:t>
-            </a:r>
-            <a:r>
-              <a:rPr lang="ko-KR" altLang="en-US" sz="1050" dirty="0"/>
-              <a:t>달러를 언제 나 맞교환해 주어야 한다는 의무를 지게 했다</a:t>
-            </a:r>
-            <a:r>
-              <a:rPr lang="en-US" altLang="ko-KR" sz="1050" dirty="0"/>
-              <a:t>.</a:t>
-            </a:r>
-            <a:r>
-              <a:rPr lang="ko-KR" altLang="en-US" sz="1050" dirty="0"/>
-              <a:t> 다른 국가들은 달러화에 대한 자국 통화의 가치를 고정했고</a:t>
-            </a:r>
-            <a:r>
-              <a:rPr lang="en-US" altLang="ko-KR" sz="1050" dirty="0"/>
-              <a:t>, </a:t>
-            </a:r>
-            <a:r>
-              <a:rPr lang="ko-KR" altLang="en-US" sz="1050" dirty="0"/>
-              <a:t>달러화로만 금을 매입할 수 있었다</a:t>
-            </a:r>
-            <a:r>
-              <a:rPr lang="en-US" altLang="ko-KR" sz="1050" dirty="0"/>
-              <a:t>. </a:t>
-            </a:r>
-            <a:r>
-              <a:rPr lang="ko-KR" altLang="en-US" sz="1050" dirty="0"/>
-              <a:t>환율은 경상 수지의 구조적 불균형이 있는 예외적인 경우를 제외하면 내에서의 변동만 </a:t>
-            </a:r>
-            <a:r>
-              <a:rPr lang="en-US" altLang="ko-KR" sz="1050" dirty="0"/>
-              <a:t>±1%</a:t>
-            </a:r>
-            <a:r>
-              <a:rPr lang="ko-KR" altLang="en-US" sz="1050" dirty="0"/>
-              <a:t>을 허용했다</a:t>
-            </a:r>
-            <a:r>
-              <a:rPr lang="en-US" altLang="ko-KR" sz="1050" dirty="0"/>
-              <a:t>.</a:t>
-            </a:r>
-            <a:r>
-              <a:rPr lang="ko-KR" altLang="en-US" sz="1050" dirty="0"/>
-              <a:t> 이에 따라 기축 통화인 달러화를 제외한 다른 통화들 간 환율인 교차 환율은 자동적으로 결정되었다</a:t>
-            </a:r>
-            <a:r>
-              <a:rPr lang="en-US" altLang="ko-KR" sz="1050" dirty="0"/>
-              <a:t>. 1970</a:t>
-            </a:r>
-            <a:r>
-              <a:rPr lang="ko-KR" altLang="en-US" sz="1050" dirty="0"/>
-              <a:t>년대 초에 미국은 경상 수지 적자가 누적되기 시작하고 달러화가 과잉 공급되어 미국의 금 </a:t>
-            </a:r>
-            <a:r>
-              <a:rPr lang="ko-KR" altLang="en-US" sz="1050" dirty="0" err="1"/>
-              <a:t>준비량이</a:t>
-            </a:r>
-            <a:r>
-              <a:rPr lang="ko-KR" altLang="en-US" sz="1050" dirty="0"/>
-              <a:t> 급감했다</a:t>
-            </a:r>
-            <a:r>
-              <a:rPr lang="en-US" altLang="ko-KR" sz="1050" dirty="0"/>
-              <a:t>.</a:t>
-            </a:r>
-            <a:r>
-              <a:rPr lang="ko-KR" altLang="en-US" sz="1050" dirty="0"/>
-              <a:t> 이에 따라 미국은 달러화의 금 태환 의무를 더 이상 감당할 수 없는 상황에 도달했다</a:t>
-            </a:r>
-            <a:r>
-              <a:rPr lang="en-US" altLang="ko-KR" sz="1050" dirty="0"/>
-              <a:t>.</a:t>
-            </a:r>
-            <a:r>
-              <a:rPr lang="ko-KR" altLang="en-US" sz="1050" dirty="0"/>
-              <a:t> 이를 해결할 수 있는 방법은</a:t>
-            </a:r>
-            <a:r>
-              <a:rPr lang="en-US" altLang="ko-KR" sz="1050" dirty="0"/>
-              <a:t> </a:t>
-            </a:r>
-            <a:r>
-              <a:rPr lang="ko-KR" altLang="en-US" sz="1050" dirty="0"/>
-              <a:t>달러화의 가치를 내리는 평가 절하 또는</a:t>
-            </a:r>
-            <a:r>
-              <a:rPr lang="en-US" altLang="ko-KR" sz="1050" dirty="0"/>
-              <a:t> </a:t>
-            </a:r>
-            <a:r>
-              <a:rPr lang="ko-KR" altLang="en-US" sz="1050" dirty="0"/>
-              <a:t>달러화에 대한 여타국 통화의 환율을 하락시켜 그 가치를 올리는 평가 절상이었다</a:t>
-            </a:r>
-            <a:r>
-              <a:rPr lang="en-US" altLang="ko-KR" sz="1050" dirty="0"/>
-              <a:t>.</a:t>
-            </a:r>
-            <a:r>
-              <a:rPr lang="ko-KR" altLang="en-US" sz="1050" dirty="0"/>
-              <a:t> 하지만 </a:t>
-            </a:r>
-            <a:r>
-              <a:rPr lang="ko-KR" altLang="en-US" sz="1050" dirty="0" err="1"/>
-              <a:t>브레턴우즈</a:t>
-            </a:r>
-            <a:r>
-              <a:rPr lang="ko-KR" altLang="en-US" sz="1050" dirty="0"/>
-              <a:t> 체제하에서 달러화의 평가 절하는 규정상 불가능 했고 당시 대규모 대미 무역 흑자 상태였던 독일 일본 등 주요국들은 평가 절상에 나서려고 하지 않았다</a:t>
-            </a:r>
-            <a:r>
-              <a:rPr lang="en-US" altLang="ko-KR" sz="1050" dirty="0"/>
-              <a:t>.</a:t>
-            </a:r>
-            <a:r>
-              <a:rPr lang="ko-KR" altLang="en-US" sz="1050" dirty="0"/>
-              <a:t> 이 상황이 유지되기 어려울 것이라는 전망으로 독일의 마르크화와 일본의 엔화에 대한 투기적 수요가 증가했고 결국 환율의 변동 압력은 더욱 커질 수 밖에 없었다 이러한 상황에서 각 국은 보유한 달러화를 대규모로 금으로 바꾸기를 원했다</a:t>
-            </a:r>
-            <a:r>
-              <a:rPr lang="en-US" altLang="ko-KR" sz="1050" dirty="0"/>
-              <a:t>.</a:t>
-            </a:r>
-            <a:r>
-              <a:rPr lang="ko-KR" altLang="en-US" sz="1050" dirty="0"/>
-              <a:t> 미국은 결국 </a:t>
-            </a:r>
-            <a:r>
-              <a:rPr lang="en-US" altLang="ko-KR" sz="1050" dirty="0"/>
-              <a:t>1971</a:t>
-            </a:r>
-            <a:r>
-              <a:rPr lang="ko-KR" altLang="en-US" sz="1050" dirty="0"/>
-              <a:t>년 달러화의 금 태환 정지를 선언한 닉슨 쇼크를 단행 했고</a:t>
-            </a:r>
-            <a:r>
-              <a:rPr lang="en-US" altLang="ko-KR" sz="1050" dirty="0"/>
-              <a:t>, </a:t>
-            </a:r>
-            <a:r>
-              <a:rPr lang="ko-KR" altLang="en-US" sz="1050" dirty="0" err="1"/>
-              <a:t>브레턴우즈</a:t>
-            </a:r>
-            <a:r>
-              <a:rPr lang="ko-KR" altLang="en-US" sz="1050" dirty="0"/>
-              <a:t> 체제는 붕괴되었다</a:t>
-            </a:r>
-            <a:r>
-              <a:rPr lang="en-US" altLang="ko-KR" sz="1050" dirty="0"/>
-              <a:t>.</a:t>
-            </a:r>
-            <a:r>
-              <a:rPr lang="ko-KR" altLang="en-US" sz="1050" dirty="0"/>
-              <a:t> 그러나 붕괴 이후에도 달러화의 기축 통화 역할은 계속 되었다</a:t>
-            </a:r>
-            <a:r>
-              <a:rPr lang="en-US" altLang="ko-KR" sz="1050" dirty="0"/>
-              <a:t>.</a:t>
-            </a:r>
-            <a:r>
-              <a:rPr lang="ko-KR" altLang="en-US" sz="1050" dirty="0"/>
-              <a:t> 그 이유로</a:t>
-            </a:r>
-            <a:r>
-              <a:rPr lang="en-US" altLang="ko-KR" sz="1050" dirty="0"/>
-              <a:t> </a:t>
-            </a:r>
-            <a:r>
-              <a:rPr lang="ko-KR" altLang="en-US" sz="1050" dirty="0"/>
-              <a:t>규모의 경제를 생각할 수 있다</a:t>
-            </a:r>
-            <a:r>
-              <a:rPr lang="en-US" altLang="ko-KR" sz="1050" dirty="0"/>
-              <a:t>.</a:t>
-            </a:r>
-            <a:r>
-              <a:rPr lang="ko-KR" altLang="en-US" sz="1050" dirty="0"/>
-              <a:t> 세계의 모든 국가에서 ㉢어떠한 기축 통화도 없이 각각 다른 통화가 사용 되는 경우 두 국가를 짝짓는 경우의 수만큼 환율의 가짓수가 생긴다</a:t>
-            </a:r>
-            <a:r>
-              <a:rPr lang="en-US" altLang="ko-KR" sz="1050" dirty="0"/>
-              <a:t>.</a:t>
-            </a:r>
-            <a:r>
-              <a:rPr lang="ko-KR" altLang="en-US" sz="1050" dirty="0"/>
-              <a:t> 그러나 하나의 기축 통화를 중심으로 외환 거래를 하면 비용을 절감하고 규모의 경제를 달성할 수 있다</a:t>
-            </a:r>
-            <a:r>
-              <a:rPr lang="en-US" altLang="ko-KR" sz="1050" dirty="0"/>
-              <a:t>.</a:t>
-            </a:r>
-            <a:endParaRPr lang="ko-KR" altLang="en-US" sz="1050" dirty="0"/>
+              <a:rPr lang="ko-KR" altLang="en-US" sz="2400" dirty="0"/>
+              <a:t> 체제 붕괴 이후에도 달러화가 기축 통화로서 역 할을 할 수 있었던 이유는 무엇인가</a:t>
+            </a:r>
+            <a:r>
+              <a:rPr lang="en-US" altLang="ko-KR" sz="2400" dirty="0"/>
+              <a:t>? </a:t>
+            </a:r>
+          </a:p>
+          <a:p>
+            <a:pPr marL="0" indent="0" algn="just">
+              <a:lnSpc>
+                <a:spcPct val="150000"/>
+              </a:lnSpc>
+              <a:buNone/>
+            </a:pPr>
+            <a:r>
+              <a:rPr lang="en-US" altLang="ko-KR" sz="2400" dirty="0"/>
+              <a:t>② </a:t>
+            </a:r>
+            <a:r>
+              <a:rPr lang="ko-KR" altLang="en-US" sz="2400" dirty="0"/>
+              <a:t>브레턴우즈 체제 붕괴 이후의 세계 경제 위축에 대해 트리 핀은 어떤 전망을 했는가</a:t>
+            </a:r>
+            <a:r>
+              <a:rPr lang="en-US" altLang="ko-KR" sz="2400" dirty="0"/>
+              <a:t>? </a:t>
+            </a:r>
+          </a:p>
+          <a:p>
+            <a:pPr marL="0" indent="0" algn="just">
+              <a:lnSpc>
+                <a:spcPct val="150000"/>
+              </a:lnSpc>
+              <a:buNone/>
+            </a:pPr>
+            <a:r>
+              <a:rPr lang="en-US" altLang="ko-KR" sz="2400" dirty="0"/>
+              <a:t>③ </a:t>
+            </a:r>
+            <a:r>
+              <a:rPr lang="ko-KR" altLang="en-US" sz="2400" dirty="0"/>
+              <a:t>브레턴우즈 체제에서 미국 중앙은행은 어떤 의무를 수행해 야 했는가</a:t>
+            </a:r>
+            <a:r>
+              <a:rPr lang="en-US" altLang="ko-KR" sz="2400" dirty="0"/>
+              <a:t>? </a:t>
+            </a:r>
+          </a:p>
+          <a:p>
+            <a:pPr marL="0" indent="0" algn="just">
+              <a:lnSpc>
+                <a:spcPct val="150000"/>
+              </a:lnSpc>
+              <a:buNone/>
+            </a:pPr>
+            <a:r>
+              <a:rPr lang="en-US" altLang="ko-KR" sz="2400" dirty="0"/>
+              <a:t>④ </a:t>
+            </a:r>
+            <a:r>
+              <a:rPr lang="ko-KR" altLang="en-US" sz="2400" dirty="0"/>
+              <a:t>브레턴우즈 체제에서 국제 유동성의 역할을 한 것은 무엇인가</a:t>
+            </a:r>
+            <a:r>
+              <a:rPr lang="en-US" altLang="ko-KR" sz="2400" dirty="0"/>
+              <a:t>?</a:t>
+            </a:r>
+          </a:p>
+          <a:p>
+            <a:pPr marL="0" indent="0" algn="just">
+              <a:lnSpc>
+                <a:spcPct val="150000"/>
+              </a:lnSpc>
+              <a:buNone/>
+            </a:pPr>
+            <a:r>
+              <a:rPr lang="en-US" altLang="ko-KR" sz="2400" dirty="0"/>
+              <a:t>⑤ </a:t>
+            </a:r>
+            <a:r>
+              <a:rPr lang="ko-KR" altLang="en-US" sz="2400" dirty="0"/>
+              <a:t>브레턴우즈 체제에서 달러화 신뢰도 하락의 원인은 무엇인가</a:t>
+            </a:r>
+            <a:r>
+              <a:rPr lang="en-US" altLang="ko-KR" sz="2400" dirty="0"/>
+              <a:t>?</a:t>
+            </a:r>
+            <a:endParaRPr lang="ko-KR" altLang="en-US" sz="2400" dirty="0"/>
           </a:p>
         </p:txBody>
       </p:sp>
     </p:spTree>
     <p:extLst>
       <p:ext uri="{BB962C8B-B14F-4D97-AF65-F5344CB8AC3E}">
-        <p14:creationId xmlns:p14="http://schemas.microsoft.com/office/powerpoint/2010/main" val="3352819596"/>
+        <p14:creationId xmlns:p14="http://schemas.microsoft.com/office/powerpoint/2010/main" val="669187116"/>
       </p:ext>
     </p:extLst>
   </p:cSld>
@@ -9104,34 +9092,44 @@
           <a:lstStyle/>
           <a:p>
             <a:r>
-              <a:rPr lang="ko-KR" altLang="en-US" b="1" dirty="0">
-                <a:hlinkClick r:id="rId2"/>
-              </a:rPr>
-              <a:t>수능 국어</a:t>
+              <a:rPr lang="ko-KR" altLang="en-US" b="1" dirty="0"/>
+              <a:t>수능 영어</a:t>
+            </a:r>
+            <a:r>
+              <a:rPr lang="en-US" altLang="ko-KR" b="1" dirty="0"/>
+              <a:t>: </a:t>
+            </a:r>
+            <a:r>
+              <a:rPr lang="ko-KR" altLang="en-US" b="1" dirty="0"/>
+              <a:t>답 </a:t>
+            </a:r>
+            <a:r>
+              <a:rPr lang="en-US" altLang="ko-KR" b="1" dirty="0"/>
+              <a:t>d</a:t>
+            </a:r>
+            <a:r>
+              <a:rPr lang="ko-KR" altLang="en-US" b="1" dirty="0"/>
+              <a:t>번</a:t>
+            </a:r>
+            <a:r>
+              <a:rPr lang="en-US" altLang="ko-KR" b="1" dirty="0"/>
+              <a:t>, </a:t>
             </a:r>
             <a:r>
               <a:rPr lang="en-US" altLang="ko-KR" b="1" dirty="0">
                 <a:hlinkClick r:id="rId2"/>
               </a:rPr>
-              <a:t>: </a:t>
-            </a:r>
-            <a:r>
-              <a:rPr lang="ko-KR" altLang="en-US" b="1" dirty="0">
-                <a:hlinkClick r:id="rId2"/>
+              <a:t>1</a:t>
+            </a:r>
+            <a:r>
+              <a:rPr lang="en-US" altLang="ko-KR" b="1" dirty="0"/>
+              <a:t>, </a:t>
+            </a:r>
+            <a:r>
+              <a:rPr lang="en-US" altLang="ko-KR" b="1" dirty="0">
+                <a:hlinkClick r:id="rId3"/>
               </a:rPr>
-              <a:t>답</a:t>
-            </a:r>
-            <a:r>
-              <a:rPr lang="en-US" altLang="ko-KR" b="1" dirty="0">
-                <a:hlinkClick r:id="rId2"/>
-              </a:rPr>
-              <a:t> 2</a:t>
-            </a:r>
-            <a:r>
-              <a:rPr lang="ko-KR" altLang="en-US" b="1" dirty="0">
-                <a:hlinkClick r:id="rId2"/>
-              </a:rPr>
-              <a:t>번</a:t>
+              <a:t>2</a:t>
             </a:r>
             <a:endParaRPr lang="ko-KR" altLang="en-US" b="1" dirty="0"/>
           </a:p>
@@ -9150,136 +9148,156 @@
         <p:spPr/>
         <p:txBody>
           <a:bodyPr>
-            <a:normAutofit fontScale="92500" lnSpcReduction="20000"/>
+            <a:normAutofit fontScale="32500" lnSpcReduction="20000"/>
           </a:bodyPr>
           <a:lstStyle/>
           <a:p>
+            <a:pPr marL="0" indent="0">
+              <a:lnSpc>
+                <a:spcPct val="170000"/>
+              </a:lnSpc>
+              <a:buNone/>
+            </a:pPr>
+            <a:r>
+              <a:rPr lang="ko-KR" altLang="en-US" b="1" dirty="0"/>
+              <a:t>영문학 교수가 되어</a:t>
+            </a:r>
+            <a:r>
+              <a:rPr lang="en-US" altLang="ko-KR" b="1" dirty="0"/>
+              <a:t>, </a:t>
+            </a:r>
+            <a:r>
+              <a:rPr lang="ko-KR" altLang="en-US" b="1" dirty="0"/>
+              <a:t>다음 지문을 읽고 글의 흐름에서 단어가 적절하지 않은 것을 </a:t>
+            </a:r>
+            <a:r>
+              <a:rPr lang="en-US" altLang="ko-KR" b="1" dirty="0"/>
+              <a:t>“</a:t>
+            </a:r>
+            <a:r>
+              <a:rPr lang="ko-KR" altLang="en-US" b="1" dirty="0"/>
+              <a:t>최대한</a:t>
+            </a:r>
+            <a:r>
+              <a:rPr lang="en-US" altLang="ko-KR" b="1" dirty="0"/>
+              <a:t>” </a:t>
+            </a:r>
+            <a:r>
+              <a:rPr lang="ko-KR" altLang="en-US" b="1" dirty="0"/>
+              <a:t>판별하여 선택해야한다</a:t>
+            </a:r>
+            <a:r>
+              <a:rPr lang="en-US" altLang="ko-KR" b="1" dirty="0"/>
+              <a:t>. </a:t>
+            </a:r>
+            <a:r>
+              <a:rPr lang="ko-KR" altLang="en-US" b="1" dirty="0"/>
+              <a:t>그리고 선택한 이유에 대해서도 설명해야 한다</a:t>
+            </a:r>
+            <a:r>
+              <a:rPr lang="en-US" altLang="ko-KR" b="1" dirty="0"/>
+              <a:t>.</a:t>
+            </a:r>
+          </a:p>
+          <a:p>
             <a:pPr marL="0" indent="0" algn="just">
               <a:lnSpc>
-                <a:spcPct val="150000"/>
+                <a:spcPct val="170000"/>
               </a:lnSpc>
               <a:buNone/>
             </a:pPr>
             <a:r>
-              <a:rPr lang="ko-KR" altLang="en-US" sz="2400" b="1" dirty="0"/>
-              <a:t>윗글을 통해 답을 찾을 수 없는 질문은 몇번인가</a:t>
-            </a:r>
-            <a:r>
-              <a:rPr lang="en-US" altLang="ko-KR" sz="2400" b="1" dirty="0"/>
+              <a:rPr lang="en-US" altLang="ko-KR" dirty="0"/>
+              <a:t>For quite some time, science educators believed that “hands-on” activities were the answer to children’s understanding through their participation in science-related activities. Many teachers believed that students merely engaging in activities and (a) manipulating objects would organize the information to be gained and the knowledge to be understood into concept comprehension. Educators began to notice that the pendulum had swung too far to the “hands-on” component of inquiry as they realized that the knowledge was not (b) inherent in the materials themselves, but in the thought and metacognition about what students had done in the activity. We now know that “hands-on” is a dangerous phrase when speaking about learning science. The (c) missing ingredient is the “minds-on” part of the instructional experience. (d) Uncertainty about the knowledge intended in any activity comes from each student’s re-creation of concepts ― and discussing, thinking, arguing, listening, and evaluating one’s own preconceptions after the activities, under the leadership of a thoughtful teacher, can bring this about. After all, a food fight is a hands-on activity, but about all you would learn was something about the aerodynamics of flying mashed potatoes! Our view of what students need to build their knowledge and theories about the natural world (e) extends far beyond a “hands-on activity.” While it is important for students to use and interact with materials in science class, the learning comes from the sense-making of students’ “hands-on” experiences.</a:t>
+            </a:r>
+          </a:p>
+          <a:p>
+            <a:pPr marL="0" indent="0">
+              <a:lnSpc>
+                <a:spcPct val="170000"/>
+              </a:lnSpc>
+              <a:buNone/>
+            </a:pPr>
+            <a:r>
+              <a:rPr lang="en-US" altLang="ko-KR" b="1" dirty="0"/>
+              <a:t>(a)~(e)</a:t>
+            </a:r>
+            <a:r>
+              <a:rPr lang="ko-KR" altLang="en-US" b="1" dirty="0"/>
+              <a:t>중 문맥상 낱말의 쓰임이 적절하지 않은 것은</a:t>
+            </a:r>
+            <a:r>
+              <a:rPr lang="en-US" altLang="ko-KR" b="1" dirty="0"/>
               <a:t>?</a:t>
             </a:r>
           </a:p>
           <a:p>
-            <a:pPr marL="0" indent="0" algn="just">
+            <a:pPr marL="0" indent="0">
               <a:lnSpc>
-                <a:spcPct val="150000"/>
+                <a:spcPct val="170000"/>
               </a:lnSpc>
               <a:buNone/>
             </a:pPr>
             <a:r>
-              <a:rPr lang="en-US" altLang="ko-KR" sz="2400" dirty="0"/>
-              <a:t>① </a:t>
-            </a:r>
-            <a:r>
-              <a:rPr lang="ko-KR" altLang="en-US" sz="2400" dirty="0" err="1"/>
-              <a:t>브레턴우즈</a:t>
-            </a:r>
-            <a:r>
-              <a:rPr lang="ko-KR" altLang="en-US" sz="2400" dirty="0"/>
-              <a:t> 체제 붕괴 이후에도 달러화가 기축 통화로서 역 할을 할 수 있었던 이유는 무엇인가</a:t>
-            </a:r>
-            <a:r>
-              <a:rPr lang="en-US" altLang="ko-KR" sz="2400" dirty="0"/>
-              <a:t>? </a:t>
-            </a:r>
-          </a:p>
-          <a:p>
-            <a:pPr marL="0" indent="0" algn="just">
+              <a:rPr lang="en-US" altLang="ko-KR" dirty="0"/>
+              <a:t>(a)manipulation</a:t>
+            </a:r>
+          </a:p>
+          <a:p>
+            <a:pPr marL="0" indent="0">
               <a:lnSpc>
-                <a:spcPct val="150000"/>
+                <a:spcPct val="170000"/>
               </a:lnSpc>
               <a:buNone/>
             </a:pPr>
             <a:r>
-              <a:rPr lang="en-US" altLang="ko-KR" sz="2400" dirty="0"/>
-              <a:t>② </a:t>
-            </a:r>
-            <a:r>
-              <a:rPr lang="ko-KR" altLang="en-US" sz="2400" dirty="0"/>
-              <a:t>브레턴우즈 체제 붕괴 이후의 세계 경제 위축에 대해 트리 핀은 어떤 전망을 했는가</a:t>
-            </a:r>
-            <a:r>
-              <a:rPr lang="en-US" altLang="ko-KR" sz="2400" dirty="0"/>
-              <a:t>? </a:t>
-            </a:r>
-          </a:p>
-          <a:p>
-            <a:pPr marL="0" indent="0" algn="just">
+              <a:rPr lang="en-US" altLang="ko-KR" dirty="0"/>
+              <a:t>(b)inherent</a:t>
+            </a:r>
+          </a:p>
+          <a:p>
+            <a:pPr marL="0" indent="0">
               <a:lnSpc>
-                <a:spcPct val="150000"/>
+                <a:spcPct val="170000"/>
               </a:lnSpc>
               <a:buNone/>
             </a:pPr>
             <a:r>
-              <a:rPr lang="en-US" altLang="ko-KR" sz="2400" dirty="0"/>
-              <a:t>③ </a:t>
-            </a:r>
-            <a:r>
-              <a:rPr lang="ko-KR" altLang="en-US" sz="2400" dirty="0"/>
-              <a:t>브레턴우즈 체제에서 미국 중앙은행은 어떤 의무를 수행해 야 했는가</a:t>
-            </a:r>
-            <a:r>
-              <a:rPr lang="en-US" altLang="ko-KR" sz="2400" dirty="0"/>
-              <a:t>? </a:t>
-            </a:r>
-          </a:p>
-          <a:p>
-            <a:pPr marL="0" indent="0" algn="just">
+              <a:rPr lang="en-US" altLang="ko-KR" dirty="0"/>
+              <a:t>(c)missing</a:t>
+            </a:r>
+          </a:p>
+          <a:p>
+            <a:pPr marL="0" indent="0">
               <a:lnSpc>
-                <a:spcPct val="150000"/>
+                <a:spcPct val="170000"/>
               </a:lnSpc>
               <a:buNone/>
             </a:pPr>
             <a:r>
-              <a:rPr lang="en-US" altLang="ko-KR" sz="2400" dirty="0"/>
-              <a:t>④ </a:t>
-            </a:r>
-            <a:r>
-              <a:rPr lang="ko-KR" altLang="en-US" sz="2400" dirty="0"/>
-              <a:t>브레턴우즈 체제에서 국제 유동성의 역할을 한 것은 무엇인가</a:t>
-            </a:r>
-            <a:r>
-              <a:rPr lang="en-US" altLang="ko-KR" sz="2400" dirty="0"/>
-              <a:t>?</a:t>
-            </a:r>
-          </a:p>
-          <a:p>
-            <a:pPr marL="0" indent="0" algn="just">
+              <a:rPr lang="en-US" altLang="ko-KR" dirty="0"/>
+              <a:t>(d)Uncertainty</a:t>
+            </a:r>
+          </a:p>
+          <a:p>
+            <a:pPr marL="0" indent="0">
               <a:lnSpc>
-                <a:spcPct val="150000"/>
+                <a:spcPct val="170000"/>
               </a:lnSpc>
               <a:buNone/>
             </a:pPr>
             <a:r>
-              <a:rPr lang="en-US" altLang="ko-KR" sz="2400" dirty="0"/>
-              <a:t>⑤ </a:t>
-            </a:r>
-            <a:r>
-              <a:rPr lang="ko-KR" altLang="en-US" sz="2400" dirty="0"/>
-              <a:t>브레턴우즈 체제에서 달러화 신뢰도 하락의 원인은 무엇인가</a:t>
-            </a:r>
-            <a:r>
-              <a:rPr lang="en-US" altLang="ko-KR" sz="2400" dirty="0"/>
-              <a:t>?</a:t>
-            </a:r>
-            <a:endParaRPr lang="ko-KR" altLang="en-US" sz="2400" dirty="0"/>
+              <a:rPr lang="en-US" altLang="ko-KR" dirty="0"/>
+              <a:t>(e)extends</a:t>
+            </a:r>
+            <a:endParaRPr lang="ko-KR" altLang="en-US" dirty="0"/>
           </a:p>
         </p:txBody>
       </p:sp>
     </p:spTree>
     <p:extLst>
       <p:ext uri="{BB962C8B-B14F-4D97-AF65-F5344CB8AC3E}">
-        <p14:creationId xmlns:p14="http://schemas.microsoft.com/office/powerpoint/2010/main" val="669187116"/>
+        <p14:creationId xmlns:p14="http://schemas.microsoft.com/office/powerpoint/2010/main" val="3334525667"/>
       </p:ext>
     </p:extLst>
   </p:cSld>
@@ -9313,254 +9331,6 @@
             <a:spLocks noGrp="1"/>
           </p:cNvSpPr>
           <p:nvPr>
-            <p:ph type="title"/>
-          </p:nvPr>
-        </p:nvSpPr>
-        <p:spPr/>
-        <p:txBody>
-          <a:bodyPr/>
-          <a:lstStyle/>
-          <a:p>
-            <a:r>
-              <a:rPr lang="ko-KR" altLang="en-US" b="1" dirty="0"/>
-              <a:t>수능 영어</a:t>
-            </a:r>
-            <a:r>
-              <a:rPr lang="en-US" altLang="ko-KR" b="1" dirty="0"/>
-              <a:t>: </a:t>
-            </a:r>
-            <a:r>
-              <a:rPr lang="ko-KR" altLang="en-US" b="1" dirty="0"/>
-              <a:t>답 </a:t>
-            </a:r>
-            <a:r>
-              <a:rPr lang="en-US" altLang="ko-KR" b="1" dirty="0"/>
-              <a:t>d</a:t>
-            </a:r>
-            <a:r>
-              <a:rPr lang="ko-KR" altLang="en-US" b="1" dirty="0"/>
-              <a:t>번</a:t>
-            </a:r>
-            <a:r>
-              <a:rPr lang="en-US" altLang="ko-KR" b="1" dirty="0"/>
-              <a:t>, </a:t>
-            </a:r>
-            <a:r>
-              <a:rPr lang="en-US" altLang="ko-KR" b="1" dirty="0">
-                <a:hlinkClick r:id="rId2"/>
-              </a:rPr>
-              <a:t>1</a:t>
-            </a:r>
-            <a:r>
-              <a:rPr lang="en-US" altLang="ko-KR" b="1" dirty="0"/>
-              <a:t>, </a:t>
-            </a:r>
-            <a:r>
-              <a:rPr lang="en-US" altLang="ko-KR" b="1" dirty="0">
-                <a:hlinkClick r:id="rId3"/>
-              </a:rPr>
-              <a:t>2</a:t>
-            </a:r>
-            <a:endParaRPr lang="ko-KR" altLang="en-US" b="1" dirty="0"/>
-          </a:p>
-        </p:txBody>
-      </p:sp>
-      <p:sp>
-        <p:nvSpPr>
-          <p:cNvPr id="3" name="내용 개체 틀 2"/>
-          <p:cNvSpPr>
-            <a:spLocks noGrp="1"/>
-          </p:cNvSpPr>
-          <p:nvPr>
-            <p:ph idx="1"/>
-          </p:nvPr>
-        </p:nvSpPr>
-        <p:spPr/>
-        <p:txBody>
-          <a:bodyPr>
-            <a:normAutofit fontScale="32500" lnSpcReduction="20000"/>
-          </a:bodyPr>
-          <a:lstStyle/>
-          <a:p>
-            <a:pPr marL="0" indent="0">
-              <a:lnSpc>
-                <a:spcPct val="170000"/>
-              </a:lnSpc>
-              <a:buNone/>
-            </a:pPr>
-            <a:r>
-              <a:rPr lang="ko-KR" altLang="en-US" b="1" dirty="0"/>
-              <a:t>영문학 교수가 되어</a:t>
-            </a:r>
-            <a:r>
-              <a:rPr lang="en-US" altLang="ko-KR" b="1" dirty="0"/>
-              <a:t>, </a:t>
-            </a:r>
-            <a:r>
-              <a:rPr lang="ko-KR" altLang="en-US" b="1" dirty="0"/>
-              <a:t>다음 지문을 읽고 글의 흐름에서 단어가 적절하지 않은 것을 </a:t>
-            </a:r>
-            <a:r>
-              <a:rPr lang="en-US" altLang="ko-KR" b="1" dirty="0"/>
-              <a:t>“</a:t>
-            </a:r>
-            <a:r>
-              <a:rPr lang="ko-KR" altLang="en-US" b="1" dirty="0"/>
-              <a:t>최대한</a:t>
-            </a:r>
-            <a:r>
-              <a:rPr lang="en-US" altLang="ko-KR" b="1" dirty="0"/>
-              <a:t>” </a:t>
-            </a:r>
-            <a:r>
-              <a:rPr lang="ko-KR" altLang="en-US" b="1" dirty="0"/>
-              <a:t>판별하여 선택해야한다</a:t>
-            </a:r>
-            <a:r>
-              <a:rPr lang="en-US" altLang="ko-KR" b="1" dirty="0"/>
-              <a:t>. </a:t>
-            </a:r>
-            <a:r>
-              <a:rPr lang="ko-KR" altLang="en-US" b="1" dirty="0"/>
-              <a:t>그리고 선택한 이유에 대해서도 설명해야 한다</a:t>
-            </a:r>
-            <a:r>
-              <a:rPr lang="en-US" altLang="ko-KR" b="1" dirty="0"/>
-              <a:t>.</a:t>
-            </a:r>
-          </a:p>
-          <a:p>
-            <a:pPr marL="0" indent="0" algn="just">
-              <a:lnSpc>
-                <a:spcPct val="170000"/>
-              </a:lnSpc>
-              <a:buNone/>
-            </a:pPr>
-            <a:r>
-              <a:rPr lang="en-US" altLang="ko-KR" dirty="0"/>
-              <a:t>For quite some time, science educators believed that “hands-on” activities were the answer to children’s understanding through their participation in science-related activities. Many teachers believed that students merely engaging in activities and (a) manipulating objects would organize the information to be gained and the knowledge to be understood into concept comprehension. Educators began to notice that the pendulum had swung too far to the “hands-on” component of inquiry as they realized that the knowledge was not (b) inherent in the materials themselves, but in the thought and metacognition about what students had done in the activity. We now know that “hands-on” is a dangerous phrase when speaking about learning science. The (c) missing ingredient is the “minds-on” part of the instructional experience. (d) Uncertainty about the knowledge intended in any activity comes from each student’s re-creation of concepts ― and discussing, thinking, arguing, listening, and evaluating one’s own preconceptions after the activities, under the leadership of a thoughtful teacher, can bring this about. After all, a food fight is a hands-on activity, but about all you would learn was something about the aerodynamics of flying mashed potatoes! Our view of what students need to build their knowledge and theories about the natural world (e) extends far beyond a “hands-on activity.” While it is important for students to use and interact with materials in science class, the learning comes from the sense-making of students’ “hands-on” experiences.</a:t>
-            </a:r>
-          </a:p>
-          <a:p>
-            <a:pPr marL="0" indent="0">
-              <a:lnSpc>
-                <a:spcPct val="170000"/>
-              </a:lnSpc>
-              <a:buNone/>
-            </a:pPr>
-            <a:r>
-              <a:rPr lang="en-US" altLang="ko-KR" b="1" dirty="0"/>
-              <a:t>(a)~(e)</a:t>
-            </a:r>
-            <a:r>
-              <a:rPr lang="ko-KR" altLang="en-US" b="1" dirty="0"/>
-              <a:t>중 문맥상 낱말의 쓰임이 적절하지 않은 것은</a:t>
-            </a:r>
-            <a:r>
-              <a:rPr lang="en-US" altLang="ko-KR" b="1" dirty="0"/>
-              <a:t>?</a:t>
-            </a:r>
-          </a:p>
-          <a:p>
-            <a:pPr marL="0" indent="0">
-              <a:lnSpc>
-                <a:spcPct val="170000"/>
-              </a:lnSpc>
-              <a:buNone/>
-            </a:pPr>
-            <a:r>
-              <a:rPr lang="en-US" altLang="ko-KR" dirty="0"/>
-              <a:t>(a)manipulation</a:t>
-            </a:r>
-          </a:p>
-          <a:p>
-            <a:pPr marL="0" indent="0">
-              <a:lnSpc>
-                <a:spcPct val="170000"/>
-              </a:lnSpc>
-              <a:buNone/>
-            </a:pPr>
-            <a:r>
-              <a:rPr lang="en-US" altLang="ko-KR" dirty="0"/>
-              <a:t>(b)inherent</a:t>
-            </a:r>
-          </a:p>
-          <a:p>
-            <a:pPr marL="0" indent="0">
-              <a:lnSpc>
-                <a:spcPct val="170000"/>
-              </a:lnSpc>
-              <a:buNone/>
-            </a:pPr>
-            <a:r>
-              <a:rPr lang="en-US" altLang="ko-KR" dirty="0"/>
-              <a:t>(c)missing</a:t>
-            </a:r>
-          </a:p>
-          <a:p>
-            <a:pPr marL="0" indent="0">
-              <a:lnSpc>
-                <a:spcPct val="170000"/>
-              </a:lnSpc>
-              <a:buNone/>
-            </a:pPr>
-            <a:r>
-              <a:rPr lang="en-US" altLang="ko-KR" dirty="0"/>
-              <a:t>(d)Uncertainty</a:t>
-            </a:r>
-          </a:p>
-          <a:p>
-            <a:pPr marL="0" indent="0">
-              <a:lnSpc>
-                <a:spcPct val="170000"/>
-              </a:lnSpc>
-              <a:buNone/>
-            </a:pPr>
-            <a:r>
-              <a:rPr lang="en-US" altLang="ko-KR" dirty="0"/>
-              <a:t>(e)extends</a:t>
-            </a:r>
-            <a:endParaRPr lang="ko-KR" altLang="en-US" dirty="0"/>
-          </a:p>
-        </p:txBody>
-      </p:sp>
-    </p:spTree>
-    <p:extLst>
-      <p:ext uri="{BB962C8B-B14F-4D97-AF65-F5344CB8AC3E}">
-        <p14:creationId xmlns:p14="http://schemas.microsoft.com/office/powerpoint/2010/main" val="3334525667"/>
-      </p:ext>
-    </p:extLst>
-  </p:cSld>
-  <p:clrMapOvr>
-    <a:masterClrMapping/>
-  </p:clrMapOvr>
-</p:sld>
-</file>
-
-<file path=ppt/slides/slide35.xml><?xml version="1.0" encoding="utf-8"?>
-<p:sld xmlns:a="http://schemas.openxmlformats.org/drawingml/2006/main" xmlns:r="http://schemas.openxmlformats.org/officeDocument/2006/relationships" xmlns:p="http://schemas.openxmlformats.org/presentationml/2006/main">
-  <p:cSld>
-    <p:spTree>
-      <p:nvGrpSpPr>
-        <p:cNvPr id="1" name=""/>
-        <p:cNvGrpSpPr/>
-        <p:nvPr/>
-      </p:nvGrpSpPr>
-      <p:grpSpPr>
-        <a:xfrm>
-          <a:off x="0" y="0"/>
-          <a:ext cx="0" cy="0"/>
-          <a:chOff x="0" y="0"/>
-          <a:chExt cx="0" cy="0"/>
-        </a:xfrm>
-      </p:grpSpPr>
-      <p:sp>
-        <p:nvSpPr>
-          <p:cNvPr id="2" name="제목 1"/>
-          <p:cNvSpPr>
-            <a:spLocks noGrp="1"/>
-          </p:cNvSpPr>
-          <p:nvPr>
             <p:ph type="ctrTitle"/>
           </p:nvPr>
         </p:nvSpPr>
@@ -9613,7 +9383,7 @@
 </p:sld>
 </file>
 
-<file path=ppt/slides/slide36.xml><?xml version="1.0" encoding="utf-8"?>
+<file path=ppt/slides/slide35.xml><?xml version="1.0" encoding="utf-8"?>
 <p:sld xmlns:a="http://schemas.openxmlformats.org/drawingml/2006/main" xmlns:r="http://schemas.openxmlformats.org/officeDocument/2006/relationships" xmlns:p="http://schemas.openxmlformats.org/presentationml/2006/main">
   <p:cSld>
     <p:spTree>
@@ -9710,7 +9480,7 @@
 </p:sld>
 </file>
 
-<file path=ppt/slides/slide37.xml><?xml version="1.0" encoding="utf-8"?>
+<file path=ppt/slides/slide36.xml><?xml version="1.0" encoding="utf-8"?>
 <p:sld xmlns:a="http://schemas.openxmlformats.org/drawingml/2006/main" xmlns:r="http://schemas.openxmlformats.org/officeDocument/2006/relationships" xmlns:p="http://schemas.openxmlformats.org/presentationml/2006/main">
   <p:cSld>
     <p:spTree>
@@ -10118,902 +9888,7 @@
 </p:sld>
 </file>
 
-<file path=ppt/slides/slide38.xml><?xml version="1.0" encoding="utf-8"?>
-<p:sld xmlns:a="http://schemas.openxmlformats.org/drawingml/2006/main" xmlns:r="http://schemas.openxmlformats.org/officeDocument/2006/relationships" xmlns:p="http://schemas.openxmlformats.org/presentationml/2006/main">
-  <p:cSld>
-    <p:spTree>
-      <p:nvGrpSpPr>
-        <p:cNvPr id="1" name=""/>
-        <p:cNvGrpSpPr/>
-        <p:nvPr/>
-      </p:nvGrpSpPr>
-      <p:grpSpPr>
-        <a:xfrm>
-          <a:off x="0" y="0"/>
-          <a:ext cx="0" cy="0"/>
-          <a:chOff x="0" y="0"/>
-          <a:chExt cx="0" cy="0"/>
-        </a:xfrm>
-      </p:grpSpPr>
-      <p:sp>
-        <p:nvSpPr>
-          <p:cNvPr id="2" name="제목 1"/>
-          <p:cNvSpPr>
-            <a:spLocks noGrp="1"/>
-          </p:cNvSpPr>
-          <p:nvPr>
-            <p:ph type="title"/>
-          </p:nvPr>
-        </p:nvSpPr>
-        <p:spPr/>
-        <p:txBody>
-          <a:bodyPr/>
-          <a:lstStyle/>
-          <a:p>
-            <a:r>
-              <a:rPr lang="ko-KR" altLang="en-US" b="1" dirty="0">
-                <a:hlinkClick r:id="rId2"/>
-              </a:rPr>
-              <a:t>영화 </a:t>
-            </a:r>
-            <a:r>
-              <a:rPr lang="ko-KR" altLang="en-US" b="1" dirty="0" err="1">
-                <a:hlinkClick r:id="rId2"/>
-              </a:rPr>
-              <a:t>클레멘타인</a:t>
-            </a:r>
-            <a:endParaRPr lang="ko-KR" altLang="en-US" b="1" dirty="0"/>
-          </a:p>
-        </p:txBody>
-      </p:sp>
-      <p:pic>
-        <p:nvPicPr>
-          <p:cNvPr id="4" name="내용 개체 틀 3"/>
-          <p:cNvPicPr>
-            <a:picLocks noGrp="1" noChangeAspect="1"/>
-          </p:cNvPicPr>
-          <p:nvPr>
-            <p:ph idx="1"/>
-          </p:nvPr>
-        </p:nvPicPr>
-        <p:blipFill rotWithShape="1">
-          <a:blip r:embed="rId3"/>
-          <a:srcRect r="44223"/>
-          <a:stretch/>
-        </p:blipFill>
-        <p:spPr>
-          <a:xfrm>
-            <a:off x="3067695" y="2163385"/>
-            <a:ext cx="6056610" cy="2531230"/>
-          </a:xfrm>
-          <a:prstGeom prst="rect">
-            <a:avLst/>
-          </a:prstGeom>
-          <a:ln>
-            <a:solidFill>
-              <a:schemeClr val="tx1"/>
-            </a:solidFill>
-          </a:ln>
-        </p:spPr>
-      </p:pic>
-    </p:spTree>
-    <p:extLst>
-      <p:ext uri="{BB962C8B-B14F-4D97-AF65-F5344CB8AC3E}">
-        <p14:creationId xmlns:p14="http://schemas.microsoft.com/office/powerpoint/2010/main" val="3771234117"/>
-      </p:ext>
-    </p:extLst>
-  </p:cSld>
-  <p:clrMapOvr>
-    <a:masterClrMapping/>
-  </p:clrMapOvr>
-</p:sld>
-</file>
-
-<file path=ppt/slides/slide39.xml><?xml version="1.0" encoding="utf-8"?>
-<p:sld xmlns:a="http://schemas.openxmlformats.org/drawingml/2006/main" xmlns:r="http://schemas.openxmlformats.org/officeDocument/2006/relationships" xmlns:p="http://schemas.openxmlformats.org/presentationml/2006/main">
-  <p:cSld>
-    <p:spTree>
-      <p:nvGrpSpPr>
-        <p:cNvPr id="1" name=""/>
-        <p:cNvGrpSpPr/>
-        <p:nvPr/>
-      </p:nvGrpSpPr>
-      <p:grpSpPr>
-        <a:xfrm>
-          <a:off x="0" y="0"/>
-          <a:ext cx="0" cy="0"/>
-          <a:chOff x="0" y="0"/>
-          <a:chExt cx="0" cy="0"/>
-        </a:xfrm>
-      </p:grpSpPr>
-      <p:sp>
-        <p:nvSpPr>
-          <p:cNvPr id="2" name="제목 1"/>
-          <p:cNvSpPr>
-            <a:spLocks noGrp="1"/>
-          </p:cNvSpPr>
-          <p:nvPr>
-            <p:ph type="title"/>
-          </p:nvPr>
-        </p:nvSpPr>
-        <p:spPr/>
-        <p:txBody>
-          <a:bodyPr/>
-          <a:lstStyle/>
-          <a:p>
-            <a:r>
-              <a:rPr lang="ko-KR" altLang="en-US" b="1" dirty="0">
-                <a:hlinkClick r:id="rId2"/>
-              </a:rPr>
-              <a:t>영화 </a:t>
-            </a:r>
-            <a:r>
-              <a:rPr lang="ko-KR" altLang="en-US" b="1" dirty="0" err="1">
-                <a:hlinkClick r:id="rId2"/>
-              </a:rPr>
-              <a:t>클레멘타인</a:t>
-            </a:r>
-            <a:endParaRPr lang="ko-KR" altLang="en-US" b="1" dirty="0"/>
-          </a:p>
-        </p:txBody>
-      </p:sp>
-      <p:sp>
-        <p:nvSpPr>
-          <p:cNvPr id="3" name="내용 개체 틀 2"/>
-          <p:cNvSpPr>
-            <a:spLocks noGrp="1"/>
-          </p:cNvSpPr>
-          <p:nvPr>
-            <p:ph idx="1"/>
-          </p:nvPr>
-        </p:nvSpPr>
-        <p:spPr/>
-        <p:txBody>
-          <a:bodyPr>
-            <a:noAutofit/>
-          </a:bodyPr>
-          <a:lstStyle/>
-          <a:p>
-            <a:pPr marL="0" indent="0">
-              <a:buNone/>
-            </a:pPr>
-            <a:r>
-              <a:rPr lang="en-US" altLang="ko-KR" sz="2000" b="1" dirty="0"/>
-              <a:t>[</a:t>
-            </a:r>
-            <a:r>
-              <a:rPr lang="ko-KR" altLang="en-US" sz="2000" b="1" dirty="0"/>
-              <a:t>상황</a:t>
-            </a:r>
-            <a:r>
-              <a:rPr lang="en-US" altLang="ko-KR" sz="2000" b="1" dirty="0"/>
-              <a:t>]</a:t>
-            </a:r>
-          </a:p>
-          <a:p>
-            <a:pPr marL="0" indent="0">
-              <a:buNone/>
-            </a:pPr>
-            <a:r>
-              <a:rPr lang="ko-KR" altLang="en-US" sz="2000" dirty="0"/>
-              <a:t>영화를 보고 난 후</a:t>
-            </a:r>
-            <a:r>
-              <a:rPr lang="en-US" altLang="ko-KR" sz="2000" dirty="0"/>
-              <a:t>, </a:t>
-            </a:r>
-            <a:r>
-              <a:rPr lang="ko-KR" altLang="en-US" sz="2000" dirty="0"/>
-              <a:t>관객이 다음과 같은 리플을 달았다</a:t>
-            </a:r>
-            <a:r>
-              <a:rPr lang="en-US" altLang="ko-KR" sz="2000" dirty="0"/>
-              <a:t>.</a:t>
-            </a:r>
-          </a:p>
-          <a:p>
-            <a:pPr marL="0" indent="0">
-              <a:buNone/>
-            </a:pPr>
-            <a:r>
-              <a:rPr lang="en-US" altLang="ko-KR" sz="2000" dirty="0"/>
-              <a:t>"</a:t>
-            </a:r>
-            <a:r>
-              <a:rPr lang="ko-KR" altLang="en-US" sz="2000" dirty="0"/>
-              <a:t>이것은 절대 </a:t>
-            </a:r>
-            <a:r>
-              <a:rPr lang="en-US" altLang="ko-KR" sz="2000" dirty="0"/>
-              <a:t>1</a:t>
-            </a:r>
-            <a:r>
-              <a:rPr lang="ko-KR" altLang="en-US" sz="2000" dirty="0"/>
-              <a:t>점이 아니다</a:t>
-            </a:r>
-            <a:r>
-              <a:rPr lang="en-US" altLang="ko-KR" sz="2000" dirty="0"/>
-              <a:t>. 11</a:t>
-            </a:r>
-            <a:r>
-              <a:rPr lang="ko-KR" altLang="en-US" sz="2000" dirty="0"/>
-              <a:t>점을 주고 싶은 내 마음이다</a:t>
-            </a:r>
-            <a:r>
-              <a:rPr lang="en-US" altLang="ko-KR" sz="2000" dirty="0"/>
-              <a:t>“</a:t>
-            </a:r>
-          </a:p>
-          <a:p>
-            <a:pPr marL="0" indent="0">
-              <a:buNone/>
-            </a:pPr>
-            <a:r>
-              <a:rPr lang="ko-KR" altLang="en-US" sz="2000" dirty="0"/>
-              <a:t>관객은 평점 </a:t>
-            </a:r>
-            <a:r>
-              <a:rPr lang="en-US" altLang="ko-KR" sz="2000" dirty="0"/>
-              <a:t>1</a:t>
-            </a:r>
-            <a:r>
-              <a:rPr lang="ko-KR" altLang="en-US" sz="2000" dirty="0"/>
-              <a:t>점을 주었다</a:t>
-            </a:r>
-            <a:r>
-              <a:rPr lang="en-US" altLang="ko-KR" sz="2000" dirty="0"/>
-              <a:t>.</a:t>
-            </a:r>
-          </a:p>
-          <a:p>
-            <a:pPr marL="0" indent="0">
-              <a:buNone/>
-            </a:pPr>
-            <a:endParaRPr lang="en-US" altLang="ko-KR" sz="2000" dirty="0"/>
-          </a:p>
-          <a:p>
-            <a:pPr marL="0" indent="0">
-              <a:buNone/>
-            </a:pPr>
-            <a:r>
-              <a:rPr lang="ko-KR" altLang="en-US" sz="2000" dirty="0"/>
-              <a:t>점수 선택은 </a:t>
-            </a:r>
-            <a:r>
-              <a:rPr lang="en-US" altLang="ko-KR" sz="2000" dirty="0"/>
-              <a:t>"</a:t>
-            </a:r>
-            <a:r>
-              <a:rPr lang="ko-KR" altLang="en-US" sz="2000" dirty="0"/>
-              <a:t>무조건</a:t>
-            </a:r>
-            <a:r>
-              <a:rPr lang="en-US" altLang="ko-KR" sz="2000" dirty="0"/>
-              <a:t>" 1~10</a:t>
-            </a:r>
-            <a:r>
-              <a:rPr lang="ko-KR" altLang="en-US" sz="2000" dirty="0"/>
-              <a:t>점 사이로 평가해야 한다</a:t>
-            </a:r>
-            <a:r>
-              <a:rPr lang="en-US" altLang="ko-KR" sz="2000" dirty="0"/>
-              <a:t>.</a:t>
-            </a:r>
-          </a:p>
-          <a:p>
-            <a:pPr marL="0" indent="0">
-              <a:buNone/>
-            </a:pPr>
-            <a:r>
-              <a:rPr lang="en-US" altLang="ko-KR" sz="2000" dirty="0"/>
-              <a:t>1 </a:t>
-            </a:r>
-            <a:r>
-              <a:rPr lang="ko-KR" altLang="en-US" sz="2000" dirty="0"/>
-              <a:t>이하 또는 </a:t>
-            </a:r>
-            <a:r>
-              <a:rPr lang="en-US" altLang="ko-KR" sz="2000" dirty="0"/>
-              <a:t>10 </a:t>
-            </a:r>
-            <a:r>
-              <a:rPr lang="ko-KR" altLang="en-US" sz="2000" dirty="0"/>
-              <a:t>이상의 평가를 절대로 할 수 없다</a:t>
-            </a:r>
-            <a:r>
-              <a:rPr lang="en-US" altLang="ko-KR" sz="2000" dirty="0"/>
-              <a:t>.</a:t>
-            </a:r>
-          </a:p>
-          <a:p>
-            <a:pPr marL="0" indent="0">
-              <a:buNone/>
-            </a:pPr>
-            <a:r>
-              <a:rPr lang="en-US" altLang="ko-KR" sz="2000" dirty="0"/>
-              <a:t>1</a:t>
-            </a:r>
-            <a:r>
-              <a:rPr lang="ko-KR" altLang="en-US" sz="2000" dirty="0"/>
-              <a:t>점을 주면 평점은 떨어져서</a:t>
-            </a:r>
-            <a:r>
-              <a:rPr lang="en-US" altLang="ko-KR" sz="2000" dirty="0"/>
-              <a:t>, </a:t>
-            </a:r>
-            <a:r>
-              <a:rPr lang="ko-KR" altLang="en-US" sz="2000" dirty="0"/>
-              <a:t>영화의 평은 안좋아 진다</a:t>
-            </a:r>
-            <a:r>
-              <a:rPr lang="en-US" altLang="ko-KR" sz="2000" dirty="0"/>
-              <a:t>.</a:t>
-            </a:r>
-          </a:p>
-          <a:p>
-            <a:pPr marL="0" indent="0">
-              <a:buNone/>
-            </a:pPr>
-            <a:r>
-              <a:rPr lang="en-US" altLang="ko-KR" sz="2000" dirty="0"/>
-              <a:t>10</a:t>
-            </a:r>
-            <a:r>
-              <a:rPr lang="ko-KR" altLang="en-US" sz="2000" dirty="0"/>
-              <a:t>점을 주면 평점은 높아지며</a:t>
-            </a:r>
-            <a:r>
-              <a:rPr lang="en-US" altLang="ko-KR" sz="2000" dirty="0"/>
-              <a:t>, </a:t>
-            </a:r>
-            <a:r>
-              <a:rPr lang="ko-KR" altLang="en-US" sz="2000" dirty="0"/>
-              <a:t>영화의 평은 더욱 좋아진다</a:t>
-            </a:r>
-            <a:r>
-              <a:rPr lang="en-US" altLang="ko-KR" sz="2000" dirty="0"/>
-              <a:t>.</a:t>
-            </a:r>
-          </a:p>
-          <a:p>
-            <a:pPr marL="0" indent="0">
-              <a:buNone/>
-            </a:pPr>
-            <a:r>
-              <a:rPr lang="ko-KR" altLang="en-US" sz="2000" dirty="0"/>
-              <a:t>관객은 영화에 대한 평가가 긍정적인가 아니면 부정적인가</a:t>
-            </a:r>
-            <a:r>
-              <a:rPr lang="en-US" altLang="ko-KR" sz="2000" dirty="0"/>
-              <a:t>?</a:t>
-            </a:r>
-            <a:endParaRPr lang="ko-KR" altLang="en-US" sz="2000" dirty="0"/>
-          </a:p>
-        </p:txBody>
-      </p:sp>
-    </p:spTree>
-    <p:extLst>
-      <p:ext uri="{BB962C8B-B14F-4D97-AF65-F5344CB8AC3E}">
-        <p14:creationId xmlns:p14="http://schemas.microsoft.com/office/powerpoint/2010/main" val="481181396"/>
-      </p:ext>
-    </p:extLst>
-  </p:cSld>
-  <p:clrMapOvr>
-    <a:masterClrMapping/>
-  </p:clrMapOvr>
-</p:sld>
-</file>
-
-<file path=ppt/slides/slide4.xml><?xml version="1.0" encoding="utf-8"?>
-<p:sld xmlns:a="http://schemas.openxmlformats.org/drawingml/2006/main" xmlns:r="http://schemas.openxmlformats.org/officeDocument/2006/relationships" xmlns:p="http://schemas.openxmlformats.org/presentationml/2006/main">
-  <p:cSld>
-    <p:spTree>
-      <p:nvGrpSpPr>
-        <p:cNvPr id="1" name=""/>
-        <p:cNvGrpSpPr/>
-        <p:nvPr/>
-      </p:nvGrpSpPr>
-      <p:grpSpPr>
-        <a:xfrm>
-          <a:off x="0" y="0"/>
-          <a:ext cx="0" cy="0"/>
-          <a:chOff x="0" y="0"/>
-          <a:chExt cx="0" cy="0"/>
-        </a:xfrm>
-      </p:grpSpPr>
-      <p:sp>
-        <p:nvSpPr>
-          <p:cNvPr id="2" name="제목 1"/>
-          <p:cNvSpPr>
-            <a:spLocks noGrp="1"/>
-          </p:cNvSpPr>
-          <p:nvPr>
-            <p:ph type="title"/>
-          </p:nvPr>
-        </p:nvSpPr>
-        <p:spPr/>
-        <p:txBody>
-          <a:bodyPr/>
-          <a:lstStyle/>
-          <a:p>
-            <a:r>
-              <a:rPr lang="ko-KR" altLang="en-US" b="1" dirty="0">
-                <a:hlinkClick r:id="rId2"/>
-              </a:rPr>
-              <a:t>이메일 작성 프롬프트</a:t>
-            </a:r>
-            <a:endParaRPr lang="ko-KR" altLang="en-US" b="1" dirty="0"/>
-          </a:p>
-        </p:txBody>
-      </p:sp>
-      <p:sp>
-        <p:nvSpPr>
-          <p:cNvPr id="3" name="내용 개체 틀 2"/>
-          <p:cNvSpPr>
-            <a:spLocks noGrp="1"/>
-          </p:cNvSpPr>
-          <p:nvPr>
-            <p:ph idx="1"/>
-          </p:nvPr>
-        </p:nvSpPr>
-        <p:spPr/>
-        <p:txBody>
-          <a:bodyPr>
-            <a:normAutofit fontScale="40000" lnSpcReduction="20000"/>
-          </a:bodyPr>
-          <a:lstStyle/>
-          <a:p>
-            <a:pPr marL="0" indent="0">
-              <a:buNone/>
-            </a:pPr>
-            <a:r>
-              <a:rPr lang="en-US" altLang="ko-KR" b="1" dirty="0"/>
-              <a:t>[</a:t>
-            </a:r>
-            <a:r>
-              <a:rPr lang="ko-KR" altLang="en-US" b="1" dirty="0"/>
-              <a:t>요청</a:t>
-            </a:r>
-            <a:r>
-              <a:rPr lang="en-US" altLang="ko-KR" b="1" dirty="0"/>
-              <a:t>]</a:t>
-            </a:r>
-          </a:p>
-          <a:p>
-            <a:pPr marL="0" indent="0">
-              <a:buNone/>
-            </a:pPr>
-            <a:r>
-              <a:rPr lang="en-US" altLang="ko-KR" dirty="0"/>
-              <a:t>1. </a:t>
-            </a:r>
-            <a:r>
-              <a:rPr lang="en-US" altLang="ko-KR" dirty="0" err="1"/>
-              <a:t>ChatGPT</a:t>
-            </a:r>
-            <a:r>
-              <a:rPr lang="ko-KR" altLang="en-US" dirty="0"/>
-              <a:t>는 비즈니스 메일 작성 전문가로 역할을 수행해야 하며</a:t>
-            </a:r>
-            <a:r>
-              <a:rPr lang="en-US" altLang="ko-KR" dirty="0"/>
-              <a:t>, </a:t>
-            </a:r>
-            <a:r>
-              <a:rPr lang="ko-KR" altLang="en-US" dirty="0"/>
-              <a:t>최적의 이메일 작성을 위한 지원을 제공해야 한다</a:t>
-            </a:r>
-            <a:r>
-              <a:rPr lang="en-US" altLang="ko-KR" dirty="0"/>
-              <a:t>.</a:t>
-            </a:r>
-          </a:p>
-          <a:p>
-            <a:pPr marL="0" indent="0">
-              <a:buNone/>
-            </a:pPr>
-            <a:r>
-              <a:rPr lang="en-US" altLang="ko-KR" dirty="0"/>
-              <a:t>2. </a:t>
-            </a:r>
-            <a:r>
-              <a:rPr lang="ko-KR" altLang="en-US" dirty="0"/>
-              <a:t>이메일 생성에 필요한 모든 조건과 정보는 단계적으로 쿼리해야 한다</a:t>
-            </a:r>
-            <a:r>
-              <a:rPr lang="en-US" altLang="ko-KR" dirty="0"/>
-              <a:t>.</a:t>
-            </a:r>
-          </a:p>
-          <a:p>
-            <a:pPr marL="0" indent="0">
-              <a:buNone/>
-            </a:pPr>
-            <a:r>
-              <a:rPr lang="en-US" altLang="ko-KR" dirty="0"/>
-              <a:t>3. </a:t>
-            </a:r>
-            <a:r>
-              <a:rPr lang="en-US" altLang="ko-KR" dirty="0" err="1"/>
-              <a:t>ChatGPT</a:t>
-            </a:r>
-            <a:r>
-              <a:rPr lang="ko-KR" altLang="en-US" dirty="0"/>
-              <a:t>는 사용자의 입력에 따라</a:t>
-            </a:r>
-            <a:r>
-              <a:rPr lang="en-US" altLang="ko-KR" dirty="0"/>
-              <a:t>, </a:t>
-            </a:r>
-            <a:r>
-              <a:rPr lang="ko-KR" altLang="en-US" dirty="0"/>
-              <a:t>사용자가 모든 이메일 정보와 조건을 만족할 때까지 계속해서 도움을 제공해야 한다</a:t>
-            </a:r>
-            <a:r>
-              <a:rPr lang="en-US" altLang="ko-KR" dirty="0"/>
-              <a:t>.</a:t>
-            </a:r>
-          </a:p>
-          <a:p>
-            <a:pPr marL="0" indent="0">
-              <a:buNone/>
-            </a:pPr>
-            <a:endParaRPr lang="en-US" altLang="ko-KR" dirty="0"/>
-          </a:p>
-          <a:p>
-            <a:pPr marL="0" indent="0">
-              <a:buNone/>
-            </a:pPr>
-            <a:r>
-              <a:rPr lang="en-US" altLang="ko-KR" b="1" dirty="0"/>
-              <a:t>[</a:t>
-            </a:r>
-            <a:r>
-              <a:rPr lang="ko-KR" altLang="en-US" b="1" dirty="0"/>
-              <a:t>이메일 정보</a:t>
-            </a:r>
-            <a:r>
-              <a:rPr lang="en-US" altLang="ko-KR" b="1" dirty="0"/>
-              <a:t>]</a:t>
-            </a:r>
-          </a:p>
-          <a:p>
-            <a:pPr marL="0" indent="0">
-              <a:buNone/>
-            </a:pPr>
-            <a:r>
-              <a:rPr lang="ko-KR" altLang="en-US" dirty="0"/>
-              <a:t>이메일 작성을 위해</a:t>
-            </a:r>
-            <a:r>
-              <a:rPr lang="en-US" altLang="ko-KR" dirty="0"/>
-              <a:t>, </a:t>
-            </a:r>
-            <a:r>
-              <a:rPr lang="ko-KR" altLang="en-US" dirty="0"/>
-              <a:t>다음의 정보를 쿼리해야 한다</a:t>
-            </a:r>
-            <a:r>
-              <a:rPr lang="en-US" altLang="ko-KR" dirty="0"/>
-              <a:t>:</a:t>
-            </a:r>
-          </a:p>
-          <a:p>
-            <a:pPr marL="0" indent="0">
-              <a:buNone/>
-            </a:pPr>
-            <a:r>
-              <a:rPr lang="en-US" altLang="ko-KR" dirty="0"/>
-              <a:t>1. </a:t>
-            </a:r>
-            <a:r>
-              <a:rPr lang="ko-KR" altLang="en-US" dirty="0"/>
-              <a:t>이메일의 목적</a:t>
-            </a:r>
-          </a:p>
-          <a:p>
-            <a:pPr marL="0" indent="0">
-              <a:buNone/>
-            </a:pPr>
-            <a:r>
-              <a:rPr lang="en-US" altLang="ko-KR" dirty="0"/>
-              <a:t>2. </a:t>
-            </a:r>
-            <a:r>
-              <a:rPr lang="ko-KR" altLang="en-US" dirty="0"/>
-              <a:t>이메일에서 언급할 장소</a:t>
-            </a:r>
-          </a:p>
-          <a:p>
-            <a:pPr marL="0" indent="0">
-              <a:buNone/>
-            </a:pPr>
-            <a:r>
-              <a:rPr lang="en-US" altLang="ko-KR" dirty="0"/>
-              <a:t>3. </a:t>
-            </a:r>
-            <a:r>
-              <a:rPr lang="ko-KR" altLang="en-US" dirty="0"/>
-              <a:t>이메일에서 언급할 시간</a:t>
-            </a:r>
-            <a:r>
-              <a:rPr lang="en-US" altLang="ko-KR" dirty="0"/>
-              <a:t>: </a:t>
-            </a:r>
-            <a:r>
-              <a:rPr lang="ko-KR" altLang="en-US" dirty="0"/>
-              <a:t>년</a:t>
-            </a:r>
-            <a:r>
-              <a:rPr lang="en-US" altLang="ko-KR" dirty="0"/>
-              <a:t>/</a:t>
-            </a:r>
-            <a:r>
-              <a:rPr lang="ko-KR" altLang="en-US" dirty="0"/>
-              <a:t>월</a:t>
-            </a:r>
-            <a:r>
-              <a:rPr lang="en-US" altLang="ko-KR" dirty="0"/>
-              <a:t>/</a:t>
-            </a:r>
-            <a:r>
-              <a:rPr lang="ko-KR" altLang="en-US" dirty="0"/>
-              <a:t>일</a:t>
-            </a:r>
-            <a:r>
-              <a:rPr lang="en-US" altLang="ko-KR" dirty="0"/>
-              <a:t>, </a:t>
-            </a:r>
-            <a:r>
-              <a:rPr lang="ko-KR" altLang="en-US" dirty="0"/>
-              <a:t>시간 정보를 입력해야 한다</a:t>
-            </a:r>
-            <a:r>
-              <a:rPr lang="en-US" altLang="ko-KR" dirty="0"/>
-              <a:t>.</a:t>
-            </a:r>
-          </a:p>
-          <a:p>
-            <a:pPr marL="0" indent="0">
-              <a:buNone/>
-            </a:pPr>
-            <a:r>
-              <a:rPr lang="en-US" altLang="ko-KR" dirty="0"/>
-              <a:t>4. </a:t>
-            </a:r>
-            <a:r>
-              <a:rPr lang="ko-KR" altLang="en-US" dirty="0"/>
-              <a:t>이메일의 맺음말</a:t>
-            </a:r>
-          </a:p>
-          <a:p>
-            <a:pPr marL="0" indent="0">
-              <a:buNone/>
-            </a:pPr>
-            <a:endParaRPr lang="ko-KR" altLang="en-US" dirty="0"/>
-          </a:p>
-          <a:p>
-            <a:pPr marL="0" indent="0">
-              <a:buNone/>
-            </a:pPr>
-            <a:r>
-              <a:rPr lang="en-US" altLang="ko-KR" b="1" dirty="0"/>
-              <a:t>[</a:t>
-            </a:r>
-            <a:r>
-              <a:rPr lang="ko-KR" altLang="en-US" b="1" dirty="0"/>
-              <a:t>조건</a:t>
-            </a:r>
-            <a:r>
-              <a:rPr lang="en-US" altLang="ko-KR" b="1" dirty="0"/>
-              <a:t>]</a:t>
-            </a:r>
-          </a:p>
-          <a:p>
-            <a:pPr marL="0" indent="0">
-              <a:buNone/>
-            </a:pPr>
-            <a:r>
-              <a:rPr lang="en-US" altLang="ko-KR" dirty="0"/>
-              <a:t>1. </a:t>
-            </a:r>
-            <a:r>
-              <a:rPr lang="ko-KR" altLang="en-US" dirty="0"/>
-              <a:t>이메일의 스타일</a:t>
-            </a:r>
-            <a:r>
-              <a:rPr lang="en-US" altLang="ko-KR" dirty="0"/>
-              <a:t>: </a:t>
-            </a:r>
-            <a:r>
-              <a:rPr lang="ko-KR" altLang="en-US" dirty="0"/>
-              <a:t>전문적</a:t>
-            </a:r>
-            <a:r>
-              <a:rPr lang="en-US" altLang="ko-KR" dirty="0"/>
-              <a:t>, </a:t>
-            </a:r>
-            <a:r>
-              <a:rPr lang="ko-KR" altLang="en-US" dirty="0"/>
-              <a:t>유머러스</a:t>
-            </a:r>
-            <a:r>
-              <a:rPr lang="en-US" altLang="ko-KR" dirty="0"/>
-              <a:t>, </a:t>
-            </a:r>
-            <a:r>
-              <a:rPr lang="ko-KR" altLang="en-US" dirty="0"/>
-              <a:t>권위적 중에서 사용자가 선택한 스타일에 따라 이메일을 작성해야 한다</a:t>
-            </a:r>
-            <a:r>
-              <a:rPr lang="en-US" altLang="ko-KR" dirty="0"/>
-              <a:t>.</a:t>
-            </a:r>
-          </a:p>
-          <a:p>
-            <a:pPr marL="0" indent="0">
-              <a:buNone/>
-            </a:pPr>
-            <a:r>
-              <a:rPr lang="en-US" altLang="ko-KR" dirty="0"/>
-              <a:t>2. </a:t>
-            </a:r>
-            <a:r>
-              <a:rPr lang="ko-KR" altLang="en-US" dirty="0"/>
-              <a:t>사용자가 요청하는 경우</a:t>
-            </a:r>
-            <a:r>
-              <a:rPr lang="en-US" altLang="ko-KR" dirty="0"/>
-              <a:t>, </a:t>
-            </a:r>
-            <a:r>
-              <a:rPr lang="ko-KR" altLang="en-US" dirty="0"/>
-              <a:t>이메일 정보의 특정 항목</a:t>
-            </a:r>
-            <a:r>
-              <a:rPr lang="en-US" altLang="ko-KR" dirty="0"/>
-              <a:t>(</a:t>
-            </a:r>
-            <a:r>
-              <a:rPr lang="ko-KR" altLang="en-US" dirty="0"/>
-              <a:t>목적</a:t>
-            </a:r>
-            <a:r>
-              <a:rPr lang="en-US" altLang="ko-KR" dirty="0"/>
-              <a:t>, </a:t>
-            </a:r>
-            <a:r>
-              <a:rPr lang="ko-KR" altLang="en-US" dirty="0"/>
-              <a:t>장소</a:t>
-            </a:r>
-            <a:r>
-              <a:rPr lang="en-US" altLang="ko-KR" dirty="0"/>
-              <a:t>, </a:t>
-            </a:r>
-            <a:r>
-              <a:rPr lang="ko-KR" altLang="en-US" dirty="0"/>
-              <a:t>시간</a:t>
-            </a:r>
-            <a:r>
-              <a:rPr lang="en-US" altLang="ko-KR" dirty="0"/>
-              <a:t>, </a:t>
-            </a:r>
-            <a:r>
-              <a:rPr lang="ko-KR" altLang="en-US" dirty="0"/>
-              <a:t>맺음말</a:t>
-            </a:r>
-            <a:r>
-              <a:rPr lang="en-US" altLang="ko-KR" dirty="0"/>
-              <a:t>)</a:t>
-            </a:r>
-            <a:r>
-              <a:rPr lang="ko-KR" altLang="en-US" dirty="0"/>
-              <a:t>을 제외해야 한다</a:t>
-            </a:r>
-            <a:r>
-              <a:rPr lang="en-US" altLang="ko-KR" dirty="0"/>
-              <a:t>.</a:t>
-            </a:r>
-          </a:p>
-          <a:p>
-            <a:pPr marL="0" indent="0">
-              <a:buNone/>
-            </a:pPr>
-            <a:r>
-              <a:rPr lang="en-US" altLang="ko-KR" dirty="0"/>
-              <a:t>3. </a:t>
-            </a:r>
-            <a:r>
-              <a:rPr lang="ko-KR" altLang="en-US" dirty="0"/>
-              <a:t>이메일의 제목</a:t>
-            </a:r>
-            <a:r>
-              <a:rPr lang="en-US" altLang="ko-KR" dirty="0"/>
-              <a:t>: "</a:t>
-            </a:r>
-            <a:r>
-              <a:rPr lang="ko-KR" altLang="en-US" dirty="0"/>
-              <a:t>목적</a:t>
-            </a:r>
-            <a:r>
-              <a:rPr lang="en-US" altLang="ko-KR" dirty="0"/>
-              <a:t>"</a:t>
-            </a:r>
-            <a:r>
-              <a:rPr lang="ko-KR" altLang="en-US" dirty="0"/>
-              <a:t>을 기반으로 가장 적합한 제목 </a:t>
-            </a:r>
-            <a:r>
-              <a:rPr lang="en-US" altLang="ko-KR" dirty="0"/>
-              <a:t>6</a:t>
-            </a:r>
-            <a:r>
-              <a:rPr lang="ko-KR" altLang="en-US" dirty="0"/>
-              <a:t>개를 사용자에게 제시하고</a:t>
-            </a:r>
-            <a:r>
-              <a:rPr lang="en-US" altLang="ko-KR" dirty="0"/>
-              <a:t>, </a:t>
-            </a:r>
-            <a:r>
-              <a:rPr lang="ko-KR" altLang="en-US" dirty="0"/>
-              <a:t>사용자가 선택한 제목을 이메일 제목으로 사용해야 한다</a:t>
-            </a:r>
-            <a:r>
-              <a:rPr lang="en-US" altLang="ko-KR" dirty="0"/>
-              <a:t>.</a:t>
-            </a:r>
-          </a:p>
-          <a:p>
-            <a:pPr marL="0" indent="0">
-              <a:buNone/>
-            </a:pPr>
-            <a:r>
-              <a:rPr lang="en-US" altLang="ko-KR" dirty="0"/>
-              <a:t>4. </a:t>
-            </a:r>
-            <a:r>
-              <a:rPr lang="ko-KR" altLang="en-US" dirty="0"/>
-              <a:t>이메일에 데이터가 포함될 경우</a:t>
-            </a:r>
-            <a:r>
-              <a:rPr lang="en-US" altLang="ko-KR" dirty="0"/>
-              <a:t>, </a:t>
-            </a:r>
-            <a:r>
-              <a:rPr lang="ko-KR" altLang="en-US" dirty="0"/>
-              <a:t>해당 데이터를 표로 표현해야 한다</a:t>
-            </a:r>
-            <a:r>
-              <a:rPr lang="en-US" altLang="ko-KR" dirty="0"/>
-              <a:t>. </a:t>
-            </a:r>
-            <a:r>
-              <a:rPr lang="ko-KR" altLang="en-US" dirty="0"/>
-              <a:t>이를 위해 데이터의 존재 여부를 사용자에게 쿼리해야 한다</a:t>
-            </a:r>
-            <a:r>
-              <a:rPr lang="en-US" altLang="ko-KR" dirty="0"/>
-              <a:t>.</a:t>
-            </a:r>
-            <a:endParaRPr lang="ko-KR" altLang="en-US" dirty="0"/>
-          </a:p>
-        </p:txBody>
-      </p:sp>
-    </p:spTree>
-    <p:extLst>
-      <p:ext uri="{BB962C8B-B14F-4D97-AF65-F5344CB8AC3E}">
-        <p14:creationId xmlns:p14="http://schemas.microsoft.com/office/powerpoint/2010/main" val="1695892610"/>
-      </p:ext>
-    </p:extLst>
-  </p:cSld>
-  <p:clrMapOvr>
-    <a:masterClrMapping/>
-  </p:clrMapOvr>
-</p:sld>
-</file>
-
-<file path=ppt/slides/slide40.xml><?xml version="1.0" encoding="utf-8"?>
+<file path=ppt/slides/slide37.xml><?xml version="1.0" encoding="utf-8"?>
 <p:sld xmlns:a="http://schemas.openxmlformats.org/drawingml/2006/main" xmlns:r="http://schemas.openxmlformats.org/officeDocument/2006/relationships" xmlns:p="http://schemas.openxmlformats.org/presentationml/2006/main">
   <p:cSld>
     <p:spTree>
@@ -11099,7 +9974,7 @@
 </p:sld>
 </file>
 
-<file path=ppt/slides/slide41.xml><?xml version="1.0" encoding="utf-8"?>
+<file path=ppt/slides/slide38.xml><?xml version="1.0" encoding="utf-8"?>
 <p:sld xmlns:a="http://schemas.openxmlformats.org/drawingml/2006/main" xmlns:r="http://schemas.openxmlformats.org/officeDocument/2006/relationships" xmlns:p="http://schemas.openxmlformats.org/presentationml/2006/main">
   <p:cSld>
     <p:spTree>
@@ -11116,36 +9991,517 @@
           <a:chExt cx="0" cy="0"/>
         </a:xfrm>
       </p:grpSpPr>
-      <p:pic>
-        <p:nvPicPr>
-          <p:cNvPr id="4" name="내용 개체 틀 3"/>
-          <p:cNvPicPr>
-            <a:picLocks noGrp="1" noChangeAspect="1"/>
-          </p:cNvPicPr>
+      <p:sp>
+        <p:nvSpPr>
+          <p:cNvPr id="2" name="제목 1"/>
+          <p:cNvSpPr>
+            <a:spLocks noGrp="1"/>
+          </p:cNvSpPr>
+          <p:nvPr>
+            <p:ph type="title"/>
+          </p:nvPr>
+        </p:nvSpPr>
+        <p:spPr/>
+        <p:txBody>
+          <a:bodyPr/>
+          <a:lstStyle/>
+          <a:p>
+            <a:r>
+              <a:rPr lang="ko-KR" altLang="en-US" b="1" dirty="0"/>
+              <a:t>신문기사 분석하기</a:t>
+            </a:r>
+            <a:r>
+              <a:rPr lang="en-US" altLang="ko-KR" b="1" dirty="0"/>
+              <a:t>(</a:t>
+            </a:r>
+            <a:r>
+              <a:rPr lang="ko-KR" altLang="en-US" b="1" dirty="0"/>
+              <a:t>기사 내용</a:t>
+            </a:r>
+            <a:r>
+              <a:rPr lang="en-US" altLang="ko-KR" b="1" dirty="0"/>
+              <a:t>)</a:t>
+            </a:r>
+            <a:endParaRPr lang="ko-KR" altLang="en-US" b="1" dirty="0"/>
+          </a:p>
+        </p:txBody>
+      </p:sp>
+      <p:sp>
+        <p:nvSpPr>
+          <p:cNvPr id="3" name="내용 개체 틀 2"/>
+          <p:cNvSpPr>
+            <a:spLocks noGrp="1"/>
+          </p:cNvSpPr>
           <p:nvPr>
             <p:ph idx="1"/>
           </p:nvPr>
-        </p:nvPicPr>
-        <p:blipFill>
-          <a:blip r:embed="rId2"/>
-          <a:stretch>
-            <a:fillRect/>
-          </a:stretch>
-        </p:blipFill>
-        <p:spPr>
-          <a:xfrm>
-            <a:off x="1276541" y="1674742"/>
-            <a:ext cx="9638918" cy="3508515"/>
-          </a:xfrm>
-          <a:prstGeom prst="rect">
-            <a:avLst/>
-          </a:prstGeom>
-        </p:spPr>
-      </p:pic>
+        </p:nvSpPr>
+        <p:spPr/>
+        <p:txBody>
+          <a:bodyPr>
+            <a:noAutofit/>
+          </a:bodyPr>
+          <a:lstStyle/>
+          <a:p>
+            <a:pPr marL="0" indent="0">
+              <a:buNone/>
+            </a:pPr>
+            <a:r>
+              <a:rPr lang="en-US" altLang="ko-KR" sz="1100" dirty="0"/>
+              <a:t>(</a:t>
+            </a:r>
+            <a:r>
+              <a:rPr lang="ko-KR" altLang="en-US" sz="1100" dirty="0"/>
+              <a:t>세종</a:t>
+            </a:r>
+            <a:r>
+              <a:rPr lang="en-US" altLang="ko-KR" sz="1100" dirty="0"/>
+              <a:t>=</a:t>
+            </a:r>
+            <a:r>
+              <a:rPr lang="ko-KR" altLang="en-US" sz="1100" dirty="0"/>
+              <a:t>연합뉴스</a:t>
+            </a:r>
+            <a:r>
+              <a:rPr lang="en-US" altLang="ko-KR" sz="1100" dirty="0"/>
+              <a:t>) </a:t>
+            </a:r>
+            <a:r>
+              <a:rPr lang="ko-KR" altLang="en-US" sz="1100" dirty="0"/>
+              <a:t>차대운 기자 </a:t>
+            </a:r>
+            <a:r>
+              <a:rPr lang="en-US" altLang="ko-KR" sz="1100" dirty="0"/>
+              <a:t>= </a:t>
+            </a:r>
+            <a:r>
+              <a:rPr lang="ko-KR" altLang="en-US" sz="1100" dirty="0"/>
+              <a:t>정승일 한국전력 사장은 </a:t>
+            </a:r>
+            <a:r>
+              <a:rPr lang="en-US" altLang="ko-KR" sz="1100" dirty="0"/>
+              <a:t>12</a:t>
+            </a:r>
+            <a:r>
+              <a:rPr lang="ko-KR" altLang="en-US" sz="1100" dirty="0"/>
+              <a:t>일 </a:t>
+            </a:r>
+            <a:r>
+              <a:rPr lang="en-US" altLang="ko-KR" sz="1100" dirty="0"/>
+              <a:t>25</a:t>
+            </a:r>
+            <a:r>
+              <a:rPr lang="ko-KR" altLang="en-US" sz="1100" dirty="0"/>
+              <a:t>조</a:t>
+            </a:r>
+            <a:r>
+              <a:rPr lang="en-US" altLang="ko-KR" sz="1100" dirty="0"/>
+              <a:t>7</a:t>
+            </a:r>
+            <a:r>
+              <a:rPr lang="ko-KR" altLang="en-US" sz="1100" dirty="0"/>
+              <a:t>천억원 규모의 자구안 발표와 함께 사의를 표명했다</a:t>
+            </a:r>
+            <a:r>
+              <a:rPr lang="en-US" altLang="ko-KR" sz="1100" dirty="0"/>
+              <a:t>.</a:t>
+            </a:r>
+          </a:p>
+          <a:p>
+            <a:pPr marL="0" indent="0">
+              <a:buNone/>
+            </a:pPr>
+            <a:r>
+              <a:rPr lang="ko-KR" altLang="en-US" sz="1100" dirty="0"/>
+              <a:t>정 사장은 이날 </a:t>
+            </a:r>
+            <a:r>
+              <a:rPr lang="en-US" altLang="ko-KR" sz="1100" dirty="0"/>
+              <a:t>'</a:t>
+            </a:r>
+            <a:r>
+              <a:rPr lang="ko-KR" altLang="en-US" sz="1100" dirty="0"/>
+              <a:t>전기 요금 정상화와 관련해 국민 여러분께 드리는 말씀</a:t>
+            </a:r>
+            <a:r>
+              <a:rPr lang="en-US" altLang="ko-KR" sz="1100" dirty="0"/>
+              <a:t>'</a:t>
+            </a:r>
+            <a:r>
+              <a:rPr lang="ko-KR" altLang="en-US" sz="1100" dirty="0"/>
+              <a:t>에서 </a:t>
+            </a:r>
+            <a:r>
+              <a:rPr lang="en-US" altLang="ko-KR" sz="1100" dirty="0"/>
+              <a:t>"</a:t>
+            </a:r>
+            <a:r>
+              <a:rPr lang="ko-KR" altLang="en-US" sz="1100" dirty="0"/>
+              <a:t>오늘 자로 한전 사장직을 내려놓고자 한다</a:t>
+            </a:r>
+            <a:r>
+              <a:rPr lang="en-US" altLang="ko-KR" sz="1100" dirty="0"/>
+              <a:t>"</a:t>
+            </a:r>
+            <a:r>
+              <a:rPr lang="ko-KR" altLang="en-US" sz="1100" dirty="0"/>
+              <a:t>고 밝혔다</a:t>
+            </a:r>
+            <a:r>
+              <a:rPr lang="en-US" altLang="ko-KR" sz="1100" dirty="0"/>
+              <a:t>.</a:t>
+            </a:r>
+          </a:p>
+          <a:p>
+            <a:pPr marL="0" indent="0">
+              <a:buNone/>
+            </a:pPr>
+            <a:r>
+              <a:rPr lang="ko-KR" altLang="en-US" sz="1100" dirty="0"/>
+              <a:t>정 사장은 </a:t>
+            </a:r>
+            <a:r>
+              <a:rPr lang="en-US" altLang="ko-KR" sz="1100" dirty="0"/>
+              <a:t>"</a:t>
+            </a:r>
+            <a:r>
+              <a:rPr lang="ko-KR" altLang="en-US" sz="1100" dirty="0"/>
+              <a:t>당분간 한전 경영진을 중심으로 비상경영체제를 운영하고</a:t>
+            </a:r>
+            <a:r>
+              <a:rPr lang="en-US" altLang="ko-KR" sz="1100" dirty="0"/>
+              <a:t>, </a:t>
+            </a:r>
+            <a:r>
+              <a:rPr lang="ko-KR" altLang="en-US" sz="1100" dirty="0"/>
+              <a:t>다가오는 여름철 비상전력 수급의 안정적 운영과 작업현장 산업재해 예방에도 만전을 기할 것</a:t>
+            </a:r>
+            <a:r>
+              <a:rPr lang="en-US" altLang="ko-KR" sz="1100" dirty="0"/>
+              <a:t>"</a:t>
+            </a:r>
+            <a:r>
+              <a:rPr lang="ko-KR" altLang="en-US" sz="1100" dirty="0"/>
+              <a:t>이라고 덧붙였다</a:t>
+            </a:r>
+            <a:r>
+              <a:rPr lang="en-US" altLang="ko-KR" sz="1100" dirty="0"/>
+              <a:t>.</a:t>
+            </a:r>
+          </a:p>
+          <a:p>
+            <a:pPr marL="0" indent="0">
+              <a:buNone/>
+            </a:pPr>
+            <a:r>
+              <a:rPr lang="ko-KR" altLang="en-US" sz="1100" dirty="0"/>
+              <a:t>정 사장은 정부에도 사퇴하겠다는 뜻을 전달했다</a:t>
+            </a:r>
+            <a:r>
+              <a:rPr lang="en-US" altLang="ko-KR" sz="1100" dirty="0"/>
+              <a:t>.</a:t>
+            </a:r>
+          </a:p>
+          <a:p>
+            <a:pPr marL="0" indent="0">
+              <a:buNone/>
+            </a:pPr>
+            <a:r>
+              <a:rPr lang="ko-KR" altLang="en-US" sz="1100" dirty="0"/>
+              <a:t>임면권자인 윤석열 대통령이 정 사장의 사표를 곧바로 수리할지 주목된다</a:t>
+            </a:r>
+            <a:r>
+              <a:rPr lang="en-US" altLang="ko-KR" sz="1100" dirty="0"/>
+              <a:t>.</a:t>
+            </a:r>
+          </a:p>
+          <a:p>
+            <a:pPr marL="0" indent="0">
+              <a:buNone/>
+            </a:pPr>
+            <a:r>
+              <a:rPr lang="ko-KR" altLang="en-US" sz="1100" dirty="0"/>
+              <a:t>여권은 그동안 전 정부 때 임명된 정 사장이 한전 경영난에 책임을 지고 물러날 것을 공개적으로 요구해왔다</a:t>
+            </a:r>
+            <a:r>
+              <a:rPr lang="en-US" altLang="ko-KR" sz="1100" dirty="0"/>
+              <a:t>. </a:t>
+            </a:r>
+            <a:r>
+              <a:rPr lang="ko-KR" altLang="en-US" sz="1100" dirty="0"/>
+              <a:t>정 사장은 산업통상자원부 요직을 거쳤으며</a:t>
+            </a:r>
+            <a:r>
+              <a:rPr lang="en-US" altLang="ko-KR" sz="1100" dirty="0"/>
+              <a:t>, </a:t>
+            </a:r>
+            <a:r>
+              <a:rPr lang="ko-KR" altLang="en-US" sz="1100" dirty="0"/>
+              <a:t>문재인 정부 시절 한국가스공사 사장</a:t>
+            </a:r>
+            <a:r>
+              <a:rPr lang="en-US" altLang="ko-KR" sz="1100" dirty="0"/>
+              <a:t>, </a:t>
+            </a:r>
+            <a:r>
+              <a:rPr lang="ko-KR" altLang="en-US" sz="1100" dirty="0"/>
+              <a:t>산업부 차관을 거쳐 </a:t>
+            </a:r>
+            <a:r>
+              <a:rPr lang="en-US" altLang="ko-KR" sz="1100" dirty="0"/>
+              <a:t>2021</a:t>
+            </a:r>
+            <a:r>
+              <a:rPr lang="ko-KR" altLang="en-US" sz="1100" dirty="0"/>
+              <a:t>년 </a:t>
+            </a:r>
+            <a:r>
+              <a:rPr lang="en-US" altLang="ko-KR" sz="1100" dirty="0"/>
+              <a:t>5</a:t>
+            </a:r>
+            <a:r>
+              <a:rPr lang="ko-KR" altLang="en-US" sz="1100" dirty="0"/>
+              <a:t>월 한전 사장에 임명됐다</a:t>
+            </a:r>
+            <a:r>
+              <a:rPr lang="en-US" altLang="ko-KR" sz="1100" dirty="0"/>
+              <a:t>.</a:t>
+            </a:r>
+          </a:p>
+          <a:p>
+            <a:pPr marL="0" indent="0">
+              <a:buNone/>
+            </a:pPr>
+            <a:r>
+              <a:rPr lang="ko-KR" altLang="en-US" sz="1100" dirty="0"/>
+              <a:t>한전의 경영난에 덧붙여 한전 직원들의 태양광 사업 비리 의혹</a:t>
+            </a:r>
+            <a:r>
+              <a:rPr lang="en-US" altLang="ko-KR" sz="1100" dirty="0"/>
+              <a:t>, </a:t>
+            </a:r>
+            <a:r>
+              <a:rPr lang="ko-KR" altLang="en-US" sz="1100" dirty="0"/>
+              <a:t>한국에너지공대</a:t>
+            </a:r>
+            <a:r>
+              <a:rPr lang="en-US" altLang="ko-KR" sz="1100" dirty="0"/>
+              <a:t>(</a:t>
+            </a:r>
+            <a:r>
+              <a:rPr lang="ko-KR" altLang="en-US" sz="1100" dirty="0"/>
+              <a:t>한전공대</a:t>
+            </a:r>
+            <a:r>
+              <a:rPr lang="en-US" altLang="ko-KR" sz="1100" dirty="0"/>
+              <a:t>) </a:t>
+            </a:r>
+            <a:r>
+              <a:rPr lang="ko-KR" altLang="en-US" sz="1100" dirty="0"/>
+              <a:t>감사 은폐 의혹 등이 제기되면서 여권 내에서 정 사장의 사퇴를 요구하는 목소리는 더욱 커졌다</a:t>
+            </a:r>
+            <a:r>
+              <a:rPr lang="en-US" altLang="ko-KR" sz="1100" dirty="0"/>
+              <a:t>.</a:t>
+            </a:r>
+          </a:p>
+          <a:p>
+            <a:pPr marL="0" indent="0">
+              <a:buNone/>
+            </a:pPr>
+            <a:r>
+              <a:rPr lang="ko-KR" altLang="en-US" sz="1100" dirty="0"/>
+              <a:t>정 사장의 이번 사의 표명이 지난 </a:t>
+            </a:r>
+            <a:r>
+              <a:rPr lang="en-US" altLang="ko-KR" sz="1100" dirty="0"/>
+              <a:t>10</a:t>
+            </a:r>
+            <a:r>
+              <a:rPr lang="ko-KR" altLang="en-US" sz="1100" dirty="0"/>
+              <a:t>일 단행된 산업부 </a:t>
+            </a:r>
+            <a:r>
+              <a:rPr lang="en-US" altLang="ko-KR" sz="1100" dirty="0"/>
+              <a:t>2</a:t>
+            </a:r>
+            <a:r>
+              <a:rPr lang="ko-KR" altLang="en-US" sz="1100" dirty="0"/>
+              <a:t>차관 교체와 맞물린 것 아니냐는 관측도 있다</a:t>
+            </a:r>
+            <a:r>
+              <a:rPr lang="en-US" altLang="ko-KR" sz="1100" dirty="0"/>
+              <a:t>.</a:t>
+            </a:r>
+          </a:p>
+          <a:p>
+            <a:pPr marL="0" indent="0">
+              <a:buNone/>
+            </a:pPr>
+            <a:r>
+              <a:rPr lang="ko-KR" altLang="en-US" sz="1100" dirty="0"/>
+              <a:t>윤 대통령은 지난 </a:t>
+            </a:r>
+            <a:r>
+              <a:rPr lang="en-US" altLang="ko-KR" sz="1100" dirty="0"/>
+              <a:t>9</a:t>
+            </a:r>
+            <a:r>
+              <a:rPr lang="ko-KR" altLang="en-US" sz="1100" dirty="0"/>
+              <a:t>일 국무회의에서 </a:t>
+            </a:r>
+            <a:r>
+              <a:rPr lang="en-US" altLang="ko-KR" sz="1100" dirty="0"/>
+              <a:t>"</a:t>
+            </a:r>
+            <a:r>
+              <a:rPr lang="ko-KR" altLang="en-US" sz="1100" dirty="0"/>
+              <a:t>탈원전</a:t>
+            </a:r>
+            <a:r>
+              <a:rPr lang="en-US" altLang="ko-KR" sz="1100" dirty="0"/>
+              <a:t>, </a:t>
+            </a:r>
+            <a:r>
+              <a:rPr lang="ko-KR" altLang="en-US" sz="1100" dirty="0"/>
+              <a:t>이념적 환경 정책에 매몰돼 새로운 국정 기조에 맞추지 않고 애매한 스탠스를 취한다면 과감하게 인사 조치를 하라</a:t>
+            </a:r>
+            <a:r>
+              <a:rPr lang="en-US" altLang="ko-KR" sz="1100" dirty="0"/>
+              <a:t>"</a:t>
+            </a:r>
+            <a:r>
+              <a:rPr lang="ko-KR" altLang="en-US" sz="1100" dirty="0"/>
+              <a:t>고 지시한 바 있다</a:t>
+            </a:r>
+            <a:r>
+              <a:rPr lang="en-US" altLang="ko-KR" sz="1100" dirty="0"/>
+              <a:t>.</a:t>
+            </a:r>
+          </a:p>
+          <a:p>
+            <a:pPr marL="0" indent="0">
+              <a:buNone/>
+            </a:pPr>
+            <a:r>
+              <a:rPr lang="ko-KR" altLang="en-US" sz="1100" dirty="0"/>
+              <a:t>정 사장은 이날 사퇴를 공식화하면서 한전 경영 정상화를 위해 전기요금 인상이 반드시 필요하다는 견해를 밝혔다</a:t>
+            </a:r>
+            <a:r>
+              <a:rPr lang="en-US" altLang="ko-KR" sz="1100" dirty="0"/>
+              <a:t>.</a:t>
+            </a:r>
+          </a:p>
+          <a:p>
+            <a:pPr marL="0" indent="0">
+              <a:buNone/>
+            </a:pPr>
+            <a:r>
+              <a:rPr lang="ko-KR" altLang="en-US" sz="1100" dirty="0"/>
+              <a:t>정 사장은 </a:t>
+            </a:r>
+            <a:r>
+              <a:rPr lang="en-US" altLang="ko-KR" sz="1100" dirty="0"/>
+              <a:t>"</a:t>
+            </a:r>
+            <a:r>
+              <a:rPr lang="ko-KR" altLang="en-US" sz="1100" dirty="0"/>
+              <a:t>전기요금 정상화는 한전이 경영 정상화로 가는 길에 중요한 디딤돌</a:t>
+            </a:r>
+            <a:r>
+              <a:rPr lang="en-US" altLang="ko-KR" sz="1100" dirty="0"/>
+              <a:t>"</a:t>
+            </a:r>
+            <a:r>
+              <a:rPr lang="ko-KR" altLang="en-US" sz="1100" dirty="0"/>
+              <a:t>이라며 </a:t>
+            </a:r>
+            <a:r>
+              <a:rPr lang="en-US" altLang="ko-KR" sz="1100" dirty="0"/>
+              <a:t>"</a:t>
+            </a:r>
+            <a:r>
+              <a:rPr lang="ko-KR" altLang="en-US" sz="1100" dirty="0"/>
+              <a:t>전력 판매 가격이 구입 가격에 현저히 미달해 요금 정상화가 지연되면 전력의 안정적 공급 차질과 금융시장 왜곡</a:t>
+            </a:r>
+            <a:r>
+              <a:rPr lang="en-US" altLang="ko-KR" sz="1100" dirty="0"/>
+              <a:t>, </a:t>
+            </a:r>
+            <a:r>
+              <a:rPr lang="ko-KR" altLang="en-US" sz="1100" dirty="0"/>
+              <a:t>에너지 산업 생태계 불안 등 경제 전반에 미칠 영향이 적지 않다</a:t>
+            </a:r>
+            <a:r>
+              <a:rPr lang="en-US" altLang="ko-KR" sz="1100" dirty="0"/>
+              <a:t>"</a:t>
+            </a:r>
+            <a:r>
+              <a:rPr lang="ko-KR" altLang="en-US" sz="1100" dirty="0"/>
+              <a:t>고 말했다</a:t>
+            </a:r>
+            <a:r>
+              <a:rPr lang="en-US" altLang="ko-KR" sz="1100" dirty="0"/>
+              <a:t>.</a:t>
+            </a:r>
+          </a:p>
+          <a:p>
+            <a:pPr marL="0" indent="0">
+              <a:buNone/>
+            </a:pPr>
+            <a:r>
+              <a:rPr lang="ko-KR" altLang="en-US" sz="1100" dirty="0"/>
+              <a:t>그러면서 </a:t>
+            </a:r>
+            <a:r>
+              <a:rPr lang="en-US" altLang="ko-KR" sz="1100" dirty="0"/>
+              <a:t>"</a:t>
+            </a:r>
+            <a:r>
+              <a:rPr lang="ko-KR" altLang="en-US" sz="1100" dirty="0"/>
+              <a:t>이를 감안해 전기요금 적기 인상이 불가피하다는 점에 대한 국민 여러분의 깊은 이해를 간곡히 부탁드린다</a:t>
+            </a:r>
+            <a:r>
+              <a:rPr lang="en-US" altLang="ko-KR" sz="1100" dirty="0"/>
+              <a:t>"</a:t>
+            </a:r>
+            <a:r>
+              <a:rPr lang="ko-KR" altLang="en-US" sz="1100" dirty="0"/>
+              <a:t>고 덧붙였다</a:t>
+            </a:r>
+            <a:r>
+              <a:rPr lang="en-US" altLang="ko-KR" sz="1100" dirty="0"/>
+              <a:t>.</a:t>
+            </a:r>
+          </a:p>
+          <a:p>
+            <a:pPr marL="0" indent="0">
+              <a:buNone/>
+            </a:pPr>
+            <a:r>
+              <a:rPr lang="ko-KR" altLang="en-US" sz="1100" dirty="0"/>
+              <a:t>정 사장의 사의 표명과 한전의 자구안 발표가 동시에 이뤄짐에 따라 정부</a:t>
+            </a:r>
+            <a:r>
+              <a:rPr lang="en-US" altLang="ko-KR" sz="1100" dirty="0"/>
+              <a:t>·</a:t>
+            </a:r>
+            <a:r>
+              <a:rPr lang="ko-KR" altLang="en-US" sz="1100" dirty="0"/>
+              <a:t>여당의 전기요금 인상 결정만 남겨놓게 됐다</a:t>
+            </a:r>
+            <a:r>
+              <a:rPr lang="en-US" altLang="ko-KR" sz="1100" dirty="0"/>
+              <a:t>.</a:t>
+            </a:r>
+            <a:endParaRPr lang="ko-KR" altLang="en-US" sz="1100" dirty="0"/>
+          </a:p>
+        </p:txBody>
+      </p:sp>
     </p:spTree>
     <p:extLst>
       <p:ext uri="{BB962C8B-B14F-4D97-AF65-F5344CB8AC3E}">
-        <p14:creationId xmlns:p14="http://schemas.microsoft.com/office/powerpoint/2010/main" val="4008646571"/>
+        <p14:creationId xmlns:p14="http://schemas.microsoft.com/office/powerpoint/2010/main" val="673999066"/>
       </p:ext>
     </p:extLst>
   </p:cSld>
@@ -11155,7 +10511,7 @@
 </p:sld>
 </file>
 
-<file path=ppt/slides/slide42.xml><?xml version="1.0" encoding="utf-8"?>
+<file path=ppt/slides/slide39.xml><?xml version="1.0" encoding="utf-8"?>
 <p:sld xmlns:a="http://schemas.openxmlformats.org/drawingml/2006/main" xmlns:r="http://schemas.openxmlformats.org/officeDocument/2006/relationships" xmlns:p="http://schemas.openxmlformats.org/presentationml/2006/main">
   <p:cSld>
     <p:spTree>
@@ -11188,43 +10544,119 @@
           <a:lstStyle/>
           <a:p>
             <a:r>
-              <a:rPr lang="ko-KR" altLang="en-US" b="1" dirty="0" smtClean="0"/>
-              <a:t>안 풀리는 수학문제</a:t>
+              <a:rPr lang="ko-KR" altLang="en-US" b="1" dirty="0"/>
+              <a:t>신문기사 분석하기</a:t>
+            </a:r>
+            <a:r>
+              <a:rPr lang="en-US" altLang="ko-KR" b="1" dirty="0"/>
+              <a:t>(</a:t>
+            </a:r>
+            <a:r>
+              <a:rPr lang="ko-KR" altLang="en-US" b="1" dirty="0"/>
+              <a:t>질문 하기</a:t>
+            </a:r>
+            <a:r>
+              <a:rPr lang="en-US" altLang="ko-KR" b="1" dirty="0"/>
+              <a:t>)</a:t>
             </a:r>
             <a:endParaRPr lang="ko-KR" altLang="en-US" b="1" dirty="0"/>
           </a:p>
         </p:txBody>
       </p:sp>
-      <p:pic>
-        <p:nvPicPr>
-          <p:cNvPr id="4" name="내용 개체 틀 3"/>
-          <p:cNvPicPr>
-            <a:picLocks noGrp="1" noChangeAspect="1"/>
-          </p:cNvPicPr>
+      <p:sp>
+        <p:nvSpPr>
+          <p:cNvPr id="3" name="내용 개체 틀 2"/>
+          <p:cNvSpPr>
+            <a:spLocks noGrp="1"/>
+          </p:cNvSpPr>
           <p:nvPr>
             <p:ph idx="1"/>
           </p:nvPr>
-        </p:nvPicPr>
-        <p:blipFill>
-          <a:blip r:embed="rId2"/>
-          <a:stretch>
-            <a:fillRect/>
-          </a:stretch>
-        </p:blipFill>
-        <p:spPr>
-          <a:xfrm>
-            <a:off x="3640929" y="1825625"/>
-            <a:ext cx="4910142" cy="4351338"/>
-          </a:xfrm>
-          <a:prstGeom prst="rect">
-            <a:avLst/>
-          </a:prstGeom>
-        </p:spPr>
-      </p:pic>
+        </p:nvSpPr>
+        <p:spPr/>
+        <p:txBody>
+          <a:bodyPr>
+            <a:normAutofit/>
+          </a:bodyPr>
+          <a:lstStyle/>
+          <a:p>
+            <a:pPr marL="0" indent="0">
+              <a:lnSpc>
+                <a:spcPct val="150000"/>
+              </a:lnSpc>
+              <a:buNone/>
+            </a:pPr>
+            <a:r>
+              <a:rPr lang="en-US" altLang="ko-KR" sz="2400" dirty="0"/>
+              <a:t>1) </a:t>
+            </a:r>
+            <a:r>
+              <a:rPr lang="ko-KR" altLang="en-US" sz="2400" dirty="0"/>
+              <a:t>위 기사는 긍정인가 부정인가</a:t>
+            </a:r>
+            <a:r>
+              <a:rPr lang="en-US" altLang="ko-KR" sz="2400" dirty="0"/>
+              <a:t>?</a:t>
+            </a:r>
+          </a:p>
+          <a:p>
+            <a:pPr marL="0" indent="0">
+              <a:lnSpc>
+                <a:spcPct val="150000"/>
+              </a:lnSpc>
+              <a:buNone/>
+            </a:pPr>
+            <a:r>
+              <a:rPr lang="en-US" altLang="ko-KR" sz="2400" dirty="0"/>
+              <a:t>2) 1)</a:t>
+            </a:r>
+            <a:r>
+              <a:rPr lang="ko-KR" altLang="en-US" sz="2400" dirty="0"/>
+              <a:t>번 질문의 이유 설명</a:t>
+            </a:r>
+          </a:p>
+          <a:p>
+            <a:pPr marL="0" indent="0">
+              <a:lnSpc>
+                <a:spcPct val="150000"/>
+              </a:lnSpc>
+              <a:buNone/>
+            </a:pPr>
+            <a:r>
+              <a:rPr lang="en-US" altLang="ko-KR" sz="2400" dirty="0"/>
+              <a:t>3) </a:t>
+            </a:r>
+            <a:r>
+              <a:rPr lang="ko-KR" altLang="en-US" sz="2400" dirty="0"/>
+              <a:t>기사의 주요 인물은 누구인가</a:t>
+            </a:r>
+            <a:r>
+              <a:rPr lang="en-US" altLang="ko-KR" sz="2400" dirty="0"/>
+              <a:t>?</a:t>
+            </a:r>
+          </a:p>
+          <a:p>
+            <a:pPr marL="0" indent="0">
+              <a:lnSpc>
+                <a:spcPct val="150000"/>
+              </a:lnSpc>
+              <a:buNone/>
+            </a:pPr>
+            <a:r>
+              <a:rPr lang="en-US" altLang="ko-KR" sz="2400" dirty="0"/>
+              <a:t>4) 3</a:t>
+            </a:r>
+            <a:r>
+              <a:rPr lang="ko-KR" altLang="en-US" sz="2400" dirty="0"/>
+              <a:t>번 질문의 이유 설명</a:t>
+            </a:r>
+          </a:p>
+        </p:txBody>
+      </p:sp>
     </p:spTree>
     <p:extLst>
       <p:ext uri="{BB962C8B-B14F-4D97-AF65-F5344CB8AC3E}">
-        <p14:creationId xmlns:p14="http://schemas.microsoft.com/office/powerpoint/2010/main" val="1088726359"/>
+        <p14:creationId xmlns:p14="http://schemas.microsoft.com/office/powerpoint/2010/main" val="4230330552"/>
       </p:ext>
     </p:extLst>
   </p:cSld>
@@ -11234,7 +10666,7 @@
 </p:sld>
 </file>
 
-<file path=ppt/slides/slide43.xml><?xml version="1.0" encoding="utf-8"?>
+<file path=ppt/slides/slide4.xml><?xml version="1.0" encoding="utf-8"?>
 <p:sld xmlns:a="http://schemas.openxmlformats.org/drawingml/2006/main" xmlns:r="http://schemas.openxmlformats.org/officeDocument/2006/relationships" xmlns:p="http://schemas.openxmlformats.org/presentationml/2006/main">
   <p:cSld>
     <p:spTree>
@@ -11267,10 +10699,10 @@
           <a:lstStyle/>
           <a:p>
             <a:r>
-              <a:rPr lang="ko-KR" altLang="en-US" b="1" dirty="0" smtClean="0">
+              <a:rPr lang="ko-KR" altLang="en-US" b="1" dirty="0">
                 <a:hlinkClick r:id="rId2"/>
               </a:rPr>
-              <a:t>안 풀리는 수학문제</a:t>
+              <a:t>이메일 작성 프롬프트</a:t>
             </a:r>
             <a:endParaRPr lang="ko-KR" altLang="en-US" b="1" dirty="0"/>
           </a:p>
@@ -11288,41 +10720,431 @@
         </p:nvSpPr>
         <p:spPr/>
         <p:txBody>
-          <a:bodyPr/>
+          <a:bodyPr>
+            <a:normAutofit fontScale="40000" lnSpcReduction="20000"/>
+          </a:bodyPr>
           <a:lstStyle/>
           <a:p>
-            <a:pPr>
-              <a:lnSpc>
-                <a:spcPct val="150000"/>
-              </a:lnSpc>
-            </a:pPr>
-            <a:r>
-              <a:rPr lang="ko-KR" altLang="en-US" dirty="0"/>
-              <a:t>아빠와 엄마에게 각각 </a:t>
-            </a:r>
-            <a:r>
-              <a:rPr lang="en-US" altLang="ko-KR" dirty="0"/>
-              <a:t>500</a:t>
-            </a:r>
-            <a:r>
-              <a:rPr lang="ko-KR" altLang="en-US" dirty="0"/>
-              <a:t>원을 빌리고 총 </a:t>
-            </a:r>
-            <a:r>
-              <a:rPr lang="en-US" altLang="ko-KR" dirty="0"/>
-              <a:t>1000</a:t>
-            </a:r>
-            <a:r>
-              <a:rPr lang="ko-KR" altLang="en-US" dirty="0"/>
-              <a:t>원으로 </a:t>
-            </a:r>
-            <a:r>
-              <a:rPr lang="en-US" altLang="ko-KR" dirty="0"/>
-              <a:t>970</a:t>
-            </a:r>
-            <a:r>
-              <a:rPr lang="ko-KR" altLang="en-US" dirty="0"/>
-              <a:t>원짜리 과자를 샀다</a:t>
+            <a:pPr marL="0" indent="0">
+              <a:buNone/>
+            </a:pPr>
+            <a:r>
+              <a:rPr lang="en-US" altLang="ko-KR" b="1" dirty="0"/>
+              <a:t>[</a:t>
+            </a:r>
+            <a:r>
+              <a:rPr lang="ko-KR" altLang="en-US" b="1" dirty="0"/>
+              <a:t>요청</a:t>
+            </a:r>
+            <a:r>
+              <a:rPr lang="en-US" altLang="ko-KR" b="1" dirty="0"/>
+              <a:t>]</a:t>
+            </a:r>
+          </a:p>
+          <a:p>
+            <a:pPr marL="0" indent="0">
+              <a:buNone/>
+            </a:pPr>
+            <a:r>
+              <a:rPr lang="en-US" altLang="ko-KR" dirty="0"/>
+              <a:t>1. </a:t>
+            </a:r>
+            <a:r>
+              <a:rPr lang="en-US" altLang="ko-KR" dirty="0" err="1"/>
+              <a:t>ChatGPT</a:t>
+            </a:r>
+            <a:r>
+              <a:rPr lang="ko-KR" altLang="en-US" dirty="0"/>
+              <a:t>는 비즈니스 메일 작성 전문가로 역할을 수행해야 하며</a:t>
+            </a:r>
+            <a:r>
+              <a:rPr lang="en-US" altLang="ko-KR" dirty="0"/>
+              <a:t>, </a:t>
+            </a:r>
+            <a:r>
+              <a:rPr lang="ko-KR" altLang="en-US" dirty="0"/>
+              <a:t>최적의 이메일 작성을 위한 지원을 제공해야 한다</a:t>
+            </a:r>
+            <a:r>
+              <a:rPr lang="en-US" altLang="ko-KR" dirty="0"/>
+              <a:t>.</a:t>
+            </a:r>
+          </a:p>
+          <a:p>
+            <a:pPr marL="0" indent="0">
+              <a:buNone/>
+            </a:pPr>
+            <a:r>
+              <a:rPr lang="en-US" altLang="ko-KR" dirty="0"/>
+              <a:t>2. </a:t>
+            </a:r>
+            <a:r>
+              <a:rPr lang="ko-KR" altLang="en-US" dirty="0"/>
+              <a:t>이메일 생성에 필요한 모든 조건과 정보는 단계적으로 쿼리해야 한다</a:t>
+            </a:r>
+            <a:r>
+              <a:rPr lang="en-US" altLang="ko-KR" dirty="0"/>
+              <a:t>.</a:t>
+            </a:r>
+          </a:p>
+          <a:p>
+            <a:pPr marL="0" indent="0">
+              <a:buNone/>
+            </a:pPr>
+            <a:r>
+              <a:rPr lang="en-US" altLang="ko-KR" dirty="0"/>
+              <a:t>3. </a:t>
+            </a:r>
+            <a:r>
+              <a:rPr lang="en-US" altLang="ko-KR" dirty="0" err="1"/>
+              <a:t>ChatGPT</a:t>
+            </a:r>
+            <a:r>
+              <a:rPr lang="ko-KR" altLang="en-US" dirty="0"/>
+              <a:t>는 사용자의 입력에 따라</a:t>
+            </a:r>
+            <a:r>
+              <a:rPr lang="en-US" altLang="ko-KR" dirty="0"/>
+              <a:t>, </a:t>
+            </a:r>
+            <a:r>
+              <a:rPr lang="ko-KR" altLang="en-US" dirty="0"/>
+              <a:t>사용자가 모든 이메일 정보와 조건을 만족할 때까지 계속해서 도움을 제공해야 한다</a:t>
+            </a:r>
+            <a:r>
+              <a:rPr lang="en-US" altLang="ko-KR" dirty="0"/>
+              <a:t>.</a:t>
+            </a:r>
+          </a:p>
+          <a:p>
+            <a:pPr marL="0" indent="0">
+              <a:buNone/>
+            </a:pPr>
+            <a:endParaRPr lang="en-US" altLang="ko-KR" dirty="0"/>
+          </a:p>
+          <a:p>
+            <a:pPr marL="0" indent="0">
+              <a:buNone/>
+            </a:pPr>
+            <a:r>
+              <a:rPr lang="en-US" altLang="ko-KR" b="1" dirty="0"/>
+              <a:t>[</a:t>
+            </a:r>
+            <a:r>
+              <a:rPr lang="ko-KR" altLang="en-US" b="1" dirty="0"/>
+              <a:t>이메일 정보</a:t>
+            </a:r>
+            <a:r>
+              <a:rPr lang="en-US" altLang="ko-KR" b="1" dirty="0"/>
+              <a:t>]</a:t>
+            </a:r>
+          </a:p>
+          <a:p>
+            <a:pPr marL="0" indent="0">
+              <a:buNone/>
+            </a:pPr>
+            <a:r>
+              <a:rPr lang="ko-KR" altLang="en-US" dirty="0"/>
+              <a:t>이메일 작성을 위해</a:t>
+            </a:r>
+            <a:r>
+              <a:rPr lang="en-US" altLang="ko-KR" dirty="0"/>
+              <a:t>, </a:t>
+            </a:r>
+            <a:r>
+              <a:rPr lang="ko-KR" altLang="en-US" dirty="0"/>
+              <a:t>다음의 정보를 쿼리해야 한다</a:t>
+            </a:r>
+            <a:r>
+              <a:rPr lang="en-US" altLang="ko-KR" dirty="0"/>
+              <a:t>:</a:t>
+            </a:r>
+          </a:p>
+          <a:p>
+            <a:pPr marL="0" indent="0">
+              <a:buNone/>
+            </a:pPr>
+            <a:r>
+              <a:rPr lang="en-US" altLang="ko-KR" dirty="0"/>
+              <a:t>1. </a:t>
+            </a:r>
+            <a:r>
+              <a:rPr lang="ko-KR" altLang="en-US" dirty="0"/>
+              <a:t>이메일의 목적</a:t>
+            </a:r>
+          </a:p>
+          <a:p>
+            <a:pPr marL="0" indent="0">
+              <a:buNone/>
+            </a:pPr>
+            <a:r>
+              <a:rPr lang="en-US" altLang="ko-KR" dirty="0"/>
+              <a:t>2. </a:t>
+            </a:r>
+            <a:r>
+              <a:rPr lang="ko-KR" altLang="en-US" dirty="0"/>
+              <a:t>이메일에서 언급할 장소</a:t>
+            </a:r>
+          </a:p>
+          <a:p>
+            <a:pPr marL="0" indent="0">
+              <a:buNone/>
+            </a:pPr>
+            <a:r>
+              <a:rPr lang="en-US" altLang="ko-KR" dirty="0"/>
+              <a:t>3. </a:t>
+            </a:r>
+            <a:r>
+              <a:rPr lang="ko-KR" altLang="en-US" dirty="0"/>
+              <a:t>이메일에서 언급할 시간</a:t>
+            </a:r>
+            <a:r>
+              <a:rPr lang="en-US" altLang="ko-KR" dirty="0"/>
+              <a:t>: </a:t>
+            </a:r>
+            <a:r>
+              <a:rPr lang="ko-KR" altLang="en-US" dirty="0"/>
+              <a:t>년</a:t>
+            </a:r>
+            <a:r>
+              <a:rPr lang="en-US" altLang="ko-KR" dirty="0"/>
+              <a:t>/</a:t>
+            </a:r>
+            <a:r>
+              <a:rPr lang="ko-KR" altLang="en-US" dirty="0"/>
+              <a:t>월</a:t>
+            </a:r>
+            <a:r>
+              <a:rPr lang="en-US" altLang="ko-KR" dirty="0"/>
+              <a:t>/</a:t>
+            </a:r>
+            <a:r>
+              <a:rPr lang="ko-KR" altLang="en-US" dirty="0"/>
+              <a:t>일</a:t>
+            </a:r>
+            <a:r>
+              <a:rPr lang="en-US" altLang="ko-KR" dirty="0"/>
+              <a:t>, </a:t>
+            </a:r>
+            <a:r>
+              <a:rPr lang="ko-KR" altLang="en-US" dirty="0"/>
+              <a:t>시간 정보를 입력해야 한다</a:t>
+            </a:r>
+            <a:r>
+              <a:rPr lang="en-US" altLang="ko-KR" dirty="0"/>
+              <a:t>.</a:t>
+            </a:r>
+          </a:p>
+          <a:p>
+            <a:pPr marL="0" indent="0">
+              <a:buNone/>
+            </a:pPr>
+            <a:r>
+              <a:rPr lang="en-US" altLang="ko-KR" dirty="0"/>
+              <a:t>4. </a:t>
+            </a:r>
+            <a:r>
+              <a:rPr lang="ko-KR" altLang="en-US" dirty="0"/>
+              <a:t>이메일의 맺음말</a:t>
+            </a:r>
+          </a:p>
+          <a:p>
+            <a:pPr marL="0" indent="0">
+              <a:buNone/>
+            </a:pPr>
+            <a:endParaRPr lang="ko-KR" altLang="en-US" dirty="0"/>
+          </a:p>
+          <a:p>
+            <a:pPr marL="0" indent="0">
+              <a:buNone/>
+            </a:pPr>
+            <a:r>
+              <a:rPr lang="en-US" altLang="ko-KR" b="1" dirty="0"/>
+              <a:t>[</a:t>
+            </a:r>
+            <a:r>
+              <a:rPr lang="ko-KR" altLang="en-US" b="1" dirty="0"/>
+              <a:t>조건</a:t>
+            </a:r>
+            <a:r>
+              <a:rPr lang="en-US" altLang="ko-KR" b="1" dirty="0"/>
+              <a:t>]</a:t>
+            </a:r>
+          </a:p>
+          <a:p>
+            <a:pPr marL="0" indent="0">
+              <a:buNone/>
+            </a:pPr>
+            <a:r>
+              <a:rPr lang="en-US" altLang="ko-KR" dirty="0"/>
+              <a:t>1. </a:t>
+            </a:r>
+            <a:r>
+              <a:rPr lang="ko-KR" altLang="en-US" dirty="0"/>
+              <a:t>이메일의 스타일</a:t>
+            </a:r>
+            <a:r>
+              <a:rPr lang="en-US" altLang="ko-KR" dirty="0"/>
+              <a:t>: </a:t>
+            </a:r>
+            <a:r>
+              <a:rPr lang="ko-KR" altLang="en-US" dirty="0"/>
+              <a:t>전문적</a:t>
+            </a:r>
+            <a:r>
+              <a:rPr lang="en-US" altLang="ko-KR" dirty="0"/>
+              <a:t>, </a:t>
+            </a:r>
+            <a:r>
+              <a:rPr lang="ko-KR" altLang="en-US" dirty="0"/>
+              <a:t>유머러스</a:t>
+            </a:r>
+            <a:r>
+              <a:rPr lang="en-US" altLang="ko-KR" dirty="0"/>
+              <a:t>, </a:t>
+            </a:r>
+            <a:r>
+              <a:rPr lang="ko-KR" altLang="en-US" dirty="0"/>
+              <a:t>권위적 중에서 사용자가 선택한 스타일에 따라 이메일을 작성해야 한다</a:t>
+            </a:r>
+            <a:r>
+              <a:rPr lang="en-US" altLang="ko-KR" dirty="0"/>
+              <a:t>.</a:t>
+            </a:r>
+          </a:p>
+          <a:p>
+            <a:pPr marL="0" indent="0">
+              <a:buNone/>
+            </a:pPr>
+            <a:r>
+              <a:rPr lang="en-US" altLang="ko-KR" dirty="0"/>
+              <a:t>2. </a:t>
+            </a:r>
+            <a:r>
+              <a:rPr lang="ko-KR" altLang="en-US" dirty="0"/>
+              <a:t>사용자가 요청하는 경우</a:t>
+            </a:r>
+            <a:r>
+              <a:rPr lang="en-US" altLang="ko-KR" dirty="0"/>
+              <a:t>, </a:t>
+            </a:r>
+            <a:r>
+              <a:rPr lang="ko-KR" altLang="en-US" dirty="0"/>
+              <a:t>이메일 정보의 특정 항목</a:t>
+            </a:r>
+            <a:r>
+              <a:rPr lang="en-US" altLang="ko-KR" dirty="0"/>
+              <a:t>(</a:t>
+            </a:r>
+            <a:r>
+              <a:rPr lang="ko-KR" altLang="en-US" dirty="0"/>
+              <a:t>목적</a:t>
+            </a:r>
+            <a:r>
+              <a:rPr lang="en-US" altLang="ko-KR" dirty="0"/>
+              <a:t>, </a:t>
+            </a:r>
+            <a:r>
+              <a:rPr lang="ko-KR" altLang="en-US" dirty="0"/>
+              <a:t>장소</a:t>
+            </a:r>
+            <a:r>
+              <a:rPr lang="en-US" altLang="ko-KR" dirty="0"/>
+              <a:t>, </a:t>
+            </a:r>
+            <a:r>
+              <a:rPr lang="ko-KR" altLang="en-US" dirty="0"/>
+              <a:t>시간</a:t>
+            </a:r>
+            <a:r>
+              <a:rPr lang="en-US" altLang="ko-KR" dirty="0"/>
+              <a:t>, </a:t>
+            </a:r>
+            <a:r>
+              <a:rPr lang="ko-KR" altLang="en-US" dirty="0"/>
+              <a:t>맺음말</a:t>
+            </a:r>
+            <a:r>
+              <a:rPr lang="en-US" altLang="ko-KR" dirty="0"/>
+              <a:t>)</a:t>
+            </a:r>
+            <a:r>
+              <a:rPr lang="ko-KR" altLang="en-US" dirty="0"/>
+              <a:t>을 제외해야 한다</a:t>
+            </a:r>
+            <a:r>
+              <a:rPr lang="en-US" altLang="ko-KR" dirty="0"/>
+              <a:t>.</a:t>
+            </a:r>
+          </a:p>
+          <a:p>
+            <a:pPr marL="0" indent="0">
+              <a:buNone/>
+            </a:pPr>
+            <a:r>
+              <a:rPr lang="en-US" altLang="ko-KR" dirty="0"/>
+              <a:t>3. </a:t>
+            </a:r>
+            <a:r>
+              <a:rPr lang="ko-KR" altLang="en-US" dirty="0"/>
+              <a:t>이메일의 제목</a:t>
+            </a:r>
+            <a:r>
+              <a:rPr lang="en-US" altLang="ko-KR" dirty="0"/>
+              <a:t>: "</a:t>
+            </a:r>
+            <a:r>
+              <a:rPr lang="ko-KR" altLang="en-US" dirty="0"/>
+              <a:t>목적</a:t>
+            </a:r>
+            <a:r>
+              <a:rPr lang="en-US" altLang="ko-KR" dirty="0"/>
+              <a:t>"</a:t>
+            </a:r>
+            <a:r>
+              <a:rPr lang="ko-KR" altLang="en-US" dirty="0"/>
+              <a:t>을 기반으로 가장 적합한 제목 </a:t>
+            </a:r>
+            <a:r>
+              <a:rPr lang="en-US" altLang="ko-KR" dirty="0"/>
+              <a:t>6</a:t>
+            </a:r>
+            <a:r>
+              <a:rPr lang="ko-KR" altLang="en-US" dirty="0"/>
+              <a:t>개를 사용자에게 제시하고</a:t>
+            </a:r>
+            <a:r>
+              <a:rPr lang="en-US" altLang="ko-KR" dirty="0"/>
+              <a:t>, </a:t>
+            </a:r>
+            <a:r>
+              <a:rPr lang="ko-KR" altLang="en-US" dirty="0"/>
+              <a:t>사용자가 선택한 제목을 이메일 제목으로 사용해야 한다</a:t>
+            </a:r>
+            <a:r>
+              <a:rPr lang="en-US" altLang="ko-KR" dirty="0"/>
+              <a:t>.</a:t>
+            </a:r>
+          </a:p>
+          <a:p>
+            <a:pPr marL="0" indent="0">
+              <a:buNone/>
+            </a:pPr>
+            <a:r>
+              <a:rPr lang="en-US" altLang="ko-KR" dirty="0"/>
+              <a:t>4. </a:t>
+            </a:r>
+            <a:r>
+              <a:rPr lang="ko-KR" altLang="en-US" dirty="0"/>
+              <a:t>이메일에 데이터가 포함될 경우</a:t>
+            </a:r>
+            <a:r>
+              <a:rPr lang="en-US" altLang="ko-KR" dirty="0"/>
+              <a:t>, </a:t>
+            </a:r>
+            <a:r>
+              <a:rPr lang="ko-KR" altLang="en-US" dirty="0"/>
+              <a:t>해당 데이터를 표로 표현해야 한다</a:t>
             </a:r>
             <a:r>
               <a:rPr lang="en-US" altLang="ko-KR" dirty="0"/>
@@ -11330,119 +11152,11 @@
             </a:r>
             <a:r>
               <a:rPr lang="ko-KR" altLang="en-US" dirty="0"/>
-              <a:t>거스름돈 </a:t>
-            </a:r>
-            <a:r>
-              <a:rPr lang="en-US" altLang="ko-KR" dirty="0"/>
-              <a:t>30</a:t>
-            </a:r>
-            <a:r>
-              <a:rPr lang="ko-KR" altLang="en-US" dirty="0"/>
-              <a:t>원으로 아빠 </a:t>
-            </a:r>
-            <a:r>
-              <a:rPr lang="en-US" altLang="ko-KR" dirty="0"/>
-              <a:t>10</a:t>
-            </a:r>
-            <a:r>
-              <a:rPr lang="ko-KR" altLang="en-US" dirty="0"/>
-              <a:t>원</a:t>
-            </a:r>
-            <a:r>
-              <a:rPr lang="en-US" altLang="ko-KR" dirty="0"/>
-              <a:t>, </a:t>
-            </a:r>
-            <a:r>
-              <a:rPr lang="ko-KR" altLang="en-US" dirty="0"/>
-              <a:t>엄마 </a:t>
-            </a:r>
-            <a:r>
-              <a:rPr lang="en-US" altLang="ko-KR" dirty="0"/>
-              <a:t>10</a:t>
-            </a:r>
-            <a:r>
-              <a:rPr lang="ko-KR" altLang="en-US" dirty="0"/>
-              <a:t>원을 갚고 나머지 </a:t>
-            </a:r>
-            <a:r>
-              <a:rPr lang="en-US" altLang="ko-KR" dirty="0"/>
-              <a:t>10</a:t>
-            </a:r>
-            <a:r>
-              <a:rPr lang="ko-KR" altLang="en-US" dirty="0"/>
-              <a:t>원은 내가 가졌다</a:t>
-            </a:r>
-            <a:r>
-              <a:rPr lang="en-US" altLang="ko-KR" dirty="0"/>
-              <a:t>. </a:t>
-            </a:r>
-            <a:r>
-              <a:rPr lang="ko-KR" altLang="en-US" dirty="0"/>
-              <a:t>그러면 엄마 아빠한테 각각 </a:t>
-            </a:r>
-            <a:r>
-              <a:rPr lang="en-US" altLang="ko-KR" dirty="0"/>
-              <a:t>490</a:t>
-            </a:r>
-            <a:r>
-              <a:rPr lang="ko-KR" altLang="en-US" dirty="0"/>
-              <a:t>씩 총 </a:t>
-            </a:r>
-            <a:r>
-              <a:rPr lang="en-US" altLang="ko-KR" dirty="0"/>
-              <a:t>980</a:t>
-            </a:r>
-            <a:r>
-              <a:rPr lang="ko-KR" altLang="en-US" dirty="0"/>
-              <a:t>원을 </a:t>
-            </a:r>
-            <a:r>
-              <a:rPr lang="ko-KR" altLang="en-US" dirty="0" err="1"/>
-              <a:t>빚진건데</a:t>
-            </a:r>
-            <a:r>
-              <a:rPr lang="en-US" altLang="ko-KR" dirty="0"/>
-              <a:t>, </a:t>
-            </a:r>
-            <a:r>
-              <a:rPr lang="ko-KR" altLang="en-US" dirty="0"/>
-              <a:t>내가 가진 </a:t>
-            </a:r>
-            <a:r>
-              <a:rPr lang="en-US" altLang="ko-KR" dirty="0"/>
-              <a:t>10</a:t>
-            </a:r>
-            <a:r>
-              <a:rPr lang="ko-KR" altLang="en-US" dirty="0"/>
-              <a:t>원을 포함하면 </a:t>
-            </a:r>
-            <a:r>
-              <a:rPr lang="en-US" altLang="ko-KR" dirty="0"/>
-              <a:t>990</a:t>
-            </a:r>
-            <a:r>
-              <a:rPr lang="ko-KR" altLang="en-US" dirty="0"/>
-              <a:t>원이다</a:t>
-            </a:r>
-            <a:r>
-              <a:rPr lang="en-US" altLang="ko-KR" dirty="0"/>
-              <a:t>. </a:t>
-            </a:r>
-            <a:r>
-              <a:rPr lang="ko-KR" altLang="en-US" dirty="0"/>
-              <a:t>나머지 </a:t>
-            </a:r>
-            <a:r>
-              <a:rPr lang="en-US" altLang="ko-KR" dirty="0"/>
-              <a:t>10</a:t>
-            </a:r>
-            <a:r>
-              <a:rPr lang="ko-KR" altLang="en-US" dirty="0"/>
-              <a:t>원은 어디로 갔을까</a:t>
-            </a:r>
-            <a:r>
-              <a:rPr lang="en-US" altLang="ko-KR" dirty="0"/>
-              <a:t>?</a:t>
+              <a:t>이를 위해 데이터의 존재 여부를 사용자에게 쿼리해야 한다</a:t>
+            </a:r>
+            <a:r>
+              <a:rPr lang="en-US" altLang="ko-KR" dirty="0"/>
+              <a:t>.</a:t>
             </a:r>
             <a:endParaRPr lang="ko-KR" altLang="en-US" dirty="0"/>
           </a:p>
@@ -11451,1686 +11165,7 @@
     </p:spTree>
     <p:extLst>
       <p:ext uri="{BB962C8B-B14F-4D97-AF65-F5344CB8AC3E}">
-        <p14:creationId xmlns:p14="http://schemas.microsoft.com/office/powerpoint/2010/main" val="3496220630"/>
-      </p:ext>
-    </p:extLst>
-  </p:cSld>
-  <p:clrMapOvr>
-    <a:masterClrMapping/>
-  </p:clrMapOvr>
-</p:sld>
-</file>
-
-<file path=ppt/slides/slide44.xml><?xml version="1.0" encoding="utf-8"?>
-<p:sld xmlns:a="http://schemas.openxmlformats.org/drawingml/2006/main" xmlns:r="http://schemas.openxmlformats.org/officeDocument/2006/relationships" xmlns:p="http://schemas.openxmlformats.org/presentationml/2006/main">
-  <p:cSld>
-    <p:spTree>
-      <p:nvGrpSpPr>
-        <p:cNvPr id="1" name=""/>
-        <p:cNvGrpSpPr/>
-        <p:nvPr/>
-      </p:nvGrpSpPr>
-      <p:grpSpPr>
-        <a:xfrm>
-          <a:off x="0" y="0"/>
-          <a:ext cx="0" cy="0"/>
-          <a:chOff x="0" y="0"/>
-          <a:chExt cx="0" cy="0"/>
-        </a:xfrm>
-      </p:grpSpPr>
-      <p:sp>
-        <p:nvSpPr>
-          <p:cNvPr id="2" name="제목 1"/>
-          <p:cNvSpPr>
-            <a:spLocks noGrp="1"/>
-          </p:cNvSpPr>
-          <p:nvPr>
-            <p:ph type="title"/>
-          </p:nvPr>
-        </p:nvSpPr>
-        <p:spPr/>
-        <p:txBody>
-          <a:bodyPr/>
-          <a:lstStyle/>
-          <a:p>
-            <a:r>
-              <a:rPr lang="ko-KR" altLang="en-US" b="1" dirty="0"/>
-              <a:t>신문기사 분석하기</a:t>
-            </a:r>
-            <a:r>
-              <a:rPr lang="en-US" altLang="ko-KR" b="1" dirty="0"/>
-              <a:t>(</a:t>
-            </a:r>
-            <a:r>
-              <a:rPr lang="ko-KR" altLang="en-US" b="1" dirty="0"/>
-              <a:t>기사 내용</a:t>
-            </a:r>
-            <a:r>
-              <a:rPr lang="en-US" altLang="ko-KR" b="1" dirty="0"/>
-              <a:t>)</a:t>
-            </a:r>
-            <a:endParaRPr lang="ko-KR" altLang="en-US" b="1" dirty="0"/>
-          </a:p>
-        </p:txBody>
-      </p:sp>
-      <p:sp>
-        <p:nvSpPr>
-          <p:cNvPr id="3" name="내용 개체 틀 2"/>
-          <p:cNvSpPr>
-            <a:spLocks noGrp="1"/>
-          </p:cNvSpPr>
-          <p:nvPr>
-            <p:ph idx="1"/>
-          </p:nvPr>
-        </p:nvSpPr>
-        <p:spPr/>
-        <p:txBody>
-          <a:bodyPr>
-            <a:noAutofit/>
-          </a:bodyPr>
-          <a:lstStyle/>
-          <a:p>
-            <a:pPr marL="0" indent="0">
-              <a:buNone/>
-            </a:pPr>
-            <a:r>
-              <a:rPr lang="en-US" altLang="ko-KR" sz="1100" dirty="0"/>
-              <a:t>(</a:t>
-            </a:r>
-            <a:r>
-              <a:rPr lang="ko-KR" altLang="en-US" sz="1100" dirty="0"/>
-              <a:t>세종</a:t>
-            </a:r>
-            <a:r>
-              <a:rPr lang="en-US" altLang="ko-KR" sz="1100" dirty="0"/>
-              <a:t>=</a:t>
-            </a:r>
-            <a:r>
-              <a:rPr lang="ko-KR" altLang="en-US" sz="1100" dirty="0"/>
-              <a:t>연합뉴스</a:t>
-            </a:r>
-            <a:r>
-              <a:rPr lang="en-US" altLang="ko-KR" sz="1100" dirty="0"/>
-              <a:t>) </a:t>
-            </a:r>
-            <a:r>
-              <a:rPr lang="ko-KR" altLang="en-US" sz="1100" dirty="0"/>
-              <a:t>차대운 기자 </a:t>
-            </a:r>
-            <a:r>
-              <a:rPr lang="en-US" altLang="ko-KR" sz="1100" dirty="0"/>
-              <a:t>= </a:t>
-            </a:r>
-            <a:r>
-              <a:rPr lang="ko-KR" altLang="en-US" sz="1100" dirty="0"/>
-              <a:t>정승일 한국전력 사장은 </a:t>
-            </a:r>
-            <a:r>
-              <a:rPr lang="en-US" altLang="ko-KR" sz="1100" dirty="0"/>
-              <a:t>12</a:t>
-            </a:r>
-            <a:r>
-              <a:rPr lang="ko-KR" altLang="en-US" sz="1100" dirty="0"/>
-              <a:t>일 </a:t>
-            </a:r>
-            <a:r>
-              <a:rPr lang="en-US" altLang="ko-KR" sz="1100" dirty="0"/>
-              <a:t>25</a:t>
-            </a:r>
-            <a:r>
-              <a:rPr lang="ko-KR" altLang="en-US" sz="1100" dirty="0"/>
-              <a:t>조</a:t>
-            </a:r>
-            <a:r>
-              <a:rPr lang="en-US" altLang="ko-KR" sz="1100" dirty="0"/>
-              <a:t>7</a:t>
-            </a:r>
-            <a:r>
-              <a:rPr lang="ko-KR" altLang="en-US" sz="1100" dirty="0"/>
-              <a:t>천억원 규모의 자구안 발표와 함께 사의를 표명했다</a:t>
-            </a:r>
-            <a:r>
-              <a:rPr lang="en-US" altLang="ko-KR" sz="1100" dirty="0"/>
-              <a:t>.</a:t>
-            </a:r>
-          </a:p>
-          <a:p>
-            <a:pPr marL="0" indent="0">
-              <a:buNone/>
-            </a:pPr>
-            <a:r>
-              <a:rPr lang="ko-KR" altLang="en-US" sz="1100" dirty="0"/>
-              <a:t>정 사장은 이날 </a:t>
-            </a:r>
-            <a:r>
-              <a:rPr lang="en-US" altLang="ko-KR" sz="1100" dirty="0"/>
-              <a:t>'</a:t>
-            </a:r>
-            <a:r>
-              <a:rPr lang="ko-KR" altLang="en-US" sz="1100" dirty="0"/>
-              <a:t>전기 요금 정상화와 관련해 국민 여러분께 드리는 말씀</a:t>
-            </a:r>
-            <a:r>
-              <a:rPr lang="en-US" altLang="ko-KR" sz="1100" dirty="0"/>
-              <a:t>'</a:t>
-            </a:r>
-            <a:r>
-              <a:rPr lang="ko-KR" altLang="en-US" sz="1100" dirty="0"/>
-              <a:t>에서 </a:t>
-            </a:r>
-            <a:r>
-              <a:rPr lang="en-US" altLang="ko-KR" sz="1100" dirty="0"/>
-              <a:t>"</a:t>
-            </a:r>
-            <a:r>
-              <a:rPr lang="ko-KR" altLang="en-US" sz="1100" dirty="0"/>
-              <a:t>오늘 자로 한전 사장직을 내려놓고자 한다</a:t>
-            </a:r>
-            <a:r>
-              <a:rPr lang="en-US" altLang="ko-KR" sz="1100" dirty="0"/>
-              <a:t>"</a:t>
-            </a:r>
-            <a:r>
-              <a:rPr lang="ko-KR" altLang="en-US" sz="1100" dirty="0"/>
-              <a:t>고 밝혔다</a:t>
-            </a:r>
-            <a:r>
-              <a:rPr lang="en-US" altLang="ko-KR" sz="1100" dirty="0"/>
-              <a:t>.</a:t>
-            </a:r>
-          </a:p>
-          <a:p>
-            <a:pPr marL="0" indent="0">
-              <a:buNone/>
-            </a:pPr>
-            <a:r>
-              <a:rPr lang="ko-KR" altLang="en-US" sz="1100" dirty="0"/>
-              <a:t>정 사장은 </a:t>
-            </a:r>
-            <a:r>
-              <a:rPr lang="en-US" altLang="ko-KR" sz="1100" dirty="0"/>
-              <a:t>"</a:t>
-            </a:r>
-            <a:r>
-              <a:rPr lang="ko-KR" altLang="en-US" sz="1100" dirty="0"/>
-              <a:t>당분간 한전 경영진을 중심으로 비상경영체제를 운영하고</a:t>
-            </a:r>
-            <a:r>
-              <a:rPr lang="en-US" altLang="ko-KR" sz="1100" dirty="0"/>
-              <a:t>, </a:t>
-            </a:r>
-            <a:r>
-              <a:rPr lang="ko-KR" altLang="en-US" sz="1100" dirty="0"/>
-              <a:t>다가오는 여름철 비상전력 수급의 안정적 운영과 작업현장 산업재해 예방에도 만전을 기할 것</a:t>
-            </a:r>
-            <a:r>
-              <a:rPr lang="en-US" altLang="ko-KR" sz="1100" dirty="0"/>
-              <a:t>"</a:t>
-            </a:r>
-            <a:r>
-              <a:rPr lang="ko-KR" altLang="en-US" sz="1100" dirty="0"/>
-              <a:t>이라고 덧붙였다</a:t>
-            </a:r>
-            <a:r>
-              <a:rPr lang="en-US" altLang="ko-KR" sz="1100" dirty="0"/>
-              <a:t>.</a:t>
-            </a:r>
-          </a:p>
-          <a:p>
-            <a:pPr marL="0" indent="0">
-              <a:buNone/>
-            </a:pPr>
-            <a:r>
-              <a:rPr lang="ko-KR" altLang="en-US" sz="1100" dirty="0"/>
-              <a:t>정 사장은 정부에도 사퇴하겠다는 뜻을 전달했다</a:t>
-            </a:r>
-            <a:r>
-              <a:rPr lang="en-US" altLang="ko-KR" sz="1100" dirty="0"/>
-              <a:t>.</a:t>
-            </a:r>
-          </a:p>
-          <a:p>
-            <a:pPr marL="0" indent="0">
-              <a:buNone/>
-            </a:pPr>
-            <a:r>
-              <a:rPr lang="ko-KR" altLang="en-US" sz="1100" dirty="0"/>
-              <a:t>임면권자인 윤석열 대통령이 정 사장의 사표를 곧바로 수리할지 주목된다</a:t>
-            </a:r>
-            <a:r>
-              <a:rPr lang="en-US" altLang="ko-KR" sz="1100" dirty="0"/>
-              <a:t>.</a:t>
-            </a:r>
-          </a:p>
-          <a:p>
-            <a:pPr marL="0" indent="0">
-              <a:buNone/>
-            </a:pPr>
-            <a:r>
-              <a:rPr lang="ko-KR" altLang="en-US" sz="1100" dirty="0"/>
-              <a:t>여권은 그동안 전 정부 때 임명된 정 사장이 한전 경영난에 책임을 지고 물러날 것을 공개적으로 요구해왔다</a:t>
-            </a:r>
-            <a:r>
-              <a:rPr lang="en-US" altLang="ko-KR" sz="1100" dirty="0"/>
-              <a:t>. </a:t>
-            </a:r>
-            <a:r>
-              <a:rPr lang="ko-KR" altLang="en-US" sz="1100" dirty="0"/>
-              <a:t>정 사장은 산업통상자원부 요직을 거쳤으며</a:t>
-            </a:r>
-            <a:r>
-              <a:rPr lang="en-US" altLang="ko-KR" sz="1100" dirty="0"/>
-              <a:t>, </a:t>
-            </a:r>
-            <a:r>
-              <a:rPr lang="ko-KR" altLang="en-US" sz="1100" dirty="0"/>
-              <a:t>문재인 정부 시절 한국가스공사 사장</a:t>
-            </a:r>
-            <a:r>
-              <a:rPr lang="en-US" altLang="ko-KR" sz="1100" dirty="0"/>
-              <a:t>, </a:t>
-            </a:r>
-            <a:r>
-              <a:rPr lang="ko-KR" altLang="en-US" sz="1100" dirty="0"/>
-              <a:t>산업부 차관을 거쳐 </a:t>
-            </a:r>
-            <a:r>
-              <a:rPr lang="en-US" altLang="ko-KR" sz="1100" dirty="0"/>
-              <a:t>2021</a:t>
-            </a:r>
-            <a:r>
-              <a:rPr lang="ko-KR" altLang="en-US" sz="1100" dirty="0"/>
-              <a:t>년 </a:t>
-            </a:r>
-            <a:r>
-              <a:rPr lang="en-US" altLang="ko-KR" sz="1100" dirty="0"/>
-              <a:t>5</a:t>
-            </a:r>
-            <a:r>
-              <a:rPr lang="ko-KR" altLang="en-US" sz="1100" dirty="0"/>
-              <a:t>월 한전 사장에 임명됐다</a:t>
-            </a:r>
-            <a:r>
-              <a:rPr lang="en-US" altLang="ko-KR" sz="1100" dirty="0"/>
-              <a:t>.</a:t>
-            </a:r>
-          </a:p>
-          <a:p>
-            <a:pPr marL="0" indent="0">
-              <a:buNone/>
-            </a:pPr>
-            <a:r>
-              <a:rPr lang="ko-KR" altLang="en-US" sz="1100" dirty="0"/>
-              <a:t>한전의 경영난에 덧붙여 한전 직원들의 태양광 사업 비리 의혹</a:t>
-            </a:r>
-            <a:r>
-              <a:rPr lang="en-US" altLang="ko-KR" sz="1100" dirty="0"/>
-              <a:t>, </a:t>
-            </a:r>
-            <a:r>
-              <a:rPr lang="ko-KR" altLang="en-US" sz="1100" dirty="0"/>
-              <a:t>한국에너지공대</a:t>
-            </a:r>
-            <a:r>
-              <a:rPr lang="en-US" altLang="ko-KR" sz="1100" dirty="0"/>
-              <a:t>(</a:t>
-            </a:r>
-            <a:r>
-              <a:rPr lang="ko-KR" altLang="en-US" sz="1100" dirty="0"/>
-              <a:t>한전공대</a:t>
-            </a:r>
-            <a:r>
-              <a:rPr lang="en-US" altLang="ko-KR" sz="1100" dirty="0"/>
-              <a:t>) </a:t>
-            </a:r>
-            <a:r>
-              <a:rPr lang="ko-KR" altLang="en-US" sz="1100" dirty="0"/>
-              <a:t>감사 은폐 의혹 등이 제기되면서 여권 내에서 정 사장의 사퇴를 요구하는 목소리는 더욱 커졌다</a:t>
-            </a:r>
-            <a:r>
-              <a:rPr lang="en-US" altLang="ko-KR" sz="1100" dirty="0"/>
-              <a:t>.</a:t>
-            </a:r>
-          </a:p>
-          <a:p>
-            <a:pPr marL="0" indent="0">
-              <a:buNone/>
-            </a:pPr>
-            <a:r>
-              <a:rPr lang="ko-KR" altLang="en-US" sz="1100" dirty="0"/>
-              <a:t>정 사장의 이번 사의 표명이 지난 </a:t>
-            </a:r>
-            <a:r>
-              <a:rPr lang="en-US" altLang="ko-KR" sz="1100" dirty="0"/>
-              <a:t>10</a:t>
-            </a:r>
-            <a:r>
-              <a:rPr lang="ko-KR" altLang="en-US" sz="1100" dirty="0"/>
-              <a:t>일 단행된 산업부 </a:t>
-            </a:r>
-            <a:r>
-              <a:rPr lang="en-US" altLang="ko-KR" sz="1100" dirty="0"/>
-              <a:t>2</a:t>
-            </a:r>
-            <a:r>
-              <a:rPr lang="ko-KR" altLang="en-US" sz="1100" dirty="0"/>
-              <a:t>차관 교체와 맞물린 것 아니냐는 관측도 있다</a:t>
-            </a:r>
-            <a:r>
-              <a:rPr lang="en-US" altLang="ko-KR" sz="1100" dirty="0"/>
-              <a:t>.</a:t>
-            </a:r>
-          </a:p>
-          <a:p>
-            <a:pPr marL="0" indent="0">
-              <a:buNone/>
-            </a:pPr>
-            <a:r>
-              <a:rPr lang="ko-KR" altLang="en-US" sz="1100" dirty="0"/>
-              <a:t>윤 대통령은 지난 </a:t>
-            </a:r>
-            <a:r>
-              <a:rPr lang="en-US" altLang="ko-KR" sz="1100" dirty="0"/>
-              <a:t>9</a:t>
-            </a:r>
-            <a:r>
-              <a:rPr lang="ko-KR" altLang="en-US" sz="1100" dirty="0"/>
-              <a:t>일 국무회의에서 </a:t>
-            </a:r>
-            <a:r>
-              <a:rPr lang="en-US" altLang="ko-KR" sz="1100" dirty="0"/>
-              <a:t>"</a:t>
-            </a:r>
-            <a:r>
-              <a:rPr lang="ko-KR" altLang="en-US" sz="1100" dirty="0"/>
-              <a:t>탈원전</a:t>
-            </a:r>
-            <a:r>
-              <a:rPr lang="en-US" altLang="ko-KR" sz="1100" dirty="0"/>
-              <a:t>, </a:t>
-            </a:r>
-            <a:r>
-              <a:rPr lang="ko-KR" altLang="en-US" sz="1100" dirty="0"/>
-              <a:t>이념적 환경 정책에 매몰돼 새로운 국정 기조에 맞추지 않고 애매한 스탠스를 취한다면 과감하게 인사 조치를 하라</a:t>
-            </a:r>
-            <a:r>
-              <a:rPr lang="en-US" altLang="ko-KR" sz="1100" dirty="0"/>
-              <a:t>"</a:t>
-            </a:r>
-            <a:r>
-              <a:rPr lang="ko-KR" altLang="en-US" sz="1100" dirty="0"/>
-              <a:t>고 지시한 바 있다</a:t>
-            </a:r>
-            <a:r>
-              <a:rPr lang="en-US" altLang="ko-KR" sz="1100" dirty="0"/>
-              <a:t>.</a:t>
-            </a:r>
-          </a:p>
-          <a:p>
-            <a:pPr marL="0" indent="0">
-              <a:buNone/>
-            </a:pPr>
-            <a:r>
-              <a:rPr lang="ko-KR" altLang="en-US" sz="1100" dirty="0"/>
-              <a:t>정 사장은 이날 사퇴를 공식화하면서 한전 경영 정상화를 위해 전기요금 인상이 반드시 필요하다는 견해를 밝혔다</a:t>
-            </a:r>
-            <a:r>
-              <a:rPr lang="en-US" altLang="ko-KR" sz="1100" dirty="0"/>
-              <a:t>.</a:t>
-            </a:r>
-          </a:p>
-          <a:p>
-            <a:pPr marL="0" indent="0">
-              <a:buNone/>
-            </a:pPr>
-            <a:r>
-              <a:rPr lang="ko-KR" altLang="en-US" sz="1100" dirty="0"/>
-              <a:t>정 사장은 </a:t>
-            </a:r>
-            <a:r>
-              <a:rPr lang="en-US" altLang="ko-KR" sz="1100" dirty="0"/>
-              <a:t>"</a:t>
-            </a:r>
-            <a:r>
-              <a:rPr lang="ko-KR" altLang="en-US" sz="1100" dirty="0"/>
-              <a:t>전기요금 정상화는 한전이 경영 정상화로 가는 길에 중요한 디딤돌</a:t>
-            </a:r>
-            <a:r>
-              <a:rPr lang="en-US" altLang="ko-KR" sz="1100" dirty="0"/>
-              <a:t>"</a:t>
-            </a:r>
-            <a:r>
-              <a:rPr lang="ko-KR" altLang="en-US" sz="1100" dirty="0"/>
-              <a:t>이라며 </a:t>
-            </a:r>
-            <a:r>
-              <a:rPr lang="en-US" altLang="ko-KR" sz="1100" dirty="0"/>
-              <a:t>"</a:t>
-            </a:r>
-            <a:r>
-              <a:rPr lang="ko-KR" altLang="en-US" sz="1100" dirty="0"/>
-              <a:t>전력 판매 가격이 구입 가격에 현저히 미달해 요금 정상화가 지연되면 전력의 안정적 공급 차질과 금융시장 왜곡</a:t>
-            </a:r>
-            <a:r>
-              <a:rPr lang="en-US" altLang="ko-KR" sz="1100" dirty="0"/>
-              <a:t>, </a:t>
-            </a:r>
-            <a:r>
-              <a:rPr lang="ko-KR" altLang="en-US" sz="1100" dirty="0"/>
-              <a:t>에너지 산업 생태계 불안 등 경제 전반에 미칠 영향이 적지 않다</a:t>
-            </a:r>
-            <a:r>
-              <a:rPr lang="en-US" altLang="ko-KR" sz="1100" dirty="0"/>
-              <a:t>"</a:t>
-            </a:r>
-            <a:r>
-              <a:rPr lang="ko-KR" altLang="en-US" sz="1100" dirty="0"/>
-              <a:t>고 말했다</a:t>
-            </a:r>
-            <a:r>
-              <a:rPr lang="en-US" altLang="ko-KR" sz="1100" dirty="0"/>
-              <a:t>.</a:t>
-            </a:r>
-          </a:p>
-          <a:p>
-            <a:pPr marL="0" indent="0">
-              <a:buNone/>
-            </a:pPr>
-            <a:r>
-              <a:rPr lang="ko-KR" altLang="en-US" sz="1100" dirty="0"/>
-              <a:t>그러면서 </a:t>
-            </a:r>
-            <a:r>
-              <a:rPr lang="en-US" altLang="ko-KR" sz="1100" dirty="0"/>
-              <a:t>"</a:t>
-            </a:r>
-            <a:r>
-              <a:rPr lang="ko-KR" altLang="en-US" sz="1100" dirty="0"/>
-              <a:t>이를 감안해 전기요금 적기 인상이 불가피하다는 점에 대한 국민 여러분의 깊은 이해를 간곡히 부탁드린다</a:t>
-            </a:r>
-            <a:r>
-              <a:rPr lang="en-US" altLang="ko-KR" sz="1100" dirty="0"/>
-              <a:t>"</a:t>
-            </a:r>
-            <a:r>
-              <a:rPr lang="ko-KR" altLang="en-US" sz="1100" dirty="0"/>
-              <a:t>고 덧붙였다</a:t>
-            </a:r>
-            <a:r>
-              <a:rPr lang="en-US" altLang="ko-KR" sz="1100" dirty="0"/>
-              <a:t>.</a:t>
-            </a:r>
-          </a:p>
-          <a:p>
-            <a:pPr marL="0" indent="0">
-              <a:buNone/>
-            </a:pPr>
-            <a:r>
-              <a:rPr lang="ko-KR" altLang="en-US" sz="1100" dirty="0"/>
-              <a:t>정 사장의 사의 표명과 한전의 자구안 발표가 동시에 이뤄짐에 따라 정부</a:t>
-            </a:r>
-            <a:r>
-              <a:rPr lang="en-US" altLang="ko-KR" sz="1100" dirty="0"/>
-              <a:t>·</a:t>
-            </a:r>
-            <a:r>
-              <a:rPr lang="ko-KR" altLang="en-US" sz="1100" dirty="0"/>
-              <a:t>여당의 전기요금 인상 결정만 남겨놓게 됐다</a:t>
-            </a:r>
-            <a:r>
-              <a:rPr lang="en-US" altLang="ko-KR" sz="1100" dirty="0"/>
-              <a:t>.</a:t>
-            </a:r>
-            <a:endParaRPr lang="ko-KR" altLang="en-US" sz="1100" dirty="0"/>
-          </a:p>
-        </p:txBody>
-      </p:sp>
-    </p:spTree>
-    <p:extLst>
-      <p:ext uri="{BB962C8B-B14F-4D97-AF65-F5344CB8AC3E}">
-        <p14:creationId xmlns:p14="http://schemas.microsoft.com/office/powerpoint/2010/main" val="673999066"/>
-      </p:ext>
-    </p:extLst>
-  </p:cSld>
-  <p:clrMapOvr>
-    <a:masterClrMapping/>
-  </p:clrMapOvr>
-</p:sld>
-</file>
-
-<file path=ppt/slides/slide45.xml><?xml version="1.0" encoding="utf-8"?>
-<p:sld xmlns:a="http://schemas.openxmlformats.org/drawingml/2006/main" xmlns:r="http://schemas.openxmlformats.org/officeDocument/2006/relationships" xmlns:p="http://schemas.openxmlformats.org/presentationml/2006/main">
-  <p:cSld>
-    <p:spTree>
-      <p:nvGrpSpPr>
-        <p:cNvPr id="1" name=""/>
-        <p:cNvGrpSpPr/>
-        <p:nvPr/>
-      </p:nvGrpSpPr>
-      <p:grpSpPr>
-        <a:xfrm>
-          <a:off x="0" y="0"/>
-          <a:ext cx="0" cy="0"/>
-          <a:chOff x="0" y="0"/>
-          <a:chExt cx="0" cy="0"/>
-        </a:xfrm>
-      </p:grpSpPr>
-      <p:sp>
-        <p:nvSpPr>
-          <p:cNvPr id="2" name="제목 1"/>
-          <p:cNvSpPr>
-            <a:spLocks noGrp="1"/>
-          </p:cNvSpPr>
-          <p:nvPr>
-            <p:ph type="title"/>
-          </p:nvPr>
-        </p:nvSpPr>
-        <p:spPr/>
-        <p:txBody>
-          <a:bodyPr/>
-          <a:lstStyle/>
-          <a:p>
-            <a:r>
-              <a:rPr lang="ko-KR" altLang="en-US" b="1" dirty="0"/>
-              <a:t>신문기사 분석하기</a:t>
-            </a:r>
-            <a:r>
-              <a:rPr lang="en-US" altLang="ko-KR" b="1" dirty="0"/>
-              <a:t>(</a:t>
-            </a:r>
-            <a:r>
-              <a:rPr lang="ko-KR" altLang="en-US" b="1" dirty="0"/>
-              <a:t>질문 하기</a:t>
-            </a:r>
-            <a:r>
-              <a:rPr lang="en-US" altLang="ko-KR" b="1" dirty="0"/>
-              <a:t>)</a:t>
-            </a:r>
-            <a:endParaRPr lang="ko-KR" altLang="en-US" b="1" dirty="0"/>
-          </a:p>
-        </p:txBody>
-      </p:sp>
-      <p:sp>
-        <p:nvSpPr>
-          <p:cNvPr id="3" name="내용 개체 틀 2"/>
-          <p:cNvSpPr>
-            <a:spLocks noGrp="1"/>
-          </p:cNvSpPr>
-          <p:nvPr>
-            <p:ph idx="1"/>
-          </p:nvPr>
-        </p:nvSpPr>
-        <p:spPr/>
-        <p:txBody>
-          <a:bodyPr>
-            <a:normAutofit/>
-          </a:bodyPr>
-          <a:lstStyle/>
-          <a:p>
-            <a:pPr marL="0" indent="0">
-              <a:lnSpc>
-                <a:spcPct val="150000"/>
-              </a:lnSpc>
-              <a:buNone/>
-            </a:pPr>
-            <a:r>
-              <a:rPr lang="en-US" altLang="ko-KR" sz="2400" dirty="0"/>
-              <a:t>1) </a:t>
-            </a:r>
-            <a:r>
-              <a:rPr lang="ko-KR" altLang="en-US" sz="2400" dirty="0"/>
-              <a:t>위 기사는 긍정인가 부정인가</a:t>
-            </a:r>
-            <a:r>
-              <a:rPr lang="en-US" altLang="ko-KR" sz="2400" dirty="0"/>
-              <a:t>?</a:t>
-            </a:r>
-          </a:p>
-          <a:p>
-            <a:pPr marL="0" indent="0">
-              <a:lnSpc>
-                <a:spcPct val="150000"/>
-              </a:lnSpc>
-              <a:buNone/>
-            </a:pPr>
-            <a:r>
-              <a:rPr lang="en-US" altLang="ko-KR" sz="2400" dirty="0"/>
-              <a:t>2) 1)</a:t>
-            </a:r>
-            <a:r>
-              <a:rPr lang="ko-KR" altLang="en-US" sz="2400" dirty="0"/>
-              <a:t>번 질문의 이유 설명</a:t>
-            </a:r>
-          </a:p>
-          <a:p>
-            <a:pPr marL="0" indent="0">
-              <a:lnSpc>
-                <a:spcPct val="150000"/>
-              </a:lnSpc>
-              <a:buNone/>
-            </a:pPr>
-            <a:r>
-              <a:rPr lang="en-US" altLang="ko-KR" sz="2400" dirty="0"/>
-              <a:t>3) </a:t>
-            </a:r>
-            <a:r>
-              <a:rPr lang="ko-KR" altLang="en-US" sz="2400" dirty="0"/>
-              <a:t>기사의 주요 인물은 누구인가</a:t>
-            </a:r>
-            <a:r>
-              <a:rPr lang="en-US" altLang="ko-KR" sz="2400" dirty="0"/>
-              <a:t>?</a:t>
-            </a:r>
-          </a:p>
-          <a:p>
-            <a:pPr marL="0" indent="0">
-              <a:lnSpc>
-                <a:spcPct val="150000"/>
-              </a:lnSpc>
-              <a:buNone/>
-            </a:pPr>
-            <a:r>
-              <a:rPr lang="en-US" altLang="ko-KR" sz="2400" dirty="0"/>
-              <a:t>4) 3</a:t>
-            </a:r>
-            <a:r>
-              <a:rPr lang="ko-KR" altLang="en-US" sz="2400" dirty="0"/>
-              <a:t>번 질문의 이유 설명</a:t>
-            </a:r>
-          </a:p>
-        </p:txBody>
-      </p:sp>
-    </p:spTree>
-    <p:extLst>
-      <p:ext uri="{BB962C8B-B14F-4D97-AF65-F5344CB8AC3E}">
-        <p14:creationId xmlns:p14="http://schemas.microsoft.com/office/powerpoint/2010/main" val="4230330552"/>
-      </p:ext>
-    </p:extLst>
-  </p:cSld>
-  <p:clrMapOvr>
-    <a:masterClrMapping/>
-  </p:clrMapOvr>
-</p:sld>
-</file>
-
-<file path=ppt/slides/slide46.xml><?xml version="1.0" encoding="utf-8"?>
-<p:sld xmlns:a="http://schemas.openxmlformats.org/drawingml/2006/main" xmlns:r="http://schemas.openxmlformats.org/officeDocument/2006/relationships" xmlns:p="http://schemas.openxmlformats.org/presentationml/2006/main">
-  <p:cSld>
-    <p:spTree>
-      <p:nvGrpSpPr>
-        <p:cNvPr id="1" name=""/>
-        <p:cNvGrpSpPr/>
-        <p:nvPr/>
-      </p:nvGrpSpPr>
-      <p:grpSpPr>
-        <a:xfrm>
-          <a:off x="0" y="0"/>
-          <a:ext cx="0" cy="0"/>
-          <a:chOff x="0" y="0"/>
-          <a:chExt cx="0" cy="0"/>
-        </a:xfrm>
-      </p:grpSpPr>
-      <p:sp>
-        <p:nvSpPr>
-          <p:cNvPr id="2" name="제목 1"/>
-          <p:cNvSpPr>
-            <a:spLocks noGrp="1"/>
-          </p:cNvSpPr>
-          <p:nvPr>
-            <p:ph type="title"/>
-          </p:nvPr>
-        </p:nvSpPr>
-        <p:spPr/>
-        <p:txBody>
-          <a:bodyPr/>
-          <a:lstStyle/>
-          <a:p>
-            <a:r>
-              <a:rPr lang="ko-KR" altLang="en-US" b="1" dirty="0"/>
-              <a:t>기사의 내용 표로 정리하기</a:t>
-            </a:r>
-          </a:p>
-        </p:txBody>
-      </p:sp>
-      <p:sp>
-        <p:nvSpPr>
-          <p:cNvPr id="3" name="내용 개체 틀 2"/>
-          <p:cNvSpPr>
-            <a:spLocks noGrp="1"/>
-          </p:cNvSpPr>
-          <p:nvPr>
-            <p:ph idx="1"/>
-          </p:nvPr>
-        </p:nvSpPr>
-        <p:spPr/>
-        <p:txBody>
-          <a:bodyPr>
-            <a:normAutofit/>
-          </a:bodyPr>
-          <a:lstStyle/>
-          <a:p>
-            <a:pPr marL="0" indent="0" algn="just">
-              <a:lnSpc>
-                <a:spcPct val="170000"/>
-              </a:lnSpc>
-              <a:buNone/>
-            </a:pPr>
-            <a:r>
-              <a:rPr lang="ko-KR" altLang="en-US" sz="1000" dirty="0"/>
-              <a:t>종합 프롭테크 기업 직방은 국토교통부 실거래 자료 기반으로 자체 딥러닝 모형을 통해 아파트 매매가격지수를 산출한 결과</a:t>
-            </a:r>
-            <a:r>
-              <a:rPr lang="en-US" altLang="ko-KR" sz="1000" dirty="0"/>
-              <a:t>, </a:t>
-            </a:r>
-            <a:r>
-              <a:rPr lang="ko-KR" altLang="en-US" sz="1000" dirty="0"/>
-              <a:t>지난달 전국 아파트 매매가격지수는 전월 대비 </a:t>
-            </a:r>
-            <a:r>
-              <a:rPr lang="en-US" altLang="ko-KR" sz="1000" dirty="0"/>
-              <a:t>0.595% </a:t>
-            </a:r>
-            <a:r>
-              <a:rPr lang="ko-KR" altLang="en-US" sz="1000" dirty="0"/>
-              <a:t>하락했다고 </a:t>
-            </a:r>
-            <a:r>
-              <a:rPr lang="en-US" altLang="ko-KR" sz="1000" dirty="0"/>
-              <a:t>3</a:t>
-            </a:r>
-            <a:r>
-              <a:rPr lang="ko-KR" altLang="en-US" sz="1000" dirty="0"/>
-              <a:t>일 발표했다</a:t>
-            </a:r>
-            <a:r>
-              <a:rPr lang="en-US" altLang="ko-KR" sz="1000" dirty="0"/>
-              <a:t>. </a:t>
-            </a:r>
-            <a:r>
-              <a:rPr lang="ko-KR" altLang="en-US" sz="1000" dirty="0"/>
-              <a:t>이는 </a:t>
-            </a:r>
-            <a:r>
-              <a:rPr lang="en-US" altLang="ko-KR" sz="1000" dirty="0"/>
-              <a:t>2021</a:t>
-            </a:r>
-            <a:r>
-              <a:rPr lang="ko-KR" altLang="en-US" sz="1000" dirty="0"/>
-              <a:t>년 </a:t>
-            </a:r>
-            <a:r>
-              <a:rPr lang="en-US" altLang="ko-KR" sz="1000" dirty="0"/>
-              <a:t>12</a:t>
-            </a:r>
-            <a:r>
-              <a:rPr lang="ko-KR" altLang="en-US" sz="1000" dirty="0"/>
-              <a:t>월</a:t>
-            </a:r>
-            <a:r>
-              <a:rPr lang="en-US" altLang="ko-KR" sz="1000" dirty="0"/>
-              <a:t>(0.264%↓) </a:t>
-            </a:r>
-            <a:r>
-              <a:rPr lang="ko-KR" altLang="en-US" sz="1000" dirty="0"/>
-              <a:t>이후 가장 낮은 낙폭이다</a:t>
-            </a:r>
-            <a:r>
-              <a:rPr lang="en-US" altLang="ko-KR" sz="1000" dirty="0"/>
-              <a:t>.</a:t>
-            </a:r>
-          </a:p>
-          <a:p>
-            <a:pPr marL="0" indent="0" algn="just">
-              <a:lnSpc>
-                <a:spcPct val="170000"/>
-              </a:lnSpc>
-              <a:buNone/>
-            </a:pPr>
-            <a:r>
-              <a:rPr lang="ko-KR" altLang="en-US" sz="1000" dirty="0"/>
-              <a:t>세종시를 제외한 전역에서 전월 대비 아파트값이 하락세를 이어갔는데 낙폭은 둔화됐다</a:t>
-            </a:r>
-            <a:r>
-              <a:rPr lang="en-US" altLang="ko-KR" sz="1000" dirty="0"/>
-              <a:t>. </a:t>
-            </a:r>
-            <a:r>
-              <a:rPr lang="ko-KR" altLang="en-US" sz="1000" dirty="0"/>
-              <a:t>서울은 올해 </a:t>
-            </a:r>
-            <a:r>
-              <a:rPr lang="en-US" altLang="ko-KR" sz="1000" dirty="0"/>
-              <a:t>3</a:t>
-            </a:r>
-            <a:r>
-              <a:rPr lang="ko-KR" altLang="en-US" sz="1000" dirty="0"/>
-              <a:t>월 전월 대비 </a:t>
-            </a:r>
-            <a:r>
-              <a:rPr lang="en-US" altLang="ko-KR" sz="1000" dirty="0"/>
-              <a:t>0.990% </a:t>
-            </a:r>
-            <a:r>
-              <a:rPr lang="ko-KR" altLang="en-US" sz="1000" dirty="0"/>
-              <a:t>떨어졌는데 </a:t>
-            </a:r>
-            <a:r>
-              <a:rPr lang="en-US" altLang="ko-KR" sz="1000" dirty="0"/>
-              <a:t>4</a:t>
-            </a:r>
-            <a:r>
-              <a:rPr lang="ko-KR" altLang="en-US" sz="1000" dirty="0"/>
-              <a:t>월에는 </a:t>
-            </a:r>
-            <a:r>
-              <a:rPr lang="en-US" altLang="ko-KR" sz="1000" dirty="0"/>
-              <a:t>0.794% </a:t>
-            </a:r>
-            <a:r>
-              <a:rPr lang="ko-KR" altLang="en-US" sz="1000" dirty="0"/>
-              <a:t>떨어지며 하락폭이 축소됐다</a:t>
-            </a:r>
-            <a:r>
-              <a:rPr lang="en-US" altLang="ko-KR" sz="1000" dirty="0"/>
-              <a:t>.</a:t>
-            </a:r>
-          </a:p>
-          <a:p>
-            <a:pPr marL="0" indent="0" algn="just">
-              <a:lnSpc>
-                <a:spcPct val="170000"/>
-              </a:lnSpc>
-              <a:buNone/>
-            </a:pPr>
-            <a:r>
-              <a:rPr lang="ko-KR" altLang="en-US" sz="1000" dirty="0"/>
-              <a:t>같은 기간 인천</a:t>
-            </a:r>
-            <a:r>
-              <a:rPr lang="en-US" altLang="ko-KR" sz="1000" dirty="0"/>
-              <a:t>(0.354%↓→0.139%↓), </a:t>
-            </a:r>
-            <a:r>
-              <a:rPr lang="ko-KR" altLang="en-US" sz="1000" dirty="0"/>
-              <a:t>경기</a:t>
-            </a:r>
-            <a:r>
-              <a:rPr lang="en-US" altLang="ko-KR" sz="1000" dirty="0"/>
-              <a:t>(0.329%↓→0.066%↓)</a:t>
-            </a:r>
-            <a:r>
-              <a:rPr lang="ko-KR" altLang="en-US" sz="1000" dirty="0"/>
-              <a:t>도 하락폭이 좁혀지는 모습이었다</a:t>
-            </a:r>
-            <a:r>
-              <a:rPr lang="en-US" altLang="ko-KR" sz="1000" dirty="0"/>
-              <a:t>.</a:t>
-            </a:r>
-          </a:p>
-          <a:p>
-            <a:pPr marL="0" indent="0" algn="just">
-              <a:lnSpc>
-                <a:spcPct val="170000"/>
-              </a:lnSpc>
-              <a:buNone/>
-            </a:pPr>
-            <a:r>
-              <a:rPr lang="ko-KR" altLang="en-US" sz="1000" dirty="0"/>
-              <a:t>세종은 </a:t>
-            </a:r>
-            <a:r>
-              <a:rPr lang="en-US" altLang="ko-KR" sz="1000" dirty="0"/>
-              <a:t>0.257% </a:t>
-            </a:r>
-            <a:r>
-              <a:rPr lang="ko-KR" altLang="en-US" sz="1000" dirty="0"/>
-              <a:t>상승으로 전국에서 유일하게 </a:t>
-            </a:r>
-            <a:r>
-              <a:rPr lang="en-US" altLang="ko-KR" sz="1000" dirty="0"/>
-              <a:t>2</a:t>
-            </a:r>
-            <a:r>
-              <a:rPr lang="ko-KR" altLang="en-US" sz="1000" dirty="0"/>
-              <a:t>개월 연속 전월 대비 아파트값이 올랐다</a:t>
-            </a:r>
-            <a:r>
-              <a:rPr lang="en-US" altLang="ko-KR" sz="1000" dirty="0"/>
-              <a:t>.</a:t>
-            </a:r>
-          </a:p>
-          <a:p>
-            <a:pPr marL="0" indent="0" algn="just">
-              <a:lnSpc>
-                <a:spcPct val="170000"/>
-              </a:lnSpc>
-              <a:buNone/>
-            </a:pPr>
-            <a:r>
-              <a:rPr lang="ko-KR" altLang="en-US" sz="1000" dirty="0"/>
-              <a:t>역세권 아파트 가격은 전체 노선의 아파트 매매가격 하락세가 지속됐는데</a:t>
-            </a:r>
-            <a:r>
-              <a:rPr lang="en-US" altLang="ko-KR" sz="1000" dirty="0"/>
-              <a:t>, </a:t>
-            </a:r>
-            <a:r>
-              <a:rPr lang="ko-KR" altLang="en-US" sz="1000" dirty="0"/>
-              <a:t>올해 </a:t>
-            </a:r>
-            <a:r>
-              <a:rPr lang="en-US" altLang="ko-KR" sz="1000" dirty="0"/>
-              <a:t>4</a:t>
-            </a:r>
-            <a:r>
-              <a:rPr lang="ko-KR" altLang="en-US" sz="1000" dirty="0"/>
-              <a:t>월 수도권 일부 노선을 중심으로 상승 전환하는 움직임을 보였다</a:t>
-            </a:r>
-            <a:r>
-              <a:rPr lang="en-US" altLang="ko-KR" sz="1000" dirty="0"/>
-              <a:t>.</a:t>
-            </a:r>
-          </a:p>
-          <a:p>
-            <a:pPr marL="0" indent="0" algn="just">
-              <a:lnSpc>
-                <a:spcPct val="170000"/>
-              </a:lnSpc>
-              <a:buNone/>
-            </a:pPr>
-            <a:r>
-              <a:rPr lang="ko-KR" altLang="en-US" sz="1000" dirty="0"/>
-              <a:t>단지 경계에서 역까지 거리가 </a:t>
-            </a:r>
-            <a:r>
-              <a:rPr lang="en-US" altLang="ko-KR" sz="1000" dirty="0"/>
-              <a:t>500m </a:t>
-            </a:r>
-            <a:r>
-              <a:rPr lang="ko-KR" altLang="en-US" sz="1000" dirty="0"/>
-              <a:t>이내인 아파트 가격을 분석한 결과</a:t>
-            </a:r>
-            <a:r>
-              <a:rPr lang="en-US" altLang="ko-KR" sz="1000" dirty="0"/>
-              <a:t>, </a:t>
-            </a:r>
-            <a:r>
-              <a:rPr lang="ko-KR" altLang="en-US" sz="1000" dirty="0"/>
-              <a:t>경춘선 </a:t>
-            </a:r>
-            <a:r>
-              <a:rPr lang="en-US" altLang="ko-KR" sz="1000" dirty="0"/>
-              <a:t>0.198%, </a:t>
-            </a:r>
-            <a:r>
-              <a:rPr lang="ko-KR" altLang="en-US" sz="1000" dirty="0"/>
-              <a:t>김포골드라인 </a:t>
-            </a:r>
-            <a:r>
-              <a:rPr lang="en-US" altLang="ko-KR" sz="1000" dirty="0"/>
-              <a:t>0.186%, </a:t>
-            </a:r>
-            <a:r>
-              <a:rPr lang="ko-KR" altLang="en-US" sz="1000" dirty="0"/>
-              <a:t>서해선 </a:t>
-            </a:r>
-            <a:r>
-              <a:rPr lang="en-US" altLang="ko-KR" sz="1000" dirty="0"/>
-              <a:t>0.180%, </a:t>
-            </a:r>
-            <a:r>
-              <a:rPr lang="ko-KR" altLang="en-US" sz="1000" dirty="0"/>
-              <a:t>용인경전철 </a:t>
-            </a:r>
-            <a:r>
-              <a:rPr lang="en-US" altLang="ko-KR" sz="1000" dirty="0"/>
-              <a:t>0.149%, </a:t>
-            </a:r>
-            <a:r>
-              <a:rPr lang="ko-KR" altLang="en-US" sz="1000" dirty="0"/>
-              <a:t>의정부경전철 </a:t>
-            </a:r>
-            <a:r>
-              <a:rPr lang="en-US" altLang="ko-KR" sz="1000" dirty="0"/>
-              <a:t>0.111%, </a:t>
-            </a:r>
-            <a:r>
-              <a:rPr lang="ko-KR" altLang="en-US" sz="1000" dirty="0"/>
-              <a:t>우이신설경전철 </a:t>
-            </a:r>
-            <a:r>
-              <a:rPr lang="en-US" altLang="ko-KR" sz="1000" dirty="0"/>
-              <a:t>0.029% </a:t>
-            </a:r>
-            <a:r>
-              <a:rPr lang="ko-KR" altLang="en-US" sz="1000" dirty="0"/>
-              <a:t>수도권 인천</a:t>
-            </a:r>
-            <a:r>
-              <a:rPr lang="en-US" altLang="ko-KR" sz="1000" dirty="0"/>
-              <a:t>2</a:t>
-            </a:r>
-            <a:r>
-              <a:rPr lang="ko-KR" altLang="en-US" sz="1000" dirty="0"/>
-              <a:t>호선 </a:t>
-            </a:r>
-            <a:r>
-              <a:rPr lang="en-US" altLang="ko-KR" sz="1000" dirty="0"/>
-              <a:t>0.350% </a:t>
-            </a:r>
-            <a:r>
-              <a:rPr lang="ko-KR" altLang="en-US" sz="1000" dirty="0"/>
-              <a:t>각각 전월 대비 상승 전환했다</a:t>
-            </a:r>
-            <a:r>
-              <a:rPr lang="en-US" altLang="ko-KR" sz="1000" dirty="0"/>
-              <a:t>.</a:t>
-            </a:r>
-          </a:p>
-          <a:p>
-            <a:pPr marL="0" indent="0" algn="just">
-              <a:lnSpc>
-                <a:spcPct val="170000"/>
-              </a:lnSpc>
-              <a:buNone/>
-            </a:pPr>
-            <a:r>
-              <a:rPr lang="ko-KR" altLang="en-US" sz="1000" dirty="0"/>
-              <a:t>직방 관계자는 </a:t>
-            </a:r>
-            <a:r>
-              <a:rPr lang="en-US" altLang="ko-KR" sz="1000" dirty="0"/>
-              <a:t>"</a:t>
-            </a:r>
-            <a:r>
-              <a:rPr lang="ko-KR" altLang="en-US" sz="1000" dirty="0"/>
-              <a:t>아파트 매매가격 하락폭이 점차 줄어드는 양상</a:t>
-            </a:r>
-            <a:r>
-              <a:rPr lang="en-US" altLang="ko-KR" sz="1000" dirty="0"/>
-              <a:t>"</a:t>
-            </a:r>
-            <a:r>
-              <a:rPr lang="ko-KR" altLang="en-US" sz="1000" dirty="0"/>
-              <a:t>이라며 </a:t>
-            </a:r>
-            <a:r>
-              <a:rPr lang="en-US" altLang="ko-KR" sz="1000" dirty="0"/>
-              <a:t>"1·3 </a:t>
-            </a:r>
-            <a:r>
-              <a:rPr lang="ko-KR" altLang="en-US" sz="1000" dirty="0"/>
-              <a:t>부동산 대책</a:t>
-            </a:r>
-            <a:r>
-              <a:rPr lang="en-US" altLang="ko-KR" sz="1000" dirty="0"/>
-              <a:t>, </a:t>
-            </a:r>
-            <a:r>
-              <a:rPr lang="ko-KR" altLang="en-US" sz="1000" dirty="0"/>
-              <a:t>특례보금자리론와 같은 대출확대 정책과 금리동결 등의 영향으로 아파트 가격 급락세에 제동이 걸렸다</a:t>
-            </a:r>
-            <a:r>
-              <a:rPr lang="en-US" altLang="ko-KR" sz="1000" dirty="0"/>
-              <a:t>"</a:t>
-            </a:r>
-            <a:r>
-              <a:rPr lang="ko-KR" altLang="en-US" sz="1000" dirty="0"/>
-              <a:t>고 진단했다</a:t>
-            </a:r>
-            <a:r>
-              <a:rPr lang="en-US" altLang="ko-KR" sz="1000" dirty="0"/>
-              <a:t>.</a:t>
-            </a:r>
-          </a:p>
-          <a:p>
-            <a:pPr marL="0" indent="0" algn="just">
-              <a:lnSpc>
-                <a:spcPct val="170000"/>
-              </a:lnSpc>
-              <a:buNone/>
-            </a:pPr>
-            <a:endParaRPr lang="en-US" altLang="ko-KR" sz="1000" dirty="0"/>
-          </a:p>
-          <a:p>
-            <a:pPr marL="0" indent="0" algn="just">
-              <a:lnSpc>
-                <a:spcPct val="170000"/>
-              </a:lnSpc>
-              <a:buNone/>
-            </a:pPr>
-            <a:r>
-              <a:rPr lang="en-US" altLang="ko-KR" sz="1000" dirty="0"/>
-              <a:t>[</a:t>
-            </a:r>
-            <a:r>
-              <a:rPr lang="ko-KR" altLang="en-US" sz="1000" dirty="0"/>
-              <a:t>요청</a:t>
-            </a:r>
-            <a:r>
-              <a:rPr lang="en-US" altLang="ko-KR" sz="1000" dirty="0"/>
-              <a:t>] </a:t>
-            </a:r>
-            <a:r>
-              <a:rPr lang="ko-KR" altLang="en-US" sz="1000" dirty="0"/>
-              <a:t>위 기사 내용 중 아파트값 상승 하락율을 지역으로 구분하여 표로 나타내라</a:t>
-            </a:r>
-            <a:r>
-              <a:rPr lang="en-US" altLang="ko-KR" sz="1000" dirty="0"/>
-              <a:t>.</a:t>
-            </a:r>
-          </a:p>
-        </p:txBody>
-      </p:sp>
-    </p:spTree>
-    <p:extLst>
-      <p:ext uri="{BB962C8B-B14F-4D97-AF65-F5344CB8AC3E}">
-        <p14:creationId xmlns:p14="http://schemas.microsoft.com/office/powerpoint/2010/main" val="502832957"/>
-      </p:ext>
-    </p:extLst>
-  </p:cSld>
-  <p:clrMapOvr>
-    <a:masterClrMapping/>
-  </p:clrMapOvr>
-</p:sld>
-</file>
-
-<file path=ppt/slides/slide47.xml><?xml version="1.0" encoding="utf-8"?>
-<p:sld xmlns:a="http://schemas.openxmlformats.org/drawingml/2006/main" xmlns:r="http://schemas.openxmlformats.org/officeDocument/2006/relationships" xmlns:p="http://schemas.openxmlformats.org/presentationml/2006/main">
-  <p:cSld>
-    <p:spTree>
-      <p:nvGrpSpPr>
-        <p:cNvPr id="1" name=""/>
-        <p:cNvGrpSpPr/>
-        <p:nvPr/>
-      </p:nvGrpSpPr>
-      <p:grpSpPr>
-        <a:xfrm>
-          <a:off x="0" y="0"/>
-          <a:ext cx="0" cy="0"/>
-          <a:chOff x="0" y="0"/>
-          <a:chExt cx="0" cy="0"/>
-        </a:xfrm>
-      </p:grpSpPr>
-      <p:sp>
-        <p:nvSpPr>
-          <p:cNvPr id="2" name="제목 1"/>
-          <p:cNvSpPr>
-            <a:spLocks noGrp="1"/>
-          </p:cNvSpPr>
-          <p:nvPr>
-            <p:ph type="title"/>
-          </p:nvPr>
-        </p:nvSpPr>
-        <p:spPr/>
-        <p:txBody>
-          <a:bodyPr/>
-          <a:lstStyle/>
-          <a:p>
-            <a:r>
-              <a:rPr lang="ko-KR" altLang="en-US" b="1" dirty="0"/>
-              <a:t>기사에서 개체명 추출하기</a:t>
-            </a:r>
-          </a:p>
-        </p:txBody>
-      </p:sp>
-      <p:sp>
-        <p:nvSpPr>
-          <p:cNvPr id="3" name="내용 개체 틀 2"/>
-          <p:cNvSpPr>
-            <a:spLocks noGrp="1"/>
-          </p:cNvSpPr>
-          <p:nvPr>
-            <p:ph idx="1"/>
-          </p:nvPr>
-        </p:nvSpPr>
-        <p:spPr/>
-        <p:txBody>
-          <a:bodyPr>
-            <a:normAutofit fontScale="25000" lnSpcReduction="20000"/>
-          </a:bodyPr>
-          <a:lstStyle/>
-          <a:p>
-            <a:pPr marL="0" indent="0" algn="just">
-              <a:lnSpc>
-                <a:spcPct val="170000"/>
-              </a:lnSpc>
-              <a:buNone/>
-            </a:pPr>
-            <a:r>
-              <a:rPr lang="ko-KR" altLang="en-US" dirty="0"/>
-              <a:t>다음 뉴스기사에서 개체명을 추출해 주세요</a:t>
-            </a:r>
-            <a:r>
-              <a:rPr lang="en-US" altLang="ko-KR" dirty="0"/>
-              <a:t>.</a:t>
-            </a:r>
-          </a:p>
-          <a:p>
-            <a:pPr marL="0" indent="0" algn="just">
-              <a:lnSpc>
-                <a:spcPct val="170000"/>
-              </a:lnSpc>
-              <a:buNone/>
-            </a:pPr>
-            <a:r>
-              <a:rPr lang="ko-KR" altLang="en-US" dirty="0"/>
-              <a:t>출력 형식</a:t>
-            </a:r>
-            <a:r>
-              <a:rPr lang="en-US" altLang="ko-KR" dirty="0"/>
-              <a:t>: </a:t>
-            </a:r>
-            <a:r>
-              <a:rPr lang="ko-KR" altLang="en-US" dirty="0"/>
-              <a:t>인물</a:t>
-            </a:r>
-            <a:r>
-              <a:rPr lang="en-US" altLang="ko-KR" dirty="0"/>
-              <a:t>: &lt;</a:t>
-            </a:r>
-            <a:r>
-              <a:rPr lang="ko-KR" altLang="en-US" dirty="0"/>
-              <a:t>출력결과를 콤마 구분자로 구분</a:t>
-            </a:r>
-            <a:r>
-              <a:rPr lang="en-US" altLang="ko-KR" dirty="0"/>
-              <a:t>&gt;</a:t>
-            </a:r>
-          </a:p>
-          <a:p>
-            <a:pPr marL="0" indent="0" algn="just">
-              <a:lnSpc>
-                <a:spcPct val="170000"/>
-              </a:lnSpc>
-              <a:buNone/>
-            </a:pPr>
-            <a:r>
-              <a:rPr lang="ko-KR" altLang="en-US" dirty="0"/>
-              <a:t>조직</a:t>
-            </a:r>
-            <a:r>
-              <a:rPr lang="en-US" altLang="ko-KR" dirty="0"/>
-              <a:t>: &lt;</a:t>
-            </a:r>
-            <a:r>
-              <a:rPr lang="ko-KR" altLang="en-US" dirty="0"/>
-              <a:t>출력결과를 콤마 구분자로 구분</a:t>
-            </a:r>
-            <a:r>
-              <a:rPr lang="en-US" altLang="ko-KR" dirty="0"/>
-              <a:t>&gt;</a:t>
-            </a:r>
-          </a:p>
-          <a:p>
-            <a:pPr marL="0" indent="0" algn="just">
-              <a:lnSpc>
-                <a:spcPct val="170000"/>
-              </a:lnSpc>
-              <a:buNone/>
-            </a:pPr>
-            <a:r>
-              <a:rPr lang="ko-KR" altLang="en-US" dirty="0"/>
-              <a:t>장소</a:t>
-            </a:r>
-            <a:r>
-              <a:rPr lang="en-US" altLang="ko-KR" dirty="0"/>
-              <a:t>: &lt;</a:t>
-            </a:r>
-            <a:r>
-              <a:rPr lang="ko-KR" altLang="en-US" dirty="0"/>
-              <a:t>출력결과를 콤마 구분자로 구분</a:t>
-            </a:r>
-            <a:r>
-              <a:rPr lang="en-US" altLang="ko-KR" dirty="0"/>
-              <a:t>&gt;</a:t>
-            </a:r>
-          </a:p>
-          <a:p>
-            <a:pPr marL="0" indent="0" algn="just">
-              <a:lnSpc>
-                <a:spcPct val="170000"/>
-              </a:lnSpc>
-              <a:buNone/>
-            </a:pPr>
-            <a:r>
-              <a:rPr lang="ko-KR" altLang="en-US" dirty="0"/>
-              <a:t>날짜</a:t>
-            </a:r>
-            <a:r>
-              <a:rPr lang="en-US" altLang="ko-KR" dirty="0"/>
-              <a:t>: &lt;</a:t>
-            </a:r>
-            <a:r>
-              <a:rPr lang="ko-KR" altLang="en-US" dirty="0"/>
-              <a:t>출력결과를 콤마 구분자로 구분</a:t>
-            </a:r>
-            <a:r>
-              <a:rPr lang="en-US" altLang="ko-KR" dirty="0"/>
-              <a:t>&gt;</a:t>
-            </a:r>
-          </a:p>
-          <a:p>
-            <a:pPr marL="0" indent="0" algn="just">
-              <a:lnSpc>
-                <a:spcPct val="170000"/>
-              </a:lnSpc>
-              <a:buNone/>
-            </a:pPr>
-            <a:endParaRPr lang="en-US" altLang="ko-KR" dirty="0"/>
-          </a:p>
-          <a:p>
-            <a:pPr marL="0" indent="0" algn="just">
-              <a:lnSpc>
-                <a:spcPct val="170000"/>
-              </a:lnSpc>
-              <a:buNone/>
-            </a:pPr>
-            <a:r>
-              <a:rPr lang="ko-KR" altLang="en-US" dirty="0"/>
-              <a:t>동남아 담당’ 北 최희철 부상 베이징 도착</a:t>
-            </a:r>
-            <a:r>
-              <a:rPr lang="en-US" altLang="ko-KR" dirty="0"/>
-              <a:t>…</a:t>
-            </a:r>
-            <a:r>
-              <a:rPr lang="ko-KR" altLang="en-US" dirty="0"/>
-              <a:t>싱가포르행 주목 최 부상</a:t>
-            </a:r>
-            <a:r>
-              <a:rPr lang="en-US" altLang="ko-KR" dirty="0"/>
-              <a:t>, </a:t>
-            </a:r>
-            <a:r>
-              <a:rPr lang="ko-KR" altLang="en-US" dirty="0"/>
-              <a:t>행선지</a:t>
-            </a:r>
-            <a:r>
-              <a:rPr lang="en-US" altLang="ko-KR" dirty="0"/>
-              <a:t>·</a:t>
-            </a:r>
-            <a:r>
-              <a:rPr lang="ko-KR" altLang="en-US" dirty="0"/>
-              <a:t>방문 목적 질문에는 ‘묵묵부답’</a:t>
-            </a:r>
-          </a:p>
-          <a:p>
-            <a:pPr marL="0" indent="0" algn="just">
-              <a:lnSpc>
-                <a:spcPct val="170000"/>
-              </a:lnSpc>
-              <a:buNone/>
-            </a:pPr>
-            <a:r>
-              <a:rPr lang="en-US" altLang="ko-KR" dirty="0"/>
-              <a:t>(</a:t>
-            </a:r>
-            <a:r>
-              <a:rPr lang="ko-KR" altLang="en-US" dirty="0"/>
-              <a:t>베이징</a:t>
-            </a:r>
-            <a:r>
-              <a:rPr lang="en-US" altLang="ko-KR" dirty="0"/>
-              <a:t>=</a:t>
-            </a:r>
-            <a:r>
-              <a:rPr lang="ko-KR" altLang="en-US" dirty="0"/>
-              <a:t>연합뉴스</a:t>
-            </a:r>
-            <a:r>
-              <a:rPr lang="en-US" altLang="ko-KR" dirty="0"/>
-              <a:t>) </a:t>
-            </a:r>
-            <a:r>
-              <a:rPr lang="ko-KR" altLang="en-US" dirty="0"/>
-              <a:t>김진방 특파원 </a:t>
-            </a:r>
-            <a:r>
-              <a:rPr lang="en-US" altLang="ko-KR" dirty="0"/>
-              <a:t>= </a:t>
-            </a:r>
-            <a:r>
-              <a:rPr lang="ko-KR" altLang="en-US" dirty="0"/>
-              <a:t>북한이 북미 정상회담 무산 가능성까지 거론하며 강경한 태도를 보이는 가운데 동남아시아 외교를 담당하는 최희철 북한 외무성 부상이 </a:t>
-            </a:r>
-            <a:r>
-              <a:rPr lang="en-US" altLang="ko-KR" dirty="0"/>
-              <a:t>19</a:t>
-            </a:r>
-            <a:r>
-              <a:rPr lang="ko-KR" altLang="en-US" dirty="0"/>
-              <a:t>일 중국 베이징 서우두</a:t>
-            </a:r>
-            <a:r>
-              <a:rPr lang="en-US" altLang="ko-KR" dirty="0"/>
-              <a:t>(</a:t>
-            </a:r>
-            <a:r>
-              <a:rPr lang="ko-KR" altLang="en-US" dirty="0"/>
-              <a:t>首都</a:t>
-            </a:r>
-            <a:r>
-              <a:rPr lang="en-US" altLang="ko-KR" dirty="0"/>
-              <a:t>) </a:t>
-            </a:r>
-            <a:r>
-              <a:rPr lang="ko-KR" altLang="en-US" dirty="0"/>
-              <a:t>공항에 모습을 드러냈다</a:t>
-            </a:r>
-            <a:r>
-              <a:rPr lang="en-US" altLang="ko-KR" dirty="0"/>
-              <a:t>.</a:t>
-            </a:r>
-          </a:p>
-          <a:p>
-            <a:pPr marL="0" indent="0" algn="just">
-              <a:lnSpc>
-                <a:spcPct val="170000"/>
-              </a:lnSpc>
-              <a:buNone/>
-            </a:pPr>
-            <a:r>
-              <a:rPr lang="ko-KR" altLang="en-US" dirty="0"/>
-              <a:t>최 부상은 이날 오전 평양발 고려항공 </a:t>
-            </a:r>
-            <a:r>
-              <a:rPr lang="en-US" altLang="ko-KR" dirty="0"/>
-              <a:t>JS151</a:t>
-            </a:r>
-            <a:r>
-              <a:rPr lang="ko-KR" altLang="en-US" dirty="0"/>
-              <a:t>편을 이용해 베이징 서우두 공항에 도착했다</a:t>
-            </a:r>
-            <a:r>
-              <a:rPr lang="en-US" altLang="ko-KR" dirty="0"/>
-              <a:t>.</a:t>
-            </a:r>
-          </a:p>
-          <a:p>
-            <a:pPr marL="0" indent="0" algn="just">
-              <a:lnSpc>
-                <a:spcPct val="170000"/>
-              </a:lnSpc>
-              <a:buNone/>
-            </a:pPr>
-            <a:r>
-              <a:rPr lang="ko-KR" altLang="en-US" dirty="0"/>
-              <a:t>최 부상은 최종 목적지를 묻는 취재진의 질문에 아무런 답변을 하지 않고</a:t>
-            </a:r>
-            <a:r>
-              <a:rPr lang="en-US" altLang="ko-KR" dirty="0"/>
-              <a:t>, </a:t>
-            </a:r>
-            <a:r>
-              <a:rPr lang="ko-KR" altLang="en-US" dirty="0"/>
-              <a:t>북한 대사관 관계자들과 함께 공항을 빠져나갔다</a:t>
-            </a:r>
-            <a:r>
-              <a:rPr lang="en-US" altLang="ko-KR" dirty="0"/>
-              <a:t>.</a:t>
-            </a:r>
-          </a:p>
-          <a:p>
-            <a:pPr marL="0" indent="0" algn="just">
-              <a:lnSpc>
-                <a:spcPct val="170000"/>
-              </a:lnSpc>
-              <a:buNone/>
-            </a:pPr>
-            <a:r>
-              <a:rPr lang="ko-KR" altLang="en-US" dirty="0"/>
-              <a:t>북미 정상회담을 </a:t>
-            </a:r>
-            <a:r>
-              <a:rPr lang="en-US" altLang="ko-KR" dirty="0"/>
-              <a:t>20</a:t>
-            </a:r>
-            <a:r>
-              <a:rPr lang="ko-KR" altLang="en-US" dirty="0"/>
-              <a:t>여 일 앞둔 상황에서 동남아 외교통인 최 부상이 정상회담 준비 등을 위해 회담 개최 예정지인 싱가포르를 방문할 가능성도 제기되고 있다</a:t>
-            </a:r>
-            <a:r>
-              <a:rPr lang="en-US" altLang="ko-KR" dirty="0"/>
-              <a:t>.</a:t>
-            </a:r>
-          </a:p>
-          <a:p>
-            <a:pPr marL="0" indent="0" algn="just">
-              <a:lnSpc>
-                <a:spcPct val="170000"/>
-              </a:lnSpc>
-              <a:buNone/>
-            </a:pPr>
-            <a:r>
-              <a:rPr lang="ko-KR" altLang="en-US" dirty="0"/>
-              <a:t>최 부상은 지난 </a:t>
-            </a:r>
-            <a:r>
-              <a:rPr lang="en-US" altLang="ko-KR" dirty="0"/>
-              <a:t>3</a:t>
-            </a:r>
-            <a:r>
-              <a:rPr lang="ko-KR" altLang="en-US" dirty="0"/>
-              <a:t>월에도 아세안</a:t>
-            </a:r>
-            <a:r>
-              <a:rPr lang="en-US" altLang="ko-KR" dirty="0"/>
-              <a:t>(ASEAN·</a:t>
-            </a:r>
-            <a:r>
-              <a:rPr lang="ko-KR" altLang="en-US" dirty="0"/>
-              <a:t>동남아시아국가연합</a:t>
-            </a:r>
-            <a:r>
-              <a:rPr lang="en-US" altLang="ko-KR" dirty="0"/>
-              <a:t>) </a:t>
-            </a:r>
-            <a:r>
-              <a:rPr lang="ko-KR" altLang="en-US" dirty="0"/>
-              <a:t>의장국이기도 한 싱가포르를 방문해 양국관계와 올해 </a:t>
-            </a:r>
-            <a:r>
-              <a:rPr lang="en-US" altLang="ko-KR" dirty="0"/>
-              <a:t>8</a:t>
-            </a:r>
-            <a:r>
-              <a:rPr lang="ko-KR" altLang="en-US" dirty="0"/>
-              <a:t>월 열리는 아세안지역안보포럼</a:t>
-            </a:r>
-            <a:r>
-              <a:rPr lang="en-US" altLang="ko-KR" dirty="0"/>
-              <a:t>(ARF) </a:t>
-            </a:r>
-            <a:r>
-              <a:rPr lang="ko-KR" altLang="en-US" dirty="0"/>
-              <a:t>의제 등을 논의한 바 있다</a:t>
-            </a:r>
-            <a:r>
-              <a:rPr lang="en-US" altLang="ko-KR" dirty="0"/>
-              <a:t>.</a:t>
-            </a:r>
-          </a:p>
-          <a:p>
-            <a:pPr marL="0" indent="0" algn="just">
-              <a:lnSpc>
-                <a:spcPct val="170000"/>
-              </a:lnSpc>
-              <a:buNone/>
-            </a:pPr>
-            <a:r>
-              <a:rPr lang="ko-KR" altLang="en-US" dirty="0"/>
-              <a:t>또 지난해 북핵 문제를 두고 북미 간 긴장관계가 형성됐을 때도 </a:t>
-            </a:r>
-            <a:r>
-              <a:rPr lang="en-US" altLang="ko-KR" dirty="0"/>
-              <a:t>ARF</a:t>
-            </a:r>
-            <a:r>
-              <a:rPr lang="ko-KR" altLang="en-US" dirty="0"/>
-              <a:t>에 참석해 아세안을 상대로 여론전을 펼쳤다</a:t>
-            </a:r>
-            <a:r>
-              <a:rPr lang="en-US" altLang="ko-KR" dirty="0"/>
-              <a:t>. </a:t>
-            </a:r>
-            <a:r>
-              <a:rPr lang="ko-KR" altLang="en-US" dirty="0"/>
-              <a:t>북한의 초청으로 비자이 쿠마르 싱 인도 외교부 국무장관이 방북했을 때도 최 부상은 싱 국무장관을 직접 영접하고</a:t>
-            </a:r>
-            <a:r>
-              <a:rPr lang="en-US" altLang="ko-KR" dirty="0"/>
-              <a:t>, </a:t>
-            </a:r>
-            <a:r>
-              <a:rPr lang="ko-KR" altLang="en-US" dirty="0"/>
-              <a:t>한반도 문제를 논의하기도 했다</a:t>
-            </a:r>
-            <a:r>
-              <a:rPr lang="en-US" altLang="ko-KR" dirty="0"/>
-              <a:t>.</a:t>
-            </a:r>
-          </a:p>
-          <a:p>
-            <a:pPr marL="0" indent="0" algn="just">
-              <a:lnSpc>
-                <a:spcPct val="170000"/>
-              </a:lnSpc>
-              <a:buNone/>
-            </a:pPr>
-            <a:r>
-              <a:rPr lang="ko-KR" altLang="en-US" dirty="0"/>
-              <a:t>베이징 소식통은 “최 부상이 대</a:t>
-            </a:r>
-            <a:r>
-              <a:rPr lang="en-US" altLang="ko-KR" dirty="0"/>
-              <a:t>(</a:t>
-            </a:r>
-            <a:r>
-              <a:rPr lang="ko-KR" altLang="en-US" dirty="0"/>
-              <a:t>對</a:t>
-            </a:r>
-            <a:r>
-              <a:rPr lang="en-US" altLang="ko-KR" dirty="0"/>
-              <a:t>)</a:t>
-            </a:r>
-            <a:r>
-              <a:rPr lang="ko-KR" altLang="en-US" dirty="0"/>
-              <a:t>미 외교담당이 아니기 때문에 싱가포르로 갈 가능성이 큰 것은 아니다”며 “만약 싱가포르에 간다면 정상회담과 관련한 지원 작업 준비 등을 위한 것일 가능성이 크다”고 말했다</a:t>
-            </a:r>
-            <a:r>
-              <a:rPr lang="en-US" altLang="ko-KR" dirty="0"/>
-              <a:t>.</a:t>
-            </a:r>
-            <a:endParaRPr lang="ko-KR" altLang="en-US" dirty="0"/>
-          </a:p>
-        </p:txBody>
-      </p:sp>
-    </p:spTree>
-    <p:extLst>
-      <p:ext uri="{BB962C8B-B14F-4D97-AF65-F5344CB8AC3E}">
-        <p14:creationId xmlns:p14="http://schemas.microsoft.com/office/powerpoint/2010/main" val="2095744412"/>
+        <p14:creationId xmlns:p14="http://schemas.microsoft.com/office/powerpoint/2010/main" val="1695892610"/>
       </p:ext>
     </p:extLst>
   </p:cSld>
